--- a/week5/Dissertation_5.pptx
+++ b/week5/Dissertation_5.pptx
@@ -5,19 +5,20 @@
     <p:sldMasterId id="2147483648" r:id="rId1"/>
   </p:sldMasterIdLst>
   <p:notesMasterIdLst>
-    <p:notesMasterId r:id="rId12"/>
+    <p:notesMasterId r:id="rId13"/>
   </p:notesMasterIdLst>
   <p:sldIdLst>
     <p:sldId id="260" r:id="rId2"/>
     <p:sldId id="273" r:id="rId3"/>
-    <p:sldId id="285" r:id="rId4"/>
+    <p:sldId id="293" r:id="rId4"/>
     <p:sldId id="282" r:id="rId5"/>
-    <p:sldId id="290" r:id="rId6"/>
-    <p:sldId id="292" r:id="rId7"/>
-    <p:sldId id="291" r:id="rId8"/>
-    <p:sldId id="284" r:id="rId9"/>
-    <p:sldId id="286" r:id="rId10"/>
-    <p:sldId id="288" r:id="rId11"/>
+    <p:sldId id="294" r:id="rId6"/>
+    <p:sldId id="290" r:id="rId7"/>
+    <p:sldId id="292" r:id="rId8"/>
+    <p:sldId id="291" r:id="rId9"/>
+    <p:sldId id="284" r:id="rId10"/>
+    <p:sldId id="286" r:id="rId11"/>
+    <p:sldId id="288" r:id="rId12"/>
   </p:sldIdLst>
   <p:sldSz cx="12192000" cy="6858000"/>
   <p:notesSz cx="6858000" cy="9144000"/>
@@ -206,7 +207,7 @@
           <a:p>
             <a:fld id="{5551B73A-00A5-41F0-AD1E-E8BC06CD57C4}" type="datetimeFigureOut">
               <a:rPr lang="zh-CN" altLang="en-US" smtClean="0"/>
-              <a:t>2023/7/1</a:t>
+              <a:t>2023/7/3</a:t>
             </a:fld>
             <a:endParaRPr lang="zh-CN" altLang="en-US"/>
           </a:p>
@@ -4188,7 +4189,7 @@
         </p:nvSpPr>
         <p:spPr>
           <a:xfrm>
-            <a:off x="239333" y="0"/>
+            <a:off x="13149" y="723900"/>
             <a:ext cx="10515600" cy="1325563"/>
           </a:xfrm>
         </p:spPr>
@@ -4198,7 +4199,7 @@
           <a:p>
             <a:r>
               <a:rPr lang="en-US" altLang="zh-CN" dirty="0"/>
-              <a:t>Result Explain</a:t>
+              <a:t>Experiments results – ML-1M</a:t>
             </a:r>
             <a:endParaRPr lang="zh-CN" altLang="en-US" dirty="0"/>
           </a:p>
@@ -4408,6 +4409,334 @@
           </a:p>
         </p:txBody>
       </p:sp>
+      <p:pic>
+        <p:nvPicPr>
+          <p:cNvPr id="4" name="图片 3">
+            <a:extLst>
+              <a:ext uri="{FF2B5EF4-FFF2-40B4-BE49-F238E27FC236}">
+                <a16:creationId xmlns:a16="http://schemas.microsoft.com/office/drawing/2014/main" id="{19397403-96FC-799D-8A16-710A31B94C3B}"/>
+              </a:ext>
+            </a:extLst>
+          </p:cNvPr>
+          <p:cNvPicPr>
+            <a:picLocks noChangeAspect="1"/>
+          </p:cNvPicPr>
+          <p:nvPr/>
+        </p:nvPicPr>
+        <p:blipFill>
+          <a:blip r:embed="rId2"/>
+          <a:stretch>
+            <a:fillRect/>
+          </a:stretch>
+        </p:blipFill>
+        <p:spPr>
+          <a:xfrm>
+            <a:off x="1325490" y="2235883"/>
+            <a:ext cx="9004763" cy="3695890"/>
+          </a:xfrm>
+          <a:prstGeom prst="rect">
+            <a:avLst/>
+          </a:prstGeom>
+        </p:spPr>
+      </p:pic>
+      <p:sp>
+        <p:nvSpPr>
+          <p:cNvPr id="7" name="灯片编号占位符 6">
+            <a:extLst>
+              <a:ext uri="{FF2B5EF4-FFF2-40B4-BE49-F238E27FC236}">
+                <a16:creationId xmlns:a16="http://schemas.microsoft.com/office/drawing/2014/main" id="{350CCB26-346C-0112-23D5-E83AC3F78A8B}"/>
+              </a:ext>
+            </a:extLst>
+          </p:cNvPr>
+          <p:cNvSpPr>
+            <a:spLocks noGrp="1"/>
+          </p:cNvSpPr>
+          <p:nvPr>
+            <p:ph type="sldNum" sz="quarter" idx="2"/>
+          </p:nvPr>
+        </p:nvSpPr>
+        <p:spPr/>
+        <p:txBody>
+          <a:bodyPr/>
+          <a:lstStyle/>
+          <a:p>
+            <a:fld id="{86CB4B4D-7CA3-9044-876B-883B54F8677D}" type="slidenum">
+              <a:rPr lang="en-US" altLang="zh-CN" smtClean="0"/>
+              <a:t>10</a:t>
+            </a:fld>
+            <a:endParaRPr lang="zh-CN" altLang="en-US"/>
+          </a:p>
+        </p:txBody>
+      </p:sp>
+    </p:spTree>
+    <p:extLst>
+      <p:ext uri="{BB962C8B-B14F-4D97-AF65-F5344CB8AC3E}">
+        <p14:creationId xmlns:p14="http://schemas.microsoft.com/office/powerpoint/2010/main" val="4212224579"/>
+      </p:ext>
+    </p:extLst>
+  </p:cSld>
+  <p:clrMapOvr>
+    <a:masterClrMapping/>
+  </p:clrMapOvr>
+  <p:transition spd="med"/>
+</p:sld>
+</file>
+
+<file path=ppt/slides/slide11.xml><?xml version="1.0" encoding="utf-8"?>
+<p:sld xmlns:a="http://schemas.openxmlformats.org/drawingml/2006/main" xmlns:r="http://schemas.openxmlformats.org/officeDocument/2006/relationships" xmlns:p="http://schemas.openxmlformats.org/presentationml/2006/main">
+  <p:cSld>
+    <p:spTree>
+      <p:nvGrpSpPr>
+        <p:cNvPr id="1" name=""/>
+        <p:cNvGrpSpPr/>
+        <p:nvPr/>
+      </p:nvGrpSpPr>
+      <p:grpSpPr>
+        <a:xfrm>
+          <a:off x="0" y="0"/>
+          <a:ext cx="0" cy="0"/>
+          <a:chOff x="0" y="0"/>
+          <a:chExt cx="0" cy="0"/>
+        </a:xfrm>
+      </p:grpSpPr>
+      <p:sp>
+        <p:nvSpPr>
+          <p:cNvPr id="2" name="标题 1">
+            <a:extLst>
+              <a:ext uri="{FF2B5EF4-FFF2-40B4-BE49-F238E27FC236}">
+                <a16:creationId xmlns:a16="http://schemas.microsoft.com/office/drawing/2014/main" id="{8CB0BEDD-BACE-C402-E5B3-E7DBD84C11B8}"/>
+              </a:ext>
+            </a:extLst>
+          </p:cNvPr>
+          <p:cNvSpPr>
+            <a:spLocks noGrp="1"/>
+          </p:cNvSpPr>
+          <p:nvPr>
+            <p:ph type="title"/>
+          </p:nvPr>
+        </p:nvSpPr>
+        <p:spPr>
+          <a:xfrm>
+            <a:off x="239333" y="0"/>
+            <a:ext cx="10515600" cy="1325563"/>
+          </a:xfrm>
+        </p:spPr>
+        <p:txBody>
+          <a:bodyPr/>
+          <a:lstStyle/>
+          <a:p>
+            <a:r>
+              <a:rPr lang="en-US" altLang="zh-CN" dirty="0"/>
+              <a:t>Result Explain</a:t>
+            </a:r>
+            <a:endParaRPr lang="zh-CN" altLang="en-US" dirty="0"/>
+          </a:p>
+        </p:txBody>
+      </p:sp>
+      <p:sp>
+        <p:nvSpPr>
+          <p:cNvPr id="9" name="文本占位符 3">
+            <a:extLst>
+              <a:ext uri="{FF2B5EF4-FFF2-40B4-BE49-F238E27FC236}">
+                <a16:creationId xmlns:a16="http://schemas.microsoft.com/office/drawing/2014/main" id="{77618B53-20FA-46A1-85E1-E8ABF98844D0}"/>
+              </a:ext>
+            </a:extLst>
+          </p:cNvPr>
+          <p:cNvSpPr txBox="1">
+            <a:spLocks/>
+          </p:cNvSpPr>
+          <p:nvPr/>
+        </p:nvSpPr>
+        <p:spPr>
+          <a:xfrm>
+            <a:off x="357917" y="1124692"/>
+            <a:ext cx="4913032" cy="5532437"/>
+          </a:xfrm>
+          <a:prstGeom prst="rect">
+            <a:avLst/>
+          </a:prstGeom>
+        </p:spPr>
+        <p:txBody>
+          <a:bodyPr vert="horz" lIns="91440" tIns="45720" rIns="91440" bIns="45720" rtlCol="0">
+            <a:normAutofit/>
+          </a:bodyPr>
+          <a:lstStyle>
+            <a:lvl1pPr marL="228600" indent="-228600" algn="l" defTabSz="914400" rtl="0" eaLnBrk="1" latinLnBrk="0" hangingPunct="1">
+              <a:lnSpc>
+                <a:spcPct val="90000"/>
+              </a:lnSpc>
+              <a:spcBef>
+                <a:spcPts val="1000"/>
+              </a:spcBef>
+              <a:buFont typeface="Arial" panose="020B0604020202020204" pitchFamily="34" charset="0"/>
+              <a:buChar char="•"/>
+              <a:defRPr sz="2800" kern="1200">
+                <a:solidFill>
+                  <a:schemeClr val="tx1"/>
+                </a:solidFill>
+                <a:latin typeface="+mn-lt"/>
+                <a:ea typeface="+mn-ea"/>
+                <a:cs typeface="+mn-cs"/>
+              </a:defRPr>
+            </a:lvl1pPr>
+            <a:lvl2pPr marL="685800" indent="-228600" algn="l" defTabSz="914400" rtl="0" eaLnBrk="1" latinLnBrk="0" hangingPunct="1">
+              <a:lnSpc>
+                <a:spcPct val="90000"/>
+              </a:lnSpc>
+              <a:spcBef>
+                <a:spcPts val="500"/>
+              </a:spcBef>
+              <a:buFont typeface="Arial" panose="020B0604020202020204" pitchFamily="34" charset="0"/>
+              <a:buChar char="•"/>
+              <a:defRPr sz="2400" kern="1200">
+                <a:solidFill>
+                  <a:schemeClr val="tx1"/>
+                </a:solidFill>
+                <a:latin typeface="+mn-lt"/>
+                <a:ea typeface="+mn-ea"/>
+                <a:cs typeface="+mn-cs"/>
+              </a:defRPr>
+            </a:lvl2pPr>
+            <a:lvl3pPr marL="1143000" indent="-228600" algn="l" defTabSz="914400" rtl="0" eaLnBrk="1" latinLnBrk="0" hangingPunct="1">
+              <a:lnSpc>
+                <a:spcPct val="90000"/>
+              </a:lnSpc>
+              <a:spcBef>
+                <a:spcPts val="500"/>
+              </a:spcBef>
+              <a:buFont typeface="Arial" panose="020B0604020202020204" pitchFamily="34" charset="0"/>
+              <a:buChar char="•"/>
+              <a:defRPr sz="2000" kern="1200">
+                <a:solidFill>
+                  <a:schemeClr val="tx1"/>
+                </a:solidFill>
+                <a:latin typeface="+mn-lt"/>
+                <a:ea typeface="+mn-ea"/>
+                <a:cs typeface="+mn-cs"/>
+              </a:defRPr>
+            </a:lvl3pPr>
+            <a:lvl4pPr marL="1600200" indent="-228600" algn="l" defTabSz="914400" rtl="0" eaLnBrk="1" latinLnBrk="0" hangingPunct="1">
+              <a:lnSpc>
+                <a:spcPct val="90000"/>
+              </a:lnSpc>
+              <a:spcBef>
+                <a:spcPts val="500"/>
+              </a:spcBef>
+              <a:buFont typeface="Arial" panose="020B0604020202020204" pitchFamily="34" charset="0"/>
+              <a:buChar char="•"/>
+              <a:defRPr sz="1800" kern="1200">
+                <a:solidFill>
+                  <a:schemeClr val="tx1"/>
+                </a:solidFill>
+                <a:latin typeface="+mn-lt"/>
+                <a:ea typeface="+mn-ea"/>
+                <a:cs typeface="+mn-cs"/>
+              </a:defRPr>
+            </a:lvl4pPr>
+            <a:lvl5pPr marL="2057400" indent="-228600" algn="l" defTabSz="914400" rtl="0" eaLnBrk="1" latinLnBrk="0" hangingPunct="1">
+              <a:lnSpc>
+                <a:spcPct val="90000"/>
+              </a:lnSpc>
+              <a:spcBef>
+                <a:spcPts val="500"/>
+              </a:spcBef>
+              <a:buFont typeface="Arial" panose="020B0604020202020204" pitchFamily="34" charset="0"/>
+              <a:buChar char="•"/>
+              <a:defRPr sz="1800" kern="1200">
+                <a:solidFill>
+                  <a:schemeClr val="tx1"/>
+                </a:solidFill>
+                <a:latin typeface="+mn-lt"/>
+                <a:ea typeface="+mn-ea"/>
+                <a:cs typeface="+mn-cs"/>
+              </a:defRPr>
+            </a:lvl5pPr>
+            <a:lvl6pPr marL="2514600" indent="-228600" algn="l" defTabSz="914400" rtl="0" eaLnBrk="1" latinLnBrk="0" hangingPunct="1">
+              <a:lnSpc>
+                <a:spcPct val="90000"/>
+              </a:lnSpc>
+              <a:spcBef>
+                <a:spcPts val="500"/>
+              </a:spcBef>
+              <a:buFont typeface="Arial" panose="020B0604020202020204" pitchFamily="34" charset="0"/>
+              <a:buChar char="•"/>
+              <a:defRPr sz="1800" kern="1200">
+                <a:solidFill>
+                  <a:schemeClr val="tx1"/>
+                </a:solidFill>
+                <a:latin typeface="+mn-lt"/>
+                <a:ea typeface="+mn-ea"/>
+                <a:cs typeface="+mn-cs"/>
+              </a:defRPr>
+            </a:lvl6pPr>
+            <a:lvl7pPr marL="2971800" indent="-228600" algn="l" defTabSz="914400" rtl="0" eaLnBrk="1" latinLnBrk="0" hangingPunct="1">
+              <a:lnSpc>
+                <a:spcPct val="90000"/>
+              </a:lnSpc>
+              <a:spcBef>
+                <a:spcPts val="500"/>
+              </a:spcBef>
+              <a:buFont typeface="Arial" panose="020B0604020202020204" pitchFamily="34" charset="0"/>
+              <a:buChar char="•"/>
+              <a:defRPr sz="1800" kern="1200">
+                <a:solidFill>
+                  <a:schemeClr val="tx1"/>
+                </a:solidFill>
+                <a:latin typeface="+mn-lt"/>
+                <a:ea typeface="+mn-ea"/>
+                <a:cs typeface="+mn-cs"/>
+              </a:defRPr>
+            </a:lvl7pPr>
+            <a:lvl8pPr marL="3429000" indent="-228600" algn="l" defTabSz="914400" rtl="0" eaLnBrk="1" latinLnBrk="0" hangingPunct="1">
+              <a:lnSpc>
+                <a:spcPct val="90000"/>
+              </a:lnSpc>
+              <a:spcBef>
+                <a:spcPts val="500"/>
+              </a:spcBef>
+              <a:buFont typeface="Arial" panose="020B0604020202020204" pitchFamily="34" charset="0"/>
+              <a:buChar char="•"/>
+              <a:defRPr sz="1800" kern="1200">
+                <a:solidFill>
+                  <a:schemeClr val="tx1"/>
+                </a:solidFill>
+                <a:latin typeface="+mn-lt"/>
+                <a:ea typeface="+mn-ea"/>
+                <a:cs typeface="+mn-cs"/>
+              </a:defRPr>
+            </a:lvl8pPr>
+            <a:lvl9pPr marL="3886200" indent="-228600" algn="l" defTabSz="914400" rtl="0" eaLnBrk="1" latinLnBrk="0" hangingPunct="1">
+              <a:lnSpc>
+                <a:spcPct val="90000"/>
+              </a:lnSpc>
+              <a:spcBef>
+                <a:spcPts val="500"/>
+              </a:spcBef>
+              <a:buFont typeface="Arial" panose="020B0604020202020204" pitchFamily="34" charset="0"/>
+              <a:buChar char="•"/>
+              <a:defRPr sz="1800" kern="1200">
+                <a:solidFill>
+                  <a:schemeClr val="tx1"/>
+                </a:solidFill>
+                <a:latin typeface="+mn-lt"/>
+                <a:ea typeface="+mn-ea"/>
+                <a:cs typeface="+mn-cs"/>
+              </a:defRPr>
+            </a:lvl9pPr>
+          </a:lstStyle>
+          <a:p>
+            <a:pPr marL="0" indent="0">
+              <a:buNone/>
+            </a:pPr>
+            <a:endParaRPr lang="en-US" altLang="zh-CN" dirty="0">
+              <a:solidFill>
+                <a:schemeClr val="accent1"/>
+              </a:solidFill>
+              <a:latin typeface="-apple-system"/>
+            </a:endParaRPr>
+          </a:p>
+        </p:txBody>
+      </p:sp>
       <p:sp>
         <p:nvSpPr>
           <p:cNvPr id="3" name="文本占位符 3">
@@ -4694,7 +5023,7 @@
           <a:p>
             <a:fld id="{86CB4B4D-7CA3-9044-876B-883B54F8677D}" type="slidenum">
               <a:rPr lang="en-US" altLang="zh-CN" smtClean="0"/>
-              <a:t>10</a:t>
+              <a:t>11</a:t>
             </a:fld>
             <a:endParaRPr lang="zh-CN" altLang="en-US"/>
           </a:p>
@@ -4767,227 +5096,265 @@
       </p:sp>
       <p:sp>
         <p:nvSpPr>
-          <p:cNvPr id="4" name="文本占位符 3">
-            <a:extLst>
-              <a:ext uri="{FF2B5EF4-FFF2-40B4-BE49-F238E27FC236}">
-                <a16:creationId xmlns:a16="http://schemas.microsoft.com/office/drawing/2014/main" id="{E6059D6D-BCD7-AC7A-7937-3C64DE94BD35}"/>
-              </a:ext>
-            </a:extLst>
-          </p:cNvPr>
-          <p:cNvSpPr>
-            <a:spLocks noGrp="1"/>
-          </p:cNvSpPr>
-          <p:nvPr>
-            <p:ph type="body" idx="1"/>
-          </p:nvPr>
+          <p:cNvPr id="6" name="灯片编号占位符 5">
+            <a:extLst>
+              <a:ext uri="{FF2B5EF4-FFF2-40B4-BE49-F238E27FC236}">
+                <a16:creationId xmlns:a16="http://schemas.microsoft.com/office/drawing/2014/main" id="{064315A4-3CF4-4926-C9FA-2AFFC911ABCF}"/>
+              </a:ext>
+            </a:extLst>
+          </p:cNvPr>
+          <p:cNvSpPr>
+            <a:spLocks noGrp="1"/>
+          </p:cNvSpPr>
+          <p:nvPr>
+            <p:ph type="sldNum" sz="quarter" idx="2"/>
+          </p:nvPr>
+        </p:nvSpPr>
+        <p:spPr/>
+        <p:txBody>
+          <a:bodyPr/>
+          <a:lstStyle/>
+          <a:p>
+            <a:fld id="{86CB4B4D-7CA3-9044-876B-883B54F8677D}" type="slidenum">
+              <a:rPr lang="en-US" altLang="zh-CN" smtClean="0"/>
+              <a:t>2</a:t>
+            </a:fld>
+            <a:endParaRPr lang="zh-CN" altLang="en-US"/>
+          </a:p>
+        </p:txBody>
+      </p:sp>
+      <p:sp>
+        <p:nvSpPr>
+          <p:cNvPr id="5" name="文本框 4">
+            <a:extLst>
+              <a:ext uri="{FF2B5EF4-FFF2-40B4-BE49-F238E27FC236}">
+                <a16:creationId xmlns:a16="http://schemas.microsoft.com/office/drawing/2014/main" id="{845637AD-D55C-9023-2235-DDE9EB1FBEE5}"/>
+              </a:ext>
+            </a:extLst>
+          </p:cNvPr>
+          <p:cNvSpPr txBox="1"/>
+          <p:nvPr/>
         </p:nvSpPr>
         <p:spPr>
           <a:xfrm>
-            <a:off x="239333" y="1206376"/>
-            <a:ext cx="10515600" cy="5561472"/>
+            <a:off x="527684" y="1198364"/>
+            <a:ext cx="9241156" cy="4524315"/>
           </a:xfrm>
+          <a:prstGeom prst="rect">
+            <a:avLst/>
+          </a:prstGeom>
+          <a:noFill/>
         </p:spPr>
         <p:txBody>
-          <a:bodyPr>
-            <a:normAutofit/>
+          <a:bodyPr wrap="square">
+            <a:spAutoFit/>
           </a:bodyPr>
           <a:lstStyle/>
           <a:p>
             <a:pPr algn="l"/>
             <a:r>
-              <a:rPr lang="en-GB" altLang="zh-CN" b="0" i="0" dirty="0">
-                <a:solidFill>
-                  <a:srgbClr val="1F2328"/>
+              <a:rPr lang="en-GB" altLang="zh-CN" sz="3600" b="0" i="0" dirty="0">
+                <a:solidFill>
+                  <a:schemeClr val="accent1"/>
                 </a:solidFill>
                 <a:effectLst/>
                 <a:latin typeface="Calibri" panose="020F0502020204030204" pitchFamily="34" charset="0"/>
                 <a:ea typeface="Calibri" panose="020F0502020204030204" pitchFamily="34" charset="0"/>
                 <a:cs typeface="Calibri" panose="020F0502020204030204" pitchFamily="34" charset="0"/>
               </a:rPr>
-              <a:t>The Reason:</a:t>
-            </a:r>
-            <a:br>
-              <a:rPr lang="en-GB" altLang="zh-CN" b="0" i="0" dirty="0">
+              <a:t>The Reason</a:t>
+            </a:r>
+          </a:p>
+          <a:p>
+            <a:pPr marL="342900" indent="-342900" algn="l">
+              <a:buAutoNum type="arabicPeriod"/>
+            </a:pPr>
+            <a:r>
+              <a:rPr lang="en-GB" altLang="zh-CN" sz="2400" dirty="0">
                 <a:solidFill>
                   <a:srgbClr val="1F2328"/>
                 </a:solidFill>
-                <a:effectLst/>
                 <a:latin typeface="Calibri" panose="020F0502020204030204" pitchFamily="34" charset="0"/>
                 <a:ea typeface="Calibri" panose="020F0502020204030204" pitchFamily="34" charset="0"/>
                 <a:cs typeface="Calibri" panose="020F0502020204030204" pitchFamily="34" charset="0"/>
               </a:rPr>
-            </a:br>
-            <a:br>
-              <a:rPr lang="en-GB" altLang="zh-CN" b="0" i="0" dirty="0">
+              <a:t>Training from scratch harms the item embedding in some extent shown from the experiments. The </a:t>
+            </a:r>
+            <a:r>
+              <a:rPr lang="en-US" altLang="zh-CN" sz="2400" dirty="0">
                 <a:solidFill>
                   <a:srgbClr val="1F2328"/>
                 </a:solidFill>
-                <a:effectLst/>
                 <a:latin typeface="Calibri" panose="020F0502020204030204" pitchFamily="34" charset="0"/>
                 <a:ea typeface="Calibri" panose="020F0502020204030204" pitchFamily="34" charset="0"/>
                 <a:cs typeface="Calibri" panose="020F0502020204030204" pitchFamily="34" charset="0"/>
               </a:rPr>
-            </a:br>
-            <a:r>
-              <a:rPr lang="en-GB" altLang="zh-CN" b="0" i="0" dirty="0" err="1">
+              <a:t>next item could be the most relational item to the current time step.</a:t>
+            </a:r>
+          </a:p>
+          <a:p>
+            <a:pPr marL="342900" indent="-342900" algn="l">
+              <a:buAutoNum type="arabicPeriod"/>
+            </a:pPr>
+            <a:endParaRPr lang="en-US" altLang="zh-CN" sz="2400" dirty="0">
+              <a:solidFill>
+                <a:srgbClr val="1F2328"/>
+              </a:solidFill>
+              <a:latin typeface="Calibri" panose="020F0502020204030204" pitchFamily="34" charset="0"/>
+              <a:ea typeface="Calibri" panose="020F0502020204030204" pitchFamily="34" charset="0"/>
+              <a:cs typeface="Calibri" panose="020F0502020204030204" pitchFamily="34" charset="0"/>
+            </a:endParaRPr>
+          </a:p>
+          <a:p>
+            <a:pPr marL="342900" indent="-342900" algn="l">
+              <a:buAutoNum type="arabicPeriod"/>
+            </a:pPr>
+            <a:endParaRPr lang="en-US" altLang="zh-CN" sz="2400" dirty="0">
+              <a:solidFill>
+                <a:srgbClr val="1F2328"/>
+              </a:solidFill>
+              <a:latin typeface="Calibri" panose="020F0502020204030204" pitchFamily="34" charset="0"/>
+              <a:ea typeface="Calibri" panose="020F0502020204030204" pitchFamily="34" charset="0"/>
+              <a:cs typeface="Calibri" panose="020F0502020204030204" pitchFamily="34" charset="0"/>
+            </a:endParaRPr>
+          </a:p>
+          <a:p>
+            <a:pPr marL="342900" indent="-342900" algn="l">
+              <a:buAutoNum type="arabicPeriod"/>
+            </a:pPr>
+            <a:endParaRPr lang="en-US" altLang="zh-CN" sz="2400" dirty="0">
+              <a:solidFill>
+                <a:srgbClr val="1F2328"/>
+              </a:solidFill>
+              <a:latin typeface="Calibri" panose="020F0502020204030204" pitchFamily="34" charset="0"/>
+              <a:ea typeface="Calibri" panose="020F0502020204030204" pitchFamily="34" charset="0"/>
+              <a:cs typeface="Calibri" panose="020F0502020204030204" pitchFamily="34" charset="0"/>
+            </a:endParaRPr>
+          </a:p>
+          <a:p>
+            <a:pPr marL="342900" indent="-342900" algn="l">
+              <a:buAutoNum type="arabicPeriod"/>
+            </a:pPr>
+            <a:endParaRPr lang="en-US" altLang="zh-CN" sz="2400" dirty="0">
+              <a:solidFill>
+                <a:srgbClr val="1F2328"/>
+              </a:solidFill>
+              <a:latin typeface="Calibri" panose="020F0502020204030204" pitchFamily="34" charset="0"/>
+              <a:ea typeface="Calibri" panose="020F0502020204030204" pitchFamily="34" charset="0"/>
+              <a:cs typeface="Calibri" panose="020F0502020204030204" pitchFamily="34" charset="0"/>
+            </a:endParaRPr>
+          </a:p>
+          <a:p>
+            <a:pPr marL="342900" indent="-342900" algn="l">
+              <a:buAutoNum type="arabicPeriod"/>
+            </a:pPr>
+            <a:r>
+              <a:rPr lang="en-US" altLang="zh-CN" sz="2400" dirty="0" err="1">
                 <a:solidFill>
                   <a:srgbClr val="1F2328"/>
                 </a:solidFill>
-                <a:effectLst/>
                 <a:latin typeface="Calibri" panose="020F0502020204030204" pitchFamily="34" charset="0"/>
                 <a:ea typeface="Calibri" panose="020F0502020204030204" pitchFamily="34" charset="0"/>
                 <a:cs typeface="Calibri" panose="020F0502020204030204" pitchFamily="34" charset="0"/>
               </a:rPr>
-              <a:t>Pinnerformer</a:t>
-            </a:r>
-            <a:r>
-              <a:rPr lang="en-GB" altLang="zh-CN" b="0" i="0" dirty="0">
+              <a:t>PinnerFormer</a:t>
+            </a:r>
+            <a:r>
+              <a:rPr lang="en-US" altLang="zh-CN" sz="2400" dirty="0">
                 <a:solidFill>
                   <a:srgbClr val="1F2328"/>
                 </a:solidFill>
-                <a:effectLst/>
                 <a:latin typeface="Calibri" panose="020F0502020204030204" pitchFamily="34" charset="0"/>
                 <a:ea typeface="Calibri" panose="020F0502020204030204" pitchFamily="34" charset="0"/>
                 <a:cs typeface="Calibri" panose="020F0502020204030204" pitchFamily="34" charset="0"/>
               </a:rPr>
-              <a:t> use static item embedding.</a:t>
-            </a:r>
-            <a:r>
-              <a:rPr lang="en-GB" altLang="zh-CN" sz="1800" b="0" i="0" u="none" strike="noStrike" baseline="0" dirty="0">
+              <a:t> did not train the item embedding from scratch, They use </a:t>
+            </a:r>
+            <a:r>
+              <a:rPr lang="en-US" altLang="zh-CN" sz="2400" dirty="0" err="1">
+                <a:solidFill>
+                  <a:srgbClr val="1F2328"/>
+                </a:solidFill>
                 <a:latin typeface="Calibri" panose="020F0502020204030204" pitchFamily="34" charset="0"/>
                 <a:ea typeface="Calibri" panose="020F0502020204030204" pitchFamily="34" charset="0"/>
                 <a:cs typeface="Calibri" panose="020F0502020204030204" pitchFamily="34" charset="0"/>
               </a:rPr>
-              <a:t> </a:t>
-            </a:r>
-          </a:p>
-          <a:p>
-            <a:pPr algn="l"/>
-            <a:r>
-              <a:rPr lang="en-GB" altLang="zh-CN" sz="1800" b="0" i="0" u="none" strike="noStrike" baseline="0" dirty="0">
+              <a:t>PinnerSage</a:t>
+            </a:r>
+            <a:r>
+              <a:rPr lang="en-US" altLang="zh-CN" sz="2400" dirty="0">
+                <a:solidFill>
+                  <a:srgbClr val="1F2328"/>
+                </a:solidFill>
                 <a:latin typeface="Calibri" panose="020F0502020204030204" pitchFamily="34" charset="0"/>
                 <a:ea typeface="Calibri" panose="020F0502020204030204" pitchFamily="34" charset="0"/>
                 <a:cs typeface="Calibri" panose="020F0502020204030204" pitchFamily="34" charset="0"/>
               </a:rPr>
-              <a:t>For each Pin in the corpus, we have a </a:t>
-            </a:r>
-            <a:r>
-              <a:rPr lang="en-GB" altLang="zh-CN" sz="1800" b="0" i="0" u="none" strike="noStrike" baseline="0" dirty="0" err="1">
-                <a:latin typeface="Calibri" panose="020F0502020204030204" pitchFamily="34" charset="0"/>
-                <a:ea typeface="Calibri" panose="020F0502020204030204" pitchFamily="34" charset="0"/>
-                <a:cs typeface="Calibri" panose="020F0502020204030204" pitchFamily="34" charset="0"/>
-              </a:rPr>
-              <a:t>PinSage</a:t>
-            </a:r>
-            <a:r>
-              <a:rPr lang="en-GB" altLang="zh-CN" sz="1800" b="0" i="0" u="none" strike="noStrike" baseline="0" dirty="0">
-                <a:latin typeface="Calibri" panose="020F0502020204030204" pitchFamily="34" charset="0"/>
-                <a:ea typeface="Calibri" panose="020F0502020204030204" pitchFamily="34" charset="0"/>
-                <a:cs typeface="Calibri" panose="020F0502020204030204" pitchFamily="34" charset="0"/>
-              </a:rPr>
-              <a:t> [28] embedding </a:t>
-            </a:r>
-            <a:r>
-              <a:rPr lang="zh-CN" altLang="en-GB" sz="1800" b="0" i="0" u="none" strike="noStrike" baseline="0" dirty="0">
-                <a:latin typeface="Calibri" panose="020F0502020204030204" pitchFamily="34" charset="0"/>
-                <a:cs typeface="Calibri" panose="020F0502020204030204" pitchFamily="34" charset="0"/>
-              </a:rPr>
-              <a:t>𝑝𝑖 </a:t>
-            </a:r>
-            <a:r>
-              <a:rPr lang="en-GB" altLang="zh-CN" sz="1800" b="0" i="0" u="none" strike="noStrike" baseline="0" dirty="0">
-                <a:latin typeface="Calibri" panose="020F0502020204030204" pitchFamily="34" charset="0"/>
-                <a:ea typeface="Calibri" panose="020F0502020204030204" pitchFamily="34" charset="0"/>
-                <a:cs typeface="Calibri" panose="020F0502020204030204" pitchFamily="34" charset="0"/>
-              </a:rPr>
-              <a:t>∈ R256, which is an aggregation of visual,</a:t>
-            </a:r>
-          </a:p>
-          <a:p>
-            <a:pPr algn="l"/>
-            <a:r>
-              <a:rPr lang="en-GB" altLang="zh-CN" sz="1800" b="0" i="0" u="none" strike="noStrike" baseline="0" dirty="0">
-                <a:latin typeface="Calibri" panose="020F0502020204030204" pitchFamily="34" charset="0"/>
-                <a:ea typeface="Calibri" panose="020F0502020204030204" pitchFamily="34" charset="0"/>
-                <a:cs typeface="Calibri" panose="020F0502020204030204" pitchFamily="34" charset="0"/>
-              </a:rPr>
-              <a:t>text, and engagement information for a Pin </a:t>
-            </a:r>
-            <a:r>
-              <a:rPr lang="zh-CN" altLang="en-GB" sz="1800" b="0" i="0" u="none" strike="noStrike" baseline="0" dirty="0">
-                <a:latin typeface="Calibri" panose="020F0502020204030204" pitchFamily="34" charset="0"/>
-                <a:cs typeface="Calibri" panose="020F0502020204030204" pitchFamily="34" charset="0"/>
-              </a:rPr>
-              <a:t>𝑃𝑖 </a:t>
-            </a:r>
-            <a:r>
-              <a:rPr lang="en-GB" altLang="zh-CN" sz="1800" b="0" i="0" u="none" strike="noStrike" baseline="0" dirty="0">
-                <a:latin typeface="Calibri" panose="020F0502020204030204" pitchFamily="34" charset="0"/>
-                <a:ea typeface="Calibri" panose="020F0502020204030204" pitchFamily="34" charset="0"/>
-                <a:cs typeface="Calibri" panose="020F0502020204030204" pitchFamily="34" charset="0"/>
-              </a:rPr>
-              <a:t>.</a:t>
-            </a:r>
-          </a:p>
-          <a:p>
-            <a:pPr algn="l"/>
-            <a:endParaRPr lang="en-GB" altLang="zh-CN" sz="1800" dirty="0">
+              <a:t> static embedding for each pin (action).</a:t>
+            </a:r>
+            <a:endParaRPr lang="en-GB" altLang="zh-CN" sz="2400" dirty="0">
               <a:solidFill>
                 <a:srgbClr val="1F2328"/>
               </a:solidFill>
-              <a:effectLst/>
               <a:latin typeface="Calibri" panose="020F0502020204030204" pitchFamily="34" charset="0"/>
               <a:ea typeface="Calibri" panose="020F0502020204030204" pitchFamily="34" charset="0"/>
               <a:cs typeface="Calibri" panose="020F0502020204030204" pitchFamily="34" charset="0"/>
             </a:endParaRPr>
           </a:p>
           <a:p>
-            <a:pPr marL="0" indent="0" algn="l">
-              <a:buNone/>
-            </a:pPr>
-            <a:r>
-              <a:rPr lang="en-GB" altLang="zh-CN" sz="1800" b="0" i="0" dirty="0">
-                <a:solidFill>
-                  <a:srgbClr val="1F2328"/>
-                </a:solidFill>
-                <a:latin typeface="Calibri" panose="020F0502020204030204" pitchFamily="34" charset="0"/>
-                <a:ea typeface="Calibri" panose="020F0502020204030204" pitchFamily="34" charset="0"/>
-                <a:cs typeface="Calibri" panose="020F0502020204030204" pitchFamily="34" charset="0"/>
-              </a:rPr>
-              <a:t>As the Experiments results. Training item embedding from scratch will decrease the model performance for window-based model.</a:t>
-            </a:r>
-          </a:p>
-        </p:txBody>
-      </p:sp>
-      <p:sp>
-        <p:nvSpPr>
-          <p:cNvPr id="6" name="灯片编号占位符 5">
-            <a:extLst>
-              <a:ext uri="{FF2B5EF4-FFF2-40B4-BE49-F238E27FC236}">
-                <a16:creationId xmlns:a16="http://schemas.microsoft.com/office/drawing/2014/main" id="{064315A4-3CF4-4926-C9FA-2AFFC911ABCF}"/>
-              </a:ext>
-            </a:extLst>
-          </p:cNvPr>
-          <p:cNvSpPr>
-            <a:spLocks noGrp="1"/>
-          </p:cNvSpPr>
-          <p:nvPr>
-            <p:ph type="sldNum" sz="quarter" idx="2"/>
-          </p:nvPr>
-        </p:nvSpPr>
-        <p:spPr/>
-        <p:txBody>
-          <a:bodyPr/>
-          <a:lstStyle/>
-          <a:p>
-            <a:fld id="{86CB4B4D-7CA3-9044-876B-883B54F8677D}" type="slidenum">
-              <a:rPr lang="en-US" altLang="zh-CN" smtClean="0"/>
-              <a:t>2</a:t>
-            </a:fld>
-            <a:endParaRPr lang="zh-CN" altLang="en-US"/>
-          </a:p>
-        </p:txBody>
-      </p:sp>
+            <a:pPr algn="l"/>
+            <a:endParaRPr lang="en-GB" altLang="zh-CN" dirty="0">
+              <a:solidFill>
+                <a:srgbClr val="1F2328"/>
+              </a:solidFill>
+              <a:latin typeface="Calibri" panose="020F0502020204030204" pitchFamily="34" charset="0"/>
+              <a:ea typeface="Calibri" panose="020F0502020204030204" pitchFamily="34" charset="0"/>
+              <a:cs typeface="Calibri" panose="020F0502020204030204" pitchFamily="34" charset="0"/>
+            </a:endParaRPr>
+          </a:p>
+          <a:p>
+            <a:pPr algn="l"/>
+            <a:endParaRPr lang="en-GB" altLang="zh-CN" dirty="0">
+              <a:solidFill>
+                <a:srgbClr val="1F2328"/>
+              </a:solidFill>
+              <a:latin typeface="Calibri" panose="020F0502020204030204" pitchFamily="34" charset="0"/>
+              <a:ea typeface="Calibri" panose="020F0502020204030204" pitchFamily="34" charset="0"/>
+              <a:cs typeface="Calibri" panose="020F0502020204030204" pitchFamily="34" charset="0"/>
+            </a:endParaRPr>
+          </a:p>
+        </p:txBody>
+      </p:sp>
+      <p:pic>
+        <p:nvPicPr>
+          <p:cNvPr id="9" name="图片 8">
+            <a:extLst>
+              <a:ext uri="{FF2B5EF4-FFF2-40B4-BE49-F238E27FC236}">
+                <a16:creationId xmlns:a16="http://schemas.microsoft.com/office/drawing/2014/main" id="{95C29131-89FB-DA2A-C1D6-B64505233E45}"/>
+              </a:ext>
+            </a:extLst>
+          </p:cNvPr>
+          <p:cNvPicPr>
+            <a:picLocks noChangeAspect="1"/>
+          </p:cNvPicPr>
+          <p:nvPr/>
+        </p:nvPicPr>
+        <p:blipFill>
+          <a:blip r:embed="rId2"/>
+          <a:stretch>
+            <a:fillRect/>
+          </a:stretch>
+        </p:blipFill>
+        <p:spPr>
+          <a:xfrm>
+            <a:off x="6155522" y="2566992"/>
+            <a:ext cx="4200437" cy="1724016"/>
+          </a:xfrm>
+          <a:prstGeom prst="rect">
+            <a:avLst/>
+          </a:prstGeom>
+        </p:spPr>
+      </p:pic>
     </p:spTree>
     <p:extLst>
       <p:ext uri="{BB962C8B-B14F-4D97-AF65-F5344CB8AC3E}">
@@ -5037,7 +5404,7 @@
         </p:nvSpPr>
         <p:spPr>
           <a:xfrm>
-            <a:off x="893302" y="217643"/>
+            <a:off x="239333" y="0"/>
             <a:ext cx="10515600" cy="1325563"/>
           </a:xfrm>
         </p:spPr>
@@ -5047,7 +5414,7 @@
           <a:p>
             <a:r>
               <a:rPr lang="en-US" altLang="zh-CN" dirty="0"/>
-              <a:t>Experiments results</a:t>
+              <a:t>Current Method</a:t>
             </a:r>
             <a:endParaRPr lang="zh-CN" altLang="en-US" dirty="0"/>
           </a:p>
@@ -5055,10 +5422,10 @@
       </p:sp>
       <p:sp>
         <p:nvSpPr>
-          <p:cNvPr id="14" name="灯片编号占位符 13">
-            <a:extLst>
-              <a:ext uri="{FF2B5EF4-FFF2-40B4-BE49-F238E27FC236}">
-                <a16:creationId xmlns:a16="http://schemas.microsoft.com/office/drawing/2014/main" id="{FEB07A95-FA0F-A557-AC60-88242EFB17A7}"/>
+          <p:cNvPr id="6" name="灯片编号占位符 5">
+            <a:extLst>
+              <a:ext uri="{FF2B5EF4-FFF2-40B4-BE49-F238E27FC236}">
+                <a16:creationId xmlns:a16="http://schemas.microsoft.com/office/drawing/2014/main" id="{064315A4-3CF4-4926-C9FA-2AFFC911ABCF}"/>
               </a:ext>
             </a:extLst>
           </p:cNvPr>
@@ -5084,36 +5451,334 @@
       </p:sp>
       <p:sp>
         <p:nvSpPr>
-          <p:cNvPr id="4" name="文本占位符 3">
-            <a:extLst>
-              <a:ext uri="{FF2B5EF4-FFF2-40B4-BE49-F238E27FC236}">
-                <a16:creationId xmlns:a16="http://schemas.microsoft.com/office/drawing/2014/main" id="{0F9BCB25-02D1-2CB8-7265-D7B6C806A2C5}"/>
-              </a:ext>
-            </a:extLst>
-          </p:cNvPr>
-          <p:cNvSpPr>
-            <a:spLocks noGrp="1"/>
-          </p:cNvSpPr>
-          <p:nvPr>
-            <p:ph type="body" idx="1"/>
-          </p:nvPr>
-        </p:nvSpPr>
-        <p:spPr/>
-        <p:txBody>
-          <a:bodyPr/>
+          <p:cNvPr id="5" name="文本框 4">
+            <a:extLst>
+              <a:ext uri="{FF2B5EF4-FFF2-40B4-BE49-F238E27FC236}">
+                <a16:creationId xmlns:a16="http://schemas.microsoft.com/office/drawing/2014/main" id="{845637AD-D55C-9023-2235-DDE9EB1FBEE5}"/>
+              </a:ext>
+            </a:extLst>
+          </p:cNvPr>
+          <p:cNvSpPr txBox="1"/>
+          <p:nvPr/>
+        </p:nvSpPr>
+        <p:spPr>
+          <a:xfrm>
+            <a:off x="527684" y="1198364"/>
+            <a:ext cx="9241156" cy="4985980"/>
+          </a:xfrm>
+          <a:prstGeom prst="rect">
+            <a:avLst/>
+          </a:prstGeom>
+          <a:noFill/>
+        </p:spPr>
+        <p:txBody>
+          <a:bodyPr wrap="square">
+            <a:spAutoFit/>
+          </a:bodyPr>
           <a:lstStyle/>
           <a:p>
-            <a:pPr marL="0" indent="0">
-              <a:buNone/>
+            <a:pPr algn="l"/>
+            <a:r>
+              <a:rPr lang="en-GB" altLang="zh-CN" sz="3600" b="0" i="0" dirty="0">
+                <a:solidFill>
+                  <a:schemeClr val="accent1"/>
+                </a:solidFill>
+                <a:effectLst/>
+                <a:latin typeface="Calibri" panose="020F0502020204030204" pitchFamily="34" charset="0"/>
+                <a:ea typeface="Calibri" panose="020F0502020204030204" pitchFamily="34" charset="0"/>
+                <a:cs typeface="Calibri" panose="020F0502020204030204" pitchFamily="34" charset="0"/>
+              </a:rPr>
+              <a:t>Item embedding</a:t>
+            </a:r>
+          </a:p>
+          <a:p>
+            <a:pPr algn="l"/>
+            <a:r>
+              <a:rPr lang="en-US" altLang="zh-CN" sz="2400" dirty="0">
+                <a:solidFill>
+                  <a:srgbClr val="1F2328"/>
+                </a:solidFill>
+                <a:latin typeface="Calibri" panose="020F0502020204030204" pitchFamily="34" charset="0"/>
+                <a:ea typeface="Calibri" panose="020F0502020204030204" pitchFamily="34" charset="0"/>
+                <a:cs typeface="Calibri" panose="020F0502020204030204" pitchFamily="34" charset="0"/>
+              </a:rPr>
+              <a:t>Trained on the normal </a:t>
+            </a:r>
+            <a:r>
+              <a:rPr lang="en-US" altLang="zh-CN" sz="2400" dirty="0" err="1">
+                <a:solidFill>
+                  <a:srgbClr val="1F2328"/>
+                </a:solidFill>
+                <a:latin typeface="Calibri" panose="020F0502020204030204" pitchFamily="34" charset="0"/>
+                <a:ea typeface="Calibri" panose="020F0502020204030204" pitchFamily="34" charset="0"/>
+                <a:cs typeface="Calibri" panose="020F0502020204030204" pitchFamily="34" charset="0"/>
+              </a:rPr>
+              <a:t>sasrec</a:t>
+            </a:r>
+            <a:endParaRPr lang="en-US" altLang="zh-CN" sz="2400" dirty="0">
+              <a:solidFill>
+                <a:srgbClr val="1F2328"/>
+              </a:solidFill>
+              <a:latin typeface="Calibri" panose="020F0502020204030204" pitchFamily="34" charset="0"/>
+              <a:ea typeface="Calibri" panose="020F0502020204030204" pitchFamily="34" charset="0"/>
+              <a:cs typeface="Calibri" panose="020F0502020204030204" pitchFamily="34" charset="0"/>
+            </a:endParaRPr>
+          </a:p>
+          <a:p>
+            <a:pPr marL="342900" indent="-342900" algn="l">
+              <a:buAutoNum type="arabicPeriod"/>
             </a:pPr>
-            <a:endParaRPr lang="zh-CN" altLang="en-US" dirty="0"/>
-          </a:p>
-        </p:txBody>
-      </p:sp>
+            <a:endParaRPr lang="en-US" altLang="zh-CN" sz="2400" dirty="0">
+              <a:solidFill>
+                <a:srgbClr val="1F2328"/>
+              </a:solidFill>
+              <a:latin typeface="Calibri" panose="020F0502020204030204" pitchFamily="34" charset="0"/>
+              <a:ea typeface="Calibri" panose="020F0502020204030204" pitchFamily="34" charset="0"/>
+              <a:cs typeface="Calibri" panose="020F0502020204030204" pitchFamily="34" charset="0"/>
+            </a:endParaRPr>
+          </a:p>
+          <a:p>
+            <a:pPr marL="342900" indent="-342900" algn="l">
+              <a:buAutoNum type="arabicPeriod"/>
+            </a:pPr>
+            <a:endParaRPr lang="en-US" altLang="zh-CN" sz="2400" dirty="0">
+              <a:solidFill>
+                <a:srgbClr val="1F2328"/>
+              </a:solidFill>
+              <a:latin typeface="Calibri" panose="020F0502020204030204" pitchFamily="34" charset="0"/>
+              <a:ea typeface="Calibri" panose="020F0502020204030204" pitchFamily="34" charset="0"/>
+              <a:cs typeface="Calibri" panose="020F0502020204030204" pitchFamily="34" charset="0"/>
+            </a:endParaRPr>
+          </a:p>
+          <a:p>
+            <a:pPr marL="342900" indent="-342900" algn="l">
+              <a:buAutoNum type="arabicPeriod"/>
+            </a:pPr>
+            <a:endParaRPr lang="en-US" altLang="zh-CN" sz="2400" dirty="0">
+              <a:solidFill>
+                <a:srgbClr val="1F2328"/>
+              </a:solidFill>
+              <a:latin typeface="Calibri" panose="020F0502020204030204" pitchFamily="34" charset="0"/>
+              <a:ea typeface="Calibri" panose="020F0502020204030204" pitchFamily="34" charset="0"/>
+              <a:cs typeface="Calibri" panose="020F0502020204030204" pitchFamily="34" charset="0"/>
+            </a:endParaRPr>
+          </a:p>
+          <a:p>
+            <a:pPr algn="l"/>
+            <a:endParaRPr lang="en-GB" altLang="zh-CN" dirty="0">
+              <a:solidFill>
+                <a:srgbClr val="1F2328"/>
+              </a:solidFill>
+              <a:latin typeface="Calibri" panose="020F0502020204030204" pitchFamily="34" charset="0"/>
+              <a:ea typeface="Calibri" panose="020F0502020204030204" pitchFamily="34" charset="0"/>
+              <a:cs typeface="Calibri" panose="020F0502020204030204" pitchFamily="34" charset="0"/>
+            </a:endParaRPr>
+          </a:p>
+          <a:p>
+            <a:pPr algn="l"/>
+            <a:r>
+              <a:rPr lang="en-GB" altLang="zh-CN" sz="3600" dirty="0">
+                <a:solidFill>
+                  <a:schemeClr val="accent1"/>
+                </a:solidFill>
+                <a:latin typeface="Calibri" panose="020F0502020204030204" pitchFamily="34" charset="0"/>
+                <a:ea typeface="Calibri" panose="020F0502020204030204" pitchFamily="34" charset="0"/>
+                <a:cs typeface="Calibri" panose="020F0502020204030204" pitchFamily="34" charset="0"/>
+              </a:rPr>
+              <a:t>Other parameters</a:t>
+            </a:r>
+            <a:endParaRPr lang="en-GB" altLang="zh-CN" sz="3600" b="0" i="0" dirty="0">
+              <a:solidFill>
+                <a:schemeClr val="accent1"/>
+              </a:solidFill>
+              <a:effectLst/>
+              <a:latin typeface="Calibri" panose="020F0502020204030204" pitchFamily="34" charset="0"/>
+              <a:ea typeface="Calibri" panose="020F0502020204030204" pitchFamily="34" charset="0"/>
+              <a:cs typeface="Calibri" panose="020F0502020204030204" pitchFamily="34" charset="0"/>
+            </a:endParaRPr>
+          </a:p>
+          <a:p>
+            <a:pPr algn="l"/>
+            <a:r>
+              <a:rPr lang="en-US" altLang="zh-CN" sz="2400" dirty="0">
+                <a:solidFill>
+                  <a:srgbClr val="1F2328"/>
+                </a:solidFill>
+                <a:latin typeface="Calibri" panose="020F0502020204030204" pitchFamily="34" charset="0"/>
+                <a:ea typeface="Calibri" panose="020F0502020204030204" pitchFamily="34" charset="0"/>
+                <a:cs typeface="Calibri" panose="020F0502020204030204" pitchFamily="34" charset="0"/>
+              </a:rPr>
+              <a:t>Train from different training objectives</a:t>
+            </a:r>
+          </a:p>
+          <a:p>
+            <a:pPr marL="342900" indent="-342900" algn="l">
+              <a:buAutoNum type="arabicPeriod"/>
+            </a:pPr>
+            <a:endParaRPr lang="en-US" altLang="zh-CN" sz="1800" dirty="0">
+              <a:solidFill>
+                <a:srgbClr val="1F2328"/>
+              </a:solidFill>
+              <a:latin typeface="Calibri" panose="020F0502020204030204" pitchFamily="34" charset="0"/>
+              <a:ea typeface="Calibri" panose="020F0502020204030204" pitchFamily="34" charset="0"/>
+              <a:cs typeface="Calibri" panose="020F0502020204030204" pitchFamily="34" charset="0"/>
+            </a:endParaRPr>
+          </a:p>
+          <a:p>
+            <a:pPr marL="342900" indent="-342900" algn="l">
+              <a:buAutoNum type="arabicPeriod"/>
+            </a:pPr>
+            <a:endParaRPr lang="en-US" altLang="zh-CN" sz="1800" dirty="0">
+              <a:solidFill>
+                <a:srgbClr val="1F2328"/>
+              </a:solidFill>
+              <a:latin typeface="Calibri" panose="020F0502020204030204" pitchFamily="34" charset="0"/>
+              <a:ea typeface="Calibri" panose="020F0502020204030204" pitchFamily="34" charset="0"/>
+              <a:cs typeface="Calibri" panose="020F0502020204030204" pitchFamily="34" charset="0"/>
+            </a:endParaRPr>
+          </a:p>
+          <a:p>
+            <a:pPr marL="342900" indent="-342900" algn="l">
+              <a:buAutoNum type="arabicPeriod"/>
+            </a:pPr>
+            <a:endParaRPr lang="en-US" altLang="zh-CN" sz="1800" dirty="0">
+              <a:solidFill>
+                <a:srgbClr val="1F2328"/>
+              </a:solidFill>
+              <a:latin typeface="Calibri" panose="020F0502020204030204" pitchFamily="34" charset="0"/>
+              <a:ea typeface="Calibri" panose="020F0502020204030204" pitchFamily="34" charset="0"/>
+              <a:cs typeface="Calibri" panose="020F0502020204030204" pitchFamily="34" charset="0"/>
+            </a:endParaRPr>
+          </a:p>
+          <a:p>
+            <a:pPr algn="l"/>
+            <a:endParaRPr lang="en-GB" altLang="zh-CN" dirty="0">
+              <a:solidFill>
+                <a:srgbClr val="1F2328"/>
+              </a:solidFill>
+              <a:latin typeface="Calibri" panose="020F0502020204030204" pitchFamily="34" charset="0"/>
+              <a:ea typeface="Calibri" panose="020F0502020204030204" pitchFamily="34" charset="0"/>
+              <a:cs typeface="Calibri" panose="020F0502020204030204" pitchFamily="34" charset="0"/>
+            </a:endParaRPr>
+          </a:p>
+          <a:p>
+            <a:pPr algn="l"/>
+            <a:endParaRPr lang="en-GB" altLang="zh-CN" dirty="0">
+              <a:solidFill>
+                <a:srgbClr val="1F2328"/>
+              </a:solidFill>
+              <a:latin typeface="Calibri" panose="020F0502020204030204" pitchFamily="34" charset="0"/>
+              <a:ea typeface="Calibri" panose="020F0502020204030204" pitchFamily="34" charset="0"/>
+              <a:cs typeface="Calibri" panose="020F0502020204030204" pitchFamily="34" charset="0"/>
+            </a:endParaRPr>
+          </a:p>
+          <a:p>
+            <a:pPr algn="l"/>
+            <a:endParaRPr lang="en-GB" altLang="zh-CN" dirty="0">
+              <a:solidFill>
+                <a:srgbClr val="1F2328"/>
+              </a:solidFill>
+              <a:latin typeface="Calibri" panose="020F0502020204030204" pitchFamily="34" charset="0"/>
+              <a:ea typeface="Calibri" panose="020F0502020204030204" pitchFamily="34" charset="0"/>
+              <a:cs typeface="Calibri" panose="020F0502020204030204" pitchFamily="34" charset="0"/>
+            </a:endParaRPr>
+          </a:p>
+        </p:txBody>
+      </p:sp>
+      <p:pic>
+        <p:nvPicPr>
+          <p:cNvPr id="3" name="图片 2">
+            <a:extLst>
+              <a:ext uri="{FF2B5EF4-FFF2-40B4-BE49-F238E27FC236}">
+                <a16:creationId xmlns:a16="http://schemas.microsoft.com/office/drawing/2014/main" id="{BEC68CF4-A281-10C8-9E40-3542A3B115F5}"/>
+              </a:ext>
+            </a:extLst>
+          </p:cNvPr>
+          <p:cNvPicPr>
+            <a:picLocks noChangeAspect="1"/>
+          </p:cNvPicPr>
+          <p:nvPr/>
+        </p:nvPicPr>
+        <p:blipFill>
+          <a:blip r:embed="rId2"/>
+          <a:stretch>
+            <a:fillRect/>
+          </a:stretch>
+        </p:blipFill>
+        <p:spPr>
+          <a:xfrm>
+            <a:off x="527684" y="2345556"/>
+            <a:ext cx="5518287" cy="776924"/>
+          </a:xfrm>
+          <a:prstGeom prst="rect">
+            <a:avLst/>
+          </a:prstGeom>
+        </p:spPr>
+      </p:pic>
+      <p:pic>
+        <p:nvPicPr>
+          <p:cNvPr id="4" name="图片 3">
+            <a:extLst>
+              <a:ext uri="{FF2B5EF4-FFF2-40B4-BE49-F238E27FC236}">
+                <a16:creationId xmlns:a16="http://schemas.microsoft.com/office/drawing/2014/main" id="{6116FA72-3F70-AD75-84D1-0D6BE2EA3651}"/>
+              </a:ext>
+            </a:extLst>
+          </p:cNvPr>
+          <p:cNvPicPr>
+            <a:picLocks noChangeAspect="1"/>
+          </p:cNvPicPr>
+          <p:nvPr/>
+        </p:nvPicPr>
+        <p:blipFill>
+          <a:blip r:embed="rId3"/>
+          <a:stretch>
+            <a:fillRect/>
+          </a:stretch>
+        </p:blipFill>
+        <p:spPr>
+          <a:xfrm>
+            <a:off x="294099" y="4445032"/>
+            <a:ext cx="5789436" cy="1214604"/>
+          </a:xfrm>
+          <a:prstGeom prst="rect">
+            <a:avLst/>
+          </a:prstGeom>
+        </p:spPr>
+      </p:pic>
+      <p:pic>
+        <p:nvPicPr>
+          <p:cNvPr id="7" name="图片 6">
+            <a:extLst>
+              <a:ext uri="{FF2B5EF4-FFF2-40B4-BE49-F238E27FC236}">
+                <a16:creationId xmlns:a16="http://schemas.microsoft.com/office/drawing/2014/main" id="{827372C7-4EB2-C657-BA06-710FC29B8CAC}"/>
+              </a:ext>
+            </a:extLst>
+          </p:cNvPr>
+          <p:cNvPicPr>
+            <a:picLocks noChangeAspect="1"/>
+          </p:cNvPicPr>
+          <p:nvPr/>
+        </p:nvPicPr>
+        <p:blipFill>
+          <a:blip r:embed="rId4"/>
+          <a:stretch>
+            <a:fillRect/>
+          </a:stretch>
+        </p:blipFill>
+        <p:spPr>
+          <a:xfrm>
+            <a:off x="239333" y="5606454"/>
+            <a:ext cx="5934382" cy="1155779"/>
+          </a:xfrm>
+          <a:prstGeom prst="rect">
+            <a:avLst/>
+          </a:prstGeom>
+        </p:spPr>
+      </p:pic>
     </p:spTree>
     <p:extLst>
       <p:ext uri="{BB962C8B-B14F-4D97-AF65-F5344CB8AC3E}">
-        <p14:creationId xmlns:p14="http://schemas.microsoft.com/office/powerpoint/2010/main" val="3197219265"/>
+        <p14:creationId xmlns:p14="http://schemas.microsoft.com/office/powerpoint/2010/main" val="3582111377"/>
       </p:ext>
     </p:extLst>
   </p:cSld>
@@ -5169,18 +5834,47 @@
           <a:p>
             <a:r>
               <a:rPr lang="en-US" altLang="zh-CN" dirty="0"/>
-              <a:t>Learning Rate (All action prediction)</a:t>
+              <a:t>Experiment results (ML-1M)</a:t>
             </a:r>
             <a:endParaRPr lang="zh-CN" altLang="en-US" dirty="0"/>
+          </a:p>
+        </p:txBody>
+      </p:sp>
+      <p:sp>
+        <p:nvSpPr>
+          <p:cNvPr id="13" name="灯片编号占位符 12">
+            <a:extLst>
+              <a:ext uri="{FF2B5EF4-FFF2-40B4-BE49-F238E27FC236}">
+                <a16:creationId xmlns:a16="http://schemas.microsoft.com/office/drawing/2014/main" id="{237FFF84-6A5A-47F3-38B5-274BB362600D}"/>
+              </a:ext>
+            </a:extLst>
+          </p:cNvPr>
+          <p:cNvSpPr>
+            <a:spLocks noGrp="1"/>
+          </p:cNvSpPr>
+          <p:nvPr>
+            <p:ph type="sldNum" sz="quarter" idx="2"/>
+          </p:nvPr>
+        </p:nvSpPr>
+        <p:spPr/>
+        <p:txBody>
+          <a:bodyPr/>
+          <a:lstStyle/>
+          <a:p>
+            <a:fld id="{86CB4B4D-7CA3-9044-876B-883B54F8677D}" type="slidenum">
+              <a:rPr lang="en-US" altLang="zh-CN" smtClean="0"/>
+              <a:t>4</a:t>
+            </a:fld>
+            <a:endParaRPr lang="zh-CN" altLang="en-US"/>
           </a:p>
         </p:txBody>
       </p:sp>
       <p:pic>
         <p:nvPicPr>
-          <p:cNvPr id="7" name="图片 6">
-            <a:extLst>
-              <a:ext uri="{FF2B5EF4-FFF2-40B4-BE49-F238E27FC236}">
-                <a16:creationId xmlns:a16="http://schemas.microsoft.com/office/drawing/2014/main" id="{08988F1B-EA1D-0B70-DE97-966EAB8075A6}"/>
+          <p:cNvPr id="11" name="图片 10">
+            <a:extLst>
+              <a:ext uri="{FF2B5EF4-FFF2-40B4-BE49-F238E27FC236}">
+                <a16:creationId xmlns:a16="http://schemas.microsoft.com/office/drawing/2014/main" id="{C737F914-5AD8-3DFC-AE31-FEFB9D5431C4}"/>
               </a:ext>
             </a:extLst>
           </p:cNvPr>
@@ -5197,748 +5891,8 @@
         </p:blipFill>
         <p:spPr>
           <a:xfrm>
-            <a:off x="168096" y="2380918"/>
-            <a:ext cx="6953607" cy="1073205"/>
-          </a:xfrm>
-          <a:prstGeom prst="rect">
-            <a:avLst/>
-          </a:prstGeom>
-        </p:spPr>
-      </p:pic>
-      <p:sp>
-        <p:nvSpPr>
-          <p:cNvPr id="9" name="文本占位符 3">
-            <a:extLst>
-              <a:ext uri="{FF2B5EF4-FFF2-40B4-BE49-F238E27FC236}">
-                <a16:creationId xmlns:a16="http://schemas.microsoft.com/office/drawing/2014/main" id="{77618B53-20FA-46A1-85E1-E8ABF98844D0}"/>
-              </a:ext>
-            </a:extLst>
-          </p:cNvPr>
-          <p:cNvSpPr txBox="1">
-            <a:spLocks/>
-          </p:cNvSpPr>
-          <p:nvPr/>
-        </p:nvSpPr>
-        <p:spPr>
-          <a:xfrm>
-            <a:off x="213225" y="1600942"/>
-            <a:ext cx="4913032" cy="5532437"/>
-          </a:xfrm>
-          <a:prstGeom prst="rect">
-            <a:avLst/>
-          </a:prstGeom>
-        </p:spPr>
-        <p:txBody>
-          <a:bodyPr vert="horz" lIns="91440" tIns="45720" rIns="91440" bIns="45720" rtlCol="0">
-            <a:normAutofit/>
-          </a:bodyPr>
-          <a:lstStyle>
-            <a:lvl1pPr marL="228600" indent="-228600" algn="l" defTabSz="914400" rtl="0" eaLnBrk="1" latinLnBrk="0" hangingPunct="1">
-              <a:lnSpc>
-                <a:spcPct val="90000"/>
-              </a:lnSpc>
-              <a:spcBef>
-                <a:spcPts val="1000"/>
-              </a:spcBef>
-              <a:buFont typeface="Arial" panose="020B0604020202020204" pitchFamily="34" charset="0"/>
-              <a:buChar char="•"/>
-              <a:defRPr sz="2800" kern="1200">
-                <a:solidFill>
-                  <a:schemeClr val="tx1"/>
-                </a:solidFill>
-                <a:latin typeface="+mn-lt"/>
-                <a:ea typeface="+mn-ea"/>
-                <a:cs typeface="+mn-cs"/>
-              </a:defRPr>
-            </a:lvl1pPr>
-            <a:lvl2pPr marL="685800" indent="-228600" algn="l" defTabSz="914400" rtl="0" eaLnBrk="1" latinLnBrk="0" hangingPunct="1">
-              <a:lnSpc>
-                <a:spcPct val="90000"/>
-              </a:lnSpc>
-              <a:spcBef>
-                <a:spcPts val="500"/>
-              </a:spcBef>
-              <a:buFont typeface="Arial" panose="020B0604020202020204" pitchFamily="34" charset="0"/>
-              <a:buChar char="•"/>
-              <a:defRPr sz="2400" kern="1200">
-                <a:solidFill>
-                  <a:schemeClr val="tx1"/>
-                </a:solidFill>
-                <a:latin typeface="+mn-lt"/>
-                <a:ea typeface="+mn-ea"/>
-                <a:cs typeface="+mn-cs"/>
-              </a:defRPr>
-            </a:lvl2pPr>
-            <a:lvl3pPr marL="1143000" indent="-228600" algn="l" defTabSz="914400" rtl="0" eaLnBrk="1" latinLnBrk="0" hangingPunct="1">
-              <a:lnSpc>
-                <a:spcPct val="90000"/>
-              </a:lnSpc>
-              <a:spcBef>
-                <a:spcPts val="500"/>
-              </a:spcBef>
-              <a:buFont typeface="Arial" panose="020B0604020202020204" pitchFamily="34" charset="0"/>
-              <a:buChar char="•"/>
-              <a:defRPr sz="2000" kern="1200">
-                <a:solidFill>
-                  <a:schemeClr val="tx1"/>
-                </a:solidFill>
-                <a:latin typeface="+mn-lt"/>
-                <a:ea typeface="+mn-ea"/>
-                <a:cs typeface="+mn-cs"/>
-              </a:defRPr>
-            </a:lvl3pPr>
-            <a:lvl4pPr marL="1600200" indent="-228600" algn="l" defTabSz="914400" rtl="0" eaLnBrk="1" latinLnBrk="0" hangingPunct="1">
-              <a:lnSpc>
-                <a:spcPct val="90000"/>
-              </a:lnSpc>
-              <a:spcBef>
-                <a:spcPts val="500"/>
-              </a:spcBef>
-              <a:buFont typeface="Arial" panose="020B0604020202020204" pitchFamily="34" charset="0"/>
-              <a:buChar char="•"/>
-              <a:defRPr sz="1800" kern="1200">
-                <a:solidFill>
-                  <a:schemeClr val="tx1"/>
-                </a:solidFill>
-                <a:latin typeface="+mn-lt"/>
-                <a:ea typeface="+mn-ea"/>
-                <a:cs typeface="+mn-cs"/>
-              </a:defRPr>
-            </a:lvl4pPr>
-            <a:lvl5pPr marL="2057400" indent="-228600" algn="l" defTabSz="914400" rtl="0" eaLnBrk="1" latinLnBrk="0" hangingPunct="1">
-              <a:lnSpc>
-                <a:spcPct val="90000"/>
-              </a:lnSpc>
-              <a:spcBef>
-                <a:spcPts val="500"/>
-              </a:spcBef>
-              <a:buFont typeface="Arial" panose="020B0604020202020204" pitchFamily="34" charset="0"/>
-              <a:buChar char="•"/>
-              <a:defRPr sz="1800" kern="1200">
-                <a:solidFill>
-                  <a:schemeClr val="tx1"/>
-                </a:solidFill>
-                <a:latin typeface="+mn-lt"/>
-                <a:ea typeface="+mn-ea"/>
-                <a:cs typeface="+mn-cs"/>
-              </a:defRPr>
-            </a:lvl5pPr>
-            <a:lvl6pPr marL="2514600" indent="-228600" algn="l" defTabSz="914400" rtl="0" eaLnBrk="1" latinLnBrk="0" hangingPunct="1">
-              <a:lnSpc>
-                <a:spcPct val="90000"/>
-              </a:lnSpc>
-              <a:spcBef>
-                <a:spcPts val="500"/>
-              </a:spcBef>
-              <a:buFont typeface="Arial" panose="020B0604020202020204" pitchFamily="34" charset="0"/>
-              <a:buChar char="•"/>
-              <a:defRPr sz="1800" kern="1200">
-                <a:solidFill>
-                  <a:schemeClr val="tx1"/>
-                </a:solidFill>
-                <a:latin typeface="+mn-lt"/>
-                <a:ea typeface="+mn-ea"/>
-                <a:cs typeface="+mn-cs"/>
-              </a:defRPr>
-            </a:lvl6pPr>
-            <a:lvl7pPr marL="2971800" indent="-228600" algn="l" defTabSz="914400" rtl="0" eaLnBrk="1" latinLnBrk="0" hangingPunct="1">
-              <a:lnSpc>
-                <a:spcPct val="90000"/>
-              </a:lnSpc>
-              <a:spcBef>
-                <a:spcPts val="500"/>
-              </a:spcBef>
-              <a:buFont typeface="Arial" panose="020B0604020202020204" pitchFamily="34" charset="0"/>
-              <a:buChar char="•"/>
-              <a:defRPr sz="1800" kern="1200">
-                <a:solidFill>
-                  <a:schemeClr val="tx1"/>
-                </a:solidFill>
-                <a:latin typeface="+mn-lt"/>
-                <a:ea typeface="+mn-ea"/>
-                <a:cs typeface="+mn-cs"/>
-              </a:defRPr>
-            </a:lvl7pPr>
-            <a:lvl8pPr marL="3429000" indent="-228600" algn="l" defTabSz="914400" rtl="0" eaLnBrk="1" latinLnBrk="0" hangingPunct="1">
-              <a:lnSpc>
-                <a:spcPct val="90000"/>
-              </a:lnSpc>
-              <a:spcBef>
-                <a:spcPts val="500"/>
-              </a:spcBef>
-              <a:buFont typeface="Arial" panose="020B0604020202020204" pitchFamily="34" charset="0"/>
-              <a:buChar char="•"/>
-              <a:defRPr sz="1800" kern="1200">
-                <a:solidFill>
-                  <a:schemeClr val="tx1"/>
-                </a:solidFill>
-                <a:latin typeface="+mn-lt"/>
-                <a:ea typeface="+mn-ea"/>
-                <a:cs typeface="+mn-cs"/>
-              </a:defRPr>
-            </a:lvl8pPr>
-            <a:lvl9pPr marL="3886200" indent="-228600" algn="l" defTabSz="914400" rtl="0" eaLnBrk="1" latinLnBrk="0" hangingPunct="1">
-              <a:lnSpc>
-                <a:spcPct val="90000"/>
-              </a:lnSpc>
-              <a:spcBef>
-                <a:spcPts val="500"/>
-              </a:spcBef>
-              <a:buFont typeface="Arial" panose="020B0604020202020204" pitchFamily="34" charset="0"/>
-              <a:buChar char="•"/>
-              <a:defRPr sz="1800" kern="1200">
-                <a:solidFill>
-                  <a:schemeClr val="tx1"/>
-                </a:solidFill>
-                <a:latin typeface="+mn-lt"/>
-                <a:ea typeface="+mn-ea"/>
-                <a:cs typeface="+mn-cs"/>
-              </a:defRPr>
-            </a:lvl9pPr>
-          </a:lstStyle>
-          <a:p>
-            <a:pPr marL="0" indent="0">
-              <a:buNone/>
-            </a:pPr>
-            <a:r>
-              <a:rPr lang="en-US" altLang="zh-CN" dirty="0">
-                <a:solidFill>
-                  <a:schemeClr val="accent1"/>
-                </a:solidFill>
-                <a:latin typeface="-apple-system"/>
-              </a:rPr>
-              <a:t>Train Sequence</a:t>
-            </a:r>
-          </a:p>
-        </p:txBody>
-      </p:sp>
-      <p:sp>
-        <p:nvSpPr>
-          <p:cNvPr id="10" name="文本占位符 3">
-            <a:extLst>
-              <a:ext uri="{FF2B5EF4-FFF2-40B4-BE49-F238E27FC236}">
-                <a16:creationId xmlns:a16="http://schemas.microsoft.com/office/drawing/2014/main" id="{7C847874-2C49-477B-756E-27D2E16D8EF5}"/>
-              </a:ext>
-            </a:extLst>
-          </p:cNvPr>
-          <p:cNvSpPr txBox="1">
-            <a:spLocks/>
-          </p:cNvSpPr>
-          <p:nvPr/>
-        </p:nvSpPr>
-        <p:spPr>
-          <a:xfrm>
-            <a:off x="168096" y="3498436"/>
-            <a:ext cx="4913032" cy="5532437"/>
-          </a:xfrm>
-          <a:prstGeom prst="rect">
-            <a:avLst/>
-          </a:prstGeom>
-        </p:spPr>
-        <p:txBody>
-          <a:bodyPr vert="horz" lIns="91440" tIns="45720" rIns="91440" bIns="45720" rtlCol="0">
-            <a:normAutofit/>
-          </a:bodyPr>
-          <a:lstStyle>
-            <a:lvl1pPr marL="228600" indent="-228600" algn="l" defTabSz="914400" rtl="0" eaLnBrk="1" latinLnBrk="0" hangingPunct="1">
-              <a:lnSpc>
-                <a:spcPct val="90000"/>
-              </a:lnSpc>
-              <a:spcBef>
-                <a:spcPts val="1000"/>
-              </a:spcBef>
-              <a:buFont typeface="Arial" panose="020B0604020202020204" pitchFamily="34" charset="0"/>
-              <a:buChar char="•"/>
-              <a:defRPr sz="2800" kern="1200">
-                <a:solidFill>
-                  <a:schemeClr val="tx1"/>
-                </a:solidFill>
-                <a:latin typeface="+mn-lt"/>
-                <a:ea typeface="+mn-ea"/>
-                <a:cs typeface="+mn-cs"/>
-              </a:defRPr>
-            </a:lvl1pPr>
-            <a:lvl2pPr marL="685800" indent="-228600" algn="l" defTabSz="914400" rtl="0" eaLnBrk="1" latinLnBrk="0" hangingPunct="1">
-              <a:lnSpc>
-                <a:spcPct val="90000"/>
-              </a:lnSpc>
-              <a:spcBef>
-                <a:spcPts val="500"/>
-              </a:spcBef>
-              <a:buFont typeface="Arial" panose="020B0604020202020204" pitchFamily="34" charset="0"/>
-              <a:buChar char="•"/>
-              <a:defRPr sz="2400" kern="1200">
-                <a:solidFill>
-                  <a:schemeClr val="tx1"/>
-                </a:solidFill>
-                <a:latin typeface="+mn-lt"/>
-                <a:ea typeface="+mn-ea"/>
-                <a:cs typeface="+mn-cs"/>
-              </a:defRPr>
-            </a:lvl2pPr>
-            <a:lvl3pPr marL="1143000" indent="-228600" algn="l" defTabSz="914400" rtl="0" eaLnBrk="1" latinLnBrk="0" hangingPunct="1">
-              <a:lnSpc>
-                <a:spcPct val="90000"/>
-              </a:lnSpc>
-              <a:spcBef>
-                <a:spcPts val="500"/>
-              </a:spcBef>
-              <a:buFont typeface="Arial" panose="020B0604020202020204" pitchFamily="34" charset="0"/>
-              <a:buChar char="•"/>
-              <a:defRPr sz="2000" kern="1200">
-                <a:solidFill>
-                  <a:schemeClr val="tx1"/>
-                </a:solidFill>
-                <a:latin typeface="+mn-lt"/>
-                <a:ea typeface="+mn-ea"/>
-                <a:cs typeface="+mn-cs"/>
-              </a:defRPr>
-            </a:lvl3pPr>
-            <a:lvl4pPr marL="1600200" indent="-228600" algn="l" defTabSz="914400" rtl="0" eaLnBrk="1" latinLnBrk="0" hangingPunct="1">
-              <a:lnSpc>
-                <a:spcPct val="90000"/>
-              </a:lnSpc>
-              <a:spcBef>
-                <a:spcPts val="500"/>
-              </a:spcBef>
-              <a:buFont typeface="Arial" panose="020B0604020202020204" pitchFamily="34" charset="0"/>
-              <a:buChar char="•"/>
-              <a:defRPr sz="1800" kern="1200">
-                <a:solidFill>
-                  <a:schemeClr val="tx1"/>
-                </a:solidFill>
-                <a:latin typeface="+mn-lt"/>
-                <a:ea typeface="+mn-ea"/>
-                <a:cs typeface="+mn-cs"/>
-              </a:defRPr>
-            </a:lvl4pPr>
-            <a:lvl5pPr marL="2057400" indent="-228600" algn="l" defTabSz="914400" rtl="0" eaLnBrk="1" latinLnBrk="0" hangingPunct="1">
-              <a:lnSpc>
-                <a:spcPct val="90000"/>
-              </a:lnSpc>
-              <a:spcBef>
-                <a:spcPts val="500"/>
-              </a:spcBef>
-              <a:buFont typeface="Arial" panose="020B0604020202020204" pitchFamily="34" charset="0"/>
-              <a:buChar char="•"/>
-              <a:defRPr sz="1800" kern="1200">
-                <a:solidFill>
-                  <a:schemeClr val="tx1"/>
-                </a:solidFill>
-                <a:latin typeface="+mn-lt"/>
-                <a:ea typeface="+mn-ea"/>
-                <a:cs typeface="+mn-cs"/>
-              </a:defRPr>
-            </a:lvl5pPr>
-            <a:lvl6pPr marL="2514600" indent="-228600" algn="l" defTabSz="914400" rtl="0" eaLnBrk="1" latinLnBrk="0" hangingPunct="1">
-              <a:lnSpc>
-                <a:spcPct val="90000"/>
-              </a:lnSpc>
-              <a:spcBef>
-                <a:spcPts val="500"/>
-              </a:spcBef>
-              <a:buFont typeface="Arial" panose="020B0604020202020204" pitchFamily="34" charset="0"/>
-              <a:buChar char="•"/>
-              <a:defRPr sz="1800" kern="1200">
-                <a:solidFill>
-                  <a:schemeClr val="tx1"/>
-                </a:solidFill>
-                <a:latin typeface="+mn-lt"/>
-                <a:ea typeface="+mn-ea"/>
-                <a:cs typeface="+mn-cs"/>
-              </a:defRPr>
-            </a:lvl6pPr>
-            <a:lvl7pPr marL="2971800" indent="-228600" algn="l" defTabSz="914400" rtl="0" eaLnBrk="1" latinLnBrk="0" hangingPunct="1">
-              <a:lnSpc>
-                <a:spcPct val="90000"/>
-              </a:lnSpc>
-              <a:spcBef>
-                <a:spcPts val="500"/>
-              </a:spcBef>
-              <a:buFont typeface="Arial" panose="020B0604020202020204" pitchFamily="34" charset="0"/>
-              <a:buChar char="•"/>
-              <a:defRPr sz="1800" kern="1200">
-                <a:solidFill>
-                  <a:schemeClr val="tx1"/>
-                </a:solidFill>
-                <a:latin typeface="+mn-lt"/>
-                <a:ea typeface="+mn-ea"/>
-                <a:cs typeface="+mn-cs"/>
-              </a:defRPr>
-            </a:lvl7pPr>
-            <a:lvl8pPr marL="3429000" indent="-228600" algn="l" defTabSz="914400" rtl="0" eaLnBrk="1" latinLnBrk="0" hangingPunct="1">
-              <a:lnSpc>
-                <a:spcPct val="90000"/>
-              </a:lnSpc>
-              <a:spcBef>
-                <a:spcPts val="500"/>
-              </a:spcBef>
-              <a:buFont typeface="Arial" panose="020B0604020202020204" pitchFamily="34" charset="0"/>
-              <a:buChar char="•"/>
-              <a:defRPr sz="1800" kern="1200">
-                <a:solidFill>
-                  <a:schemeClr val="tx1"/>
-                </a:solidFill>
-                <a:latin typeface="+mn-lt"/>
-                <a:ea typeface="+mn-ea"/>
-                <a:cs typeface="+mn-cs"/>
-              </a:defRPr>
-            </a:lvl8pPr>
-            <a:lvl9pPr marL="3886200" indent="-228600" algn="l" defTabSz="914400" rtl="0" eaLnBrk="1" latinLnBrk="0" hangingPunct="1">
-              <a:lnSpc>
-                <a:spcPct val="90000"/>
-              </a:lnSpc>
-              <a:spcBef>
-                <a:spcPts val="500"/>
-              </a:spcBef>
-              <a:buFont typeface="Arial" panose="020B0604020202020204" pitchFamily="34" charset="0"/>
-              <a:buChar char="•"/>
-              <a:defRPr sz="1800" kern="1200">
-                <a:solidFill>
-                  <a:schemeClr val="tx1"/>
-                </a:solidFill>
-                <a:latin typeface="+mn-lt"/>
-                <a:ea typeface="+mn-ea"/>
-                <a:cs typeface="+mn-cs"/>
-              </a:defRPr>
-            </a:lvl9pPr>
-          </a:lstStyle>
-          <a:p>
-            <a:pPr marL="0" indent="0">
-              <a:buNone/>
-            </a:pPr>
-            <a:r>
-              <a:rPr lang="en-US" altLang="zh-CN" dirty="0">
-                <a:solidFill>
-                  <a:schemeClr val="accent1"/>
-                </a:solidFill>
-                <a:latin typeface="-apple-system"/>
-              </a:rPr>
-              <a:t>Training objective</a:t>
-            </a:r>
-          </a:p>
-        </p:txBody>
-      </p:sp>
-      <p:pic>
-        <p:nvPicPr>
-          <p:cNvPr id="4" name="图片 3">
-            <a:extLst>
-              <a:ext uri="{FF2B5EF4-FFF2-40B4-BE49-F238E27FC236}">
-                <a16:creationId xmlns:a16="http://schemas.microsoft.com/office/drawing/2014/main" id="{BD562089-9EC4-1A06-5C15-48E09469E291}"/>
-              </a:ext>
-            </a:extLst>
-          </p:cNvPr>
-          <p:cNvPicPr>
-            <a:picLocks noChangeAspect="1"/>
-          </p:cNvPicPr>
-          <p:nvPr/>
-        </p:nvPicPr>
-        <p:blipFill>
-          <a:blip r:embed="rId3"/>
-          <a:stretch>
-            <a:fillRect/>
-          </a:stretch>
-        </p:blipFill>
-        <p:spPr>
-          <a:xfrm>
-            <a:off x="168096" y="4121016"/>
-            <a:ext cx="5518287" cy="776924"/>
-          </a:xfrm>
-          <a:prstGeom prst="rect">
-            <a:avLst/>
-          </a:prstGeom>
-        </p:spPr>
-      </p:pic>
-      <p:pic>
-        <p:nvPicPr>
-          <p:cNvPr id="5" name="图片 4">
-            <a:extLst>
-              <a:ext uri="{FF2B5EF4-FFF2-40B4-BE49-F238E27FC236}">
-                <a16:creationId xmlns:a16="http://schemas.microsoft.com/office/drawing/2014/main" id="{73617E78-336B-638F-1807-50DBD715A720}"/>
-              </a:ext>
-            </a:extLst>
-          </p:cNvPr>
-          <p:cNvPicPr>
-            <a:picLocks noChangeAspect="1"/>
-          </p:cNvPicPr>
-          <p:nvPr/>
-        </p:nvPicPr>
-        <p:blipFill>
-          <a:blip r:embed="rId4"/>
-          <a:stretch>
-            <a:fillRect/>
-          </a:stretch>
-        </p:blipFill>
-        <p:spPr>
-          <a:xfrm>
-            <a:off x="213225" y="4980544"/>
-            <a:ext cx="5686383" cy="1192984"/>
-          </a:xfrm>
-          <a:prstGeom prst="rect">
-            <a:avLst/>
-          </a:prstGeom>
-        </p:spPr>
-      </p:pic>
-      <p:sp>
-        <p:nvSpPr>
-          <p:cNvPr id="6" name="文本占位符 3">
-            <a:extLst>
-              <a:ext uri="{FF2B5EF4-FFF2-40B4-BE49-F238E27FC236}">
-                <a16:creationId xmlns:a16="http://schemas.microsoft.com/office/drawing/2014/main" id="{4F3E08EC-4F97-16FB-7681-06CCA5C63D94}"/>
-              </a:ext>
-            </a:extLst>
-          </p:cNvPr>
-          <p:cNvSpPr txBox="1">
-            <a:spLocks/>
-          </p:cNvSpPr>
-          <p:nvPr/>
-        </p:nvSpPr>
-        <p:spPr>
-          <a:xfrm>
-            <a:off x="6292394" y="3454123"/>
-            <a:ext cx="4913032" cy="5532437"/>
-          </a:xfrm>
-          <a:prstGeom prst="rect">
-            <a:avLst/>
-          </a:prstGeom>
-        </p:spPr>
-        <p:txBody>
-          <a:bodyPr vert="horz" lIns="91440" tIns="45720" rIns="91440" bIns="45720" rtlCol="0">
-            <a:normAutofit/>
-          </a:bodyPr>
-          <a:lstStyle>
-            <a:lvl1pPr marL="228600" indent="-228600" algn="l" defTabSz="914400" rtl="0" eaLnBrk="1" latinLnBrk="0" hangingPunct="1">
-              <a:lnSpc>
-                <a:spcPct val="90000"/>
-              </a:lnSpc>
-              <a:spcBef>
-                <a:spcPts val="1000"/>
-              </a:spcBef>
-              <a:buFont typeface="Arial" panose="020B0604020202020204" pitchFamily="34" charset="0"/>
-              <a:buChar char="•"/>
-              <a:defRPr sz="2800" kern="1200">
-                <a:solidFill>
-                  <a:schemeClr val="tx1"/>
-                </a:solidFill>
-                <a:latin typeface="+mn-lt"/>
-                <a:ea typeface="+mn-ea"/>
-                <a:cs typeface="+mn-cs"/>
-              </a:defRPr>
-            </a:lvl1pPr>
-            <a:lvl2pPr marL="685800" indent="-228600" algn="l" defTabSz="914400" rtl="0" eaLnBrk="1" latinLnBrk="0" hangingPunct="1">
-              <a:lnSpc>
-                <a:spcPct val="90000"/>
-              </a:lnSpc>
-              <a:spcBef>
-                <a:spcPts val="500"/>
-              </a:spcBef>
-              <a:buFont typeface="Arial" panose="020B0604020202020204" pitchFamily="34" charset="0"/>
-              <a:buChar char="•"/>
-              <a:defRPr sz="2400" kern="1200">
-                <a:solidFill>
-                  <a:schemeClr val="tx1"/>
-                </a:solidFill>
-                <a:latin typeface="+mn-lt"/>
-                <a:ea typeface="+mn-ea"/>
-                <a:cs typeface="+mn-cs"/>
-              </a:defRPr>
-            </a:lvl2pPr>
-            <a:lvl3pPr marL="1143000" indent="-228600" algn="l" defTabSz="914400" rtl="0" eaLnBrk="1" latinLnBrk="0" hangingPunct="1">
-              <a:lnSpc>
-                <a:spcPct val="90000"/>
-              </a:lnSpc>
-              <a:spcBef>
-                <a:spcPts val="500"/>
-              </a:spcBef>
-              <a:buFont typeface="Arial" panose="020B0604020202020204" pitchFamily="34" charset="0"/>
-              <a:buChar char="•"/>
-              <a:defRPr sz="2000" kern="1200">
-                <a:solidFill>
-                  <a:schemeClr val="tx1"/>
-                </a:solidFill>
-                <a:latin typeface="+mn-lt"/>
-                <a:ea typeface="+mn-ea"/>
-                <a:cs typeface="+mn-cs"/>
-              </a:defRPr>
-            </a:lvl3pPr>
-            <a:lvl4pPr marL="1600200" indent="-228600" algn="l" defTabSz="914400" rtl="0" eaLnBrk="1" latinLnBrk="0" hangingPunct="1">
-              <a:lnSpc>
-                <a:spcPct val="90000"/>
-              </a:lnSpc>
-              <a:spcBef>
-                <a:spcPts val="500"/>
-              </a:spcBef>
-              <a:buFont typeface="Arial" panose="020B0604020202020204" pitchFamily="34" charset="0"/>
-              <a:buChar char="•"/>
-              <a:defRPr sz="1800" kern="1200">
-                <a:solidFill>
-                  <a:schemeClr val="tx1"/>
-                </a:solidFill>
-                <a:latin typeface="+mn-lt"/>
-                <a:ea typeface="+mn-ea"/>
-                <a:cs typeface="+mn-cs"/>
-              </a:defRPr>
-            </a:lvl4pPr>
-            <a:lvl5pPr marL="2057400" indent="-228600" algn="l" defTabSz="914400" rtl="0" eaLnBrk="1" latinLnBrk="0" hangingPunct="1">
-              <a:lnSpc>
-                <a:spcPct val="90000"/>
-              </a:lnSpc>
-              <a:spcBef>
-                <a:spcPts val="500"/>
-              </a:spcBef>
-              <a:buFont typeface="Arial" panose="020B0604020202020204" pitchFamily="34" charset="0"/>
-              <a:buChar char="•"/>
-              <a:defRPr sz="1800" kern="1200">
-                <a:solidFill>
-                  <a:schemeClr val="tx1"/>
-                </a:solidFill>
-                <a:latin typeface="+mn-lt"/>
-                <a:ea typeface="+mn-ea"/>
-                <a:cs typeface="+mn-cs"/>
-              </a:defRPr>
-            </a:lvl5pPr>
-            <a:lvl6pPr marL="2514600" indent="-228600" algn="l" defTabSz="914400" rtl="0" eaLnBrk="1" latinLnBrk="0" hangingPunct="1">
-              <a:lnSpc>
-                <a:spcPct val="90000"/>
-              </a:lnSpc>
-              <a:spcBef>
-                <a:spcPts val="500"/>
-              </a:spcBef>
-              <a:buFont typeface="Arial" panose="020B0604020202020204" pitchFamily="34" charset="0"/>
-              <a:buChar char="•"/>
-              <a:defRPr sz="1800" kern="1200">
-                <a:solidFill>
-                  <a:schemeClr val="tx1"/>
-                </a:solidFill>
-                <a:latin typeface="+mn-lt"/>
-                <a:ea typeface="+mn-ea"/>
-                <a:cs typeface="+mn-cs"/>
-              </a:defRPr>
-            </a:lvl6pPr>
-            <a:lvl7pPr marL="2971800" indent="-228600" algn="l" defTabSz="914400" rtl="0" eaLnBrk="1" latinLnBrk="0" hangingPunct="1">
-              <a:lnSpc>
-                <a:spcPct val="90000"/>
-              </a:lnSpc>
-              <a:spcBef>
-                <a:spcPts val="500"/>
-              </a:spcBef>
-              <a:buFont typeface="Arial" panose="020B0604020202020204" pitchFamily="34" charset="0"/>
-              <a:buChar char="•"/>
-              <a:defRPr sz="1800" kern="1200">
-                <a:solidFill>
-                  <a:schemeClr val="tx1"/>
-                </a:solidFill>
-                <a:latin typeface="+mn-lt"/>
-                <a:ea typeface="+mn-ea"/>
-                <a:cs typeface="+mn-cs"/>
-              </a:defRPr>
-            </a:lvl7pPr>
-            <a:lvl8pPr marL="3429000" indent="-228600" algn="l" defTabSz="914400" rtl="0" eaLnBrk="1" latinLnBrk="0" hangingPunct="1">
-              <a:lnSpc>
-                <a:spcPct val="90000"/>
-              </a:lnSpc>
-              <a:spcBef>
-                <a:spcPts val="500"/>
-              </a:spcBef>
-              <a:buFont typeface="Arial" panose="020B0604020202020204" pitchFamily="34" charset="0"/>
-              <a:buChar char="•"/>
-              <a:defRPr sz="1800" kern="1200">
-                <a:solidFill>
-                  <a:schemeClr val="tx1"/>
-                </a:solidFill>
-                <a:latin typeface="+mn-lt"/>
-                <a:ea typeface="+mn-ea"/>
-                <a:cs typeface="+mn-cs"/>
-              </a:defRPr>
-            </a:lvl8pPr>
-            <a:lvl9pPr marL="3886200" indent="-228600" algn="l" defTabSz="914400" rtl="0" eaLnBrk="1" latinLnBrk="0" hangingPunct="1">
-              <a:lnSpc>
-                <a:spcPct val="90000"/>
-              </a:lnSpc>
-              <a:spcBef>
-                <a:spcPts val="500"/>
-              </a:spcBef>
-              <a:buFont typeface="Arial" panose="020B0604020202020204" pitchFamily="34" charset="0"/>
-              <a:buChar char="•"/>
-              <a:defRPr sz="1800" kern="1200">
-                <a:solidFill>
-                  <a:schemeClr val="tx1"/>
-                </a:solidFill>
-                <a:latin typeface="+mn-lt"/>
-                <a:ea typeface="+mn-ea"/>
-                <a:cs typeface="+mn-cs"/>
-              </a:defRPr>
-            </a:lvl9pPr>
-          </a:lstStyle>
-          <a:p>
-            <a:pPr marL="0" indent="0">
-              <a:buNone/>
-            </a:pPr>
-            <a:r>
-              <a:rPr lang="en-US" altLang="zh-CN" dirty="0">
-                <a:solidFill>
-                  <a:schemeClr val="accent1"/>
-                </a:solidFill>
-                <a:latin typeface="-apple-system"/>
-              </a:rPr>
-              <a:t>Experiment Results (All action)</a:t>
-            </a:r>
-          </a:p>
-        </p:txBody>
-      </p:sp>
-      <p:sp>
-        <p:nvSpPr>
-          <p:cNvPr id="13" name="灯片编号占位符 12">
-            <a:extLst>
-              <a:ext uri="{FF2B5EF4-FFF2-40B4-BE49-F238E27FC236}">
-                <a16:creationId xmlns:a16="http://schemas.microsoft.com/office/drawing/2014/main" id="{237FFF84-6A5A-47F3-38B5-274BB362600D}"/>
-              </a:ext>
-            </a:extLst>
-          </p:cNvPr>
-          <p:cNvSpPr>
-            <a:spLocks noGrp="1"/>
-          </p:cNvSpPr>
-          <p:nvPr>
-            <p:ph type="sldNum" sz="quarter" idx="2"/>
-          </p:nvPr>
-        </p:nvSpPr>
-        <p:spPr/>
-        <p:txBody>
-          <a:bodyPr/>
-          <a:lstStyle/>
-          <a:p>
-            <a:fld id="{86CB4B4D-7CA3-9044-876B-883B54F8677D}" type="slidenum">
-              <a:rPr lang="en-US" altLang="zh-CN" smtClean="0"/>
-              <a:t>4</a:t>
-            </a:fld>
-            <a:endParaRPr lang="zh-CN" altLang="en-US"/>
-          </a:p>
-        </p:txBody>
-      </p:sp>
-      <p:pic>
-        <p:nvPicPr>
-          <p:cNvPr id="15" name="图片 14">
-            <a:extLst>
-              <a:ext uri="{FF2B5EF4-FFF2-40B4-BE49-F238E27FC236}">
-                <a16:creationId xmlns:a16="http://schemas.microsoft.com/office/drawing/2014/main" id="{4F9E5137-C9C2-EC9F-722C-DE79894AA59A}"/>
-              </a:ext>
-            </a:extLst>
-          </p:cNvPr>
-          <p:cNvPicPr>
-            <a:picLocks noChangeAspect="1"/>
-          </p:cNvPicPr>
-          <p:nvPr/>
-        </p:nvPicPr>
-        <p:blipFill>
-          <a:blip r:embed="rId5"/>
-          <a:stretch>
-            <a:fillRect/>
-          </a:stretch>
-        </p:blipFill>
-        <p:spPr>
-          <a:xfrm>
-            <a:off x="5997444" y="4269307"/>
-            <a:ext cx="6026460" cy="1422473"/>
+            <a:off x="69743" y="1587979"/>
+            <a:ext cx="11840705" cy="3042044"/>
           </a:xfrm>
           <a:prstGeom prst="rect">
             <a:avLst/>
@@ -6004,7 +5958,15 @@
           <a:p>
             <a:r>
               <a:rPr lang="en-US" altLang="zh-CN" dirty="0"/>
-              <a:t>Whether it could be the signal problem (intensity)</a:t>
+              <a:t>Experiment results (</a:t>
+            </a:r>
+            <a:r>
+              <a:rPr lang="en-US" altLang="zh-CN" dirty="0" err="1"/>
+              <a:t>RetailRocket</a:t>
+            </a:r>
+            <a:r>
+              <a:rPr lang="en-US" altLang="zh-CN" dirty="0"/>
+              <a:t>)</a:t>
             </a:r>
             <a:endParaRPr lang="zh-CN" altLang="en-US" dirty="0"/>
           </a:p>
@@ -6012,217 +5974,39 @@
       </p:sp>
       <p:sp>
         <p:nvSpPr>
-          <p:cNvPr id="10" name="文本占位符 3">
-            <a:extLst>
-              <a:ext uri="{FF2B5EF4-FFF2-40B4-BE49-F238E27FC236}">
-                <a16:creationId xmlns:a16="http://schemas.microsoft.com/office/drawing/2014/main" id="{7C847874-2C49-477B-756E-27D2E16D8EF5}"/>
-              </a:ext>
-            </a:extLst>
-          </p:cNvPr>
-          <p:cNvSpPr txBox="1">
-            <a:spLocks/>
-          </p:cNvSpPr>
-          <p:nvPr/>
-        </p:nvSpPr>
-        <p:spPr>
-          <a:xfrm>
-            <a:off x="213225" y="1277069"/>
-            <a:ext cx="4913032" cy="5532437"/>
-          </a:xfrm>
-          <a:prstGeom prst="rect">
-            <a:avLst/>
-          </a:prstGeom>
-        </p:spPr>
-        <p:txBody>
-          <a:bodyPr vert="horz" lIns="91440" tIns="45720" rIns="91440" bIns="45720" rtlCol="0">
-            <a:normAutofit/>
-          </a:bodyPr>
-          <a:lstStyle>
-            <a:lvl1pPr marL="228600" indent="-228600" algn="l" defTabSz="914400" rtl="0" eaLnBrk="1" latinLnBrk="0" hangingPunct="1">
-              <a:lnSpc>
-                <a:spcPct val="90000"/>
-              </a:lnSpc>
-              <a:spcBef>
-                <a:spcPts val="1000"/>
-              </a:spcBef>
-              <a:buFont typeface="Arial" panose="020B0604020202020204" pitchFamily="34" charset="0"/>
-              <a:buChar char="•"/>
-              <a:defRPr sz="2800" kern="1200">
-                <a:solidFill>
-                  <a:schemeClr val="tx1"/>
-                </a:solidFill>
-                <a:latin typeface="+mn-lt"/>
-                <a:ea typeface="+mn-ea"/>
-                <a:cs typeface="+mn-cs"/>
-              </a:defRPr>
-            </a:lvl1pPr>
-            <a:lvl2pPr marL="685800" indent="-228600" algn="l" defTabSz="914400" rtl="0" eaLnBrk="1" latinLnBrk="0" hangingPunct="1">
-              <a:lnSpc>
-                <a:spcPct val="90000"/>
-              </a:lnSpc>
-              <a:spcBef>
-                <a:spcPts val="500"/>
-              </a:spcBef>
-              <a:buFont typeface="Arial" panose="020B0604020202020204" pitchFamily="34" charset="0"/>
-              <a:buChar char="•"/>
-              <a:defRPr sz="2400" kern="1200">
-                <a:solidFill>
-                  <a:schemeClr val="tx1"/>
-                </a:solidFill>
-                <a:latin typeface="+mn-lt"/>
-                <a:ea typeface="+mn-ea"/>
-                <a:cs typeface="+mn-cs"/>
-              </a:defRPr>
-            </a:lvl2pPr>
-            <a:lvl3pPr marL="1143000" indent="-228600" algn="l" defTabSz="914400" rtl="0" eaLnBrk="1" latinLnBrk="0" hangingPunct="1">
-              <a:lnSpc>
-                <a:spcPct val="90000"/>
-              </a:lnSpc>
-              <a:spcBef>
-                <a:spcPts val="500"/>
-              </a:spcBef>
-              <a:buFont typeface="Arial" panose="020B0604020202020204" pitchFamily="34" charset="0"/>
-              <a:buChar char="•"/>
-              <a:defRPr sz="2000" kern="1200">
-                <a:solidFill>
-                  <a:schemeClr val="tx1"/>
-                </a:solidFill>
-                <a:latin typeface="+mn-lt"/>
-                <a:ea typeface="+mn-ea"/>
-                <a:cs typeface="+mn-cs"/>
-              </a:defRPr>
-            </a:lvl3pPr>
-            <a:lvl4pPr marL="1600200" indent="-228600" algn="l" defTabSz="914400" rtl="0" eaLnBrk="1" latinLnBrk="0" hangingPunct="1">
-              <a:lnSpc>
-                <a:spcPct val="90000"/>
-              </a:lnSpc>
-              <a:spcBef>
-                <a:spcPts val="500"/>
-              </a:spcBef>
-              <a:buFont typeface="Arial" panose="020B0604020202020204" pitchFamily="34" charset="0"/>
-              <a:buChar char="•"/>
-              <a:defRPr sz="1800" kern="1200">
-                <a:solidFill>
-                  <a:schemeClr val="tx1"/>
-                </a:solidFill>
-                <a:latin typeface="+mn-lt"/>
-                <a:ea typeface="+mn-ea"/>
-                <a:cs typeface="+mn-cs"/>
-              </a:defRPr>
-            </a:lvl4pPr>
-            <a:lvl5pPr marL="2057400" indent="-228600" algn="l" defTabSz="914400" rtl="0" eaLnBrk="1" latinLnBrk="0" hangingPunct="1">
-              <a:lnSpc>
-                <a:spcPct val="90000"/>
-              </a:lnSpc>
-              <a:spcBef>
-                <a:spcPts val="500"/>
-              </a:spcBef>
-              <a:buFont typeface="Arial" panose="020B0604020202020204" pitchFamily="34" charset="0"/>
-              <a:buChar char="•"/>
-              <a:defRPr sz="1800" kern="1200">
-                <a:solidFill>
-                  <a:schemeClr val="tx1"/>
-                </a:solidFill>
-                <a:latin typeface="+mn-lt"/>
-                <a:ea typeface="+mn-ea"/>
-                <a:cs typeface="+mn-cs"/>
-              </a:defRPr>
-            </a:lvl5pPr>
-            <a:lvl6pPr marL="2514600" indent="-228600" algn="l" defTabSz="914400" rtl="0" eaLnBrk="1" latinLnBrk="0" hangingPunct="1">
-              <a:lnSpc>
-                <a:spcPct val="90000"/>
-              </a:lnSpc>
-              <a:spcBef>
-                <a:spcPts val="500"/>
-              </a:spcBef>
-              <a:buFont typeface="Arial" panose="020B0604020202020204" pitchFamily="34" charset="0"/>
-              <a:buChar char="•"/>
-              <a:defRPr sz="1800" kern="1200">
-                <a:solidFill>
-                  <a:schemeClr val="tx1"/>
-                </a:solidFill>
-                <a:latin typeface="+mn-lt"/>
-                <a:ea typeface="+mn-ea"/>
-                <a:cs typeface="+mn-cs"/>
-              </a:defRPr>
-            </a:lvl6pPr>
-            <a:lvl7pPr marL="2971800" indent="-228600" algn="l" defTabSz="914400" rtl="0" eaLnBrk="1" latinLnBrk="0" hangingPunct="1">
-              <a:lnSpc>
-                <a:spcPct val="90000"/>
-              </a:lnSpc>
-              <a:spcBef>
-                <a:spcPts val="500"/>
-              </a:spcBef>
-              <a:buFont typeface="Arial" panose="020B0604020202020204" pitchFamily="34" charset="0"/>
-              <a:buChar char="•"/>
-              <a:defRPr sz="1800" kern="1200">
-                <a:solidFill>
-                  <a:schemeClr val="tx1"/>
-                </a:solidFill>
-                <a:latin typeface="+mn-lt"/>
-                <a:ea typeface="+mn-ea"/>
-                <a:cs typeface="+mn-cs"/>
-              </a:defRPr>
-            </a:lvl7pPr>
-            <a:lvl8pPr marL="3429000" indent="-228600" algn="l" defTabSz="914400" rtl="0" eaLnBrk="1" latinLnBrk="0" hangingPunct="1">
-              <a:lnSpc>
-                <a:spcPct val="90000"/>
-              </a:lnSpc>
-              <a:spcBef>
-                <a:spcPts val="500"/>
-              </a:spcBef>
-              <a:buFont typeface="Arial" panose="020B0604020202020204" pitchFamily="34" charset="0"/>
-              <a:buChar char="•"/>
-              <a:defRPr sz="1800" kern="1200">
-                <a:solidFill>
-                  <a:schemeClr val="tx1"/>
-                </a:solidFill>
-                <a:latin typeface="+mn-lt"/>
-                <a:ea typeface="+mn-ea"/>
-                <a:cs typeface="+mn-cs"/>
-              </a:defRPr>
-            </a:lvl8pPr>
-            <a:lvl9pPr marL="3886200" indent="-228600" algn="l" defTabSz="914400" rtl="0" eaLnBrk="1" latinLnBrk="0" hangingPunct="1">
-              <a:lnSpc>
-                <a:spcPct val="90000"/>
-              </a:lnSpc>
-              <a:spcBef>
-                <a:spcPts val="500"/>
-              </a:spcBef>
-              <a:buFont typeface="Arial" panose="020B0604020202020204" pitchFamily="34" charset="0"/>
-              <a:buChar char="•"/>
-              <a:defRPr sz="1800" kern="1200">
-                <a:solidFill>
-                  <a:schemeClr val="tx1"/>
-                </a:solidFill>
-                <a:latin typeface="+mn-lt"/>
-                <a:ea typeface="+mn-ea"/>
-                <a:cs typeface="+mn-cs"/>
-              </a:defRPr>
-            </a:lvl9pPr>
-          </a:lstStyle>
-          <a:p>
-            <a:pPr marL="0" indent="0">
-              <a:buNone/>
-            </a:pPr>
-            <a:r>
-              <a:rPr lang="en-US" altLang="zh-CN" dirty="0">
-                <a:solidFill>
-                  <a:schemeClr val="accent1"/>
-                </a:solidFill>
-                <a:latin typeface="-apple-system"/>
-              </a:rPr>
-              <a:t>Training objective</a:t>
-            </a:r>
+          <p:cNvPr id="13" name="灯片编号占位符 12">
+            <a:extLst>
+              <a:ext uri="{FF2B5EF4-FFF2-40B4-BE49-F238E27FC236}">
+                <a16:creationId xmlns:a16="http://schemas.microsoft.com/office/drawing/2014/main" id="{237FFF84-6A5A-47F3-38B5-274BB362600D}"/>
+              </a:ext>
+            </a:extLst>
+          </p:cNvPr>
+          <p:cNvSpPr>
+            <a:spLocks noGrp="1"/>
+          </p:cNvSpPr>
+          <p:nvPr>
+            <p:ph type="sldNum" sz="quarter" idx="2"/>
+          </p:nvPr>
+        </p:nvSpPr>
+        <p:spPr/>
+        <p:txBody>
+          <a:bodyPr/>
+          <a:lstStyle/>
+          <a:p>
+            <a:fld id="{86CB4B4D-7CA3-9044-876B-883B54F8677D}" type="slidenum">
+              <a:rPr lang="en-US" altLang="zh-CN" smtClean="0"/>
+              <a:t>5</a:t>
+            </a:fld>
+            <a:endParaRPr lang="zh-CN" altLang="en-US"/>
           </a:p>
         </p:txBody>
       </p:sp>
       <p:pic>
         <p:nvPicPr>
-          <p:cNvPr id="4" name="图片 3">
-            <a:extLst>
-              <a:ext uri="{FF2B5EF4-FFF2-40B4-BE49-F238E27FC236}">
-                <a16:creationId xmlns:a16="http://schemas.microsoft.com/office/drawing/2014/main" id="{BD562089-9EC4-1A06-5C15-48E09469E291}"/>
+          <p:cNvPr id="7" name="图片 6">
+            <a:extLst>
+              <a:ext uri="{FF2B5EF4-FFF2-40B4-BE49-F238E27FC236}">
+                <a16:creationId xmlns:a16="http://schemas.microsoft.com/office/drawing/2014/main" id="{4E80ED7F-A739-D420-1EC5-A6A875680334}"/>
               </a:ext>
             </a:extLst>
           </p:cNvPr>
@@ -6239,392 +6023,18 @@
         </p:blipFill>
         <p:spPr>
           <a:xfrm>
-            <a:off x="1965375" y="1763221"/>
-            <a:ext cx="7063516" cy="994478"/>
+            <a:off x="137512" y="1671782"/>
+            <a:ext cx="11916976" cy="2992368"/>
           </a:xfrm>
           <a:prstGeom prst="rect">
             <a:avLst/>
           </a:prstGeom>
         </p:spPr>
       </p:pic>
-      <p:pic>
-        <p:nvPicPr>
-          <p:cNvPr id="5" name="图片 4">
-            <a:extLst>
-              <a:ext uri="{FF2B5EF4-FFF2-40B4-BE49-F238E27FC236}">
-                <a16:creationId xmlns:a16="http://schemas.microsoft.com/office/drawing/2014/main" id="{73617E78-336B-638F-1807-50DBD715A720}"/>
-              </a:ext>
-            </a:extLst>
-          </p:cNvPr>
-          <p:cNvPicPr>
-            <a:picLocks noChangeAspect="1"/>
-          </p:cNvPicPr>
-          <p:nvPr/>
-        </p:nvPicPr>
-        <p:blipFill>
-          <a:blip r:embed="rId3"/>
-          <a:stretch>
-            <a:fillRect/>
-          </a:stretch>
-        </p:blipFill>
-        <p:spPr>
-          <a:xfrm>
-            <a:off x="1925960" y="3429000"/>
-            <a:ext cx="7102931" cy="1490171"/>
-          </a:xfrm>
-          <a:prstGeom prst="rect">
-            <a:avLst/>
-          </a:prstGeom>
-        </p:spPr>
-      </p:pic>
-      <p:pic>
-        <p:nvPicPr>
-          <p:cNvPr id="8" name="图片 7">
-            <a:extLst>
-              <a:ext uri="{FF2B5EF4-FFF2-40B4-BE49-F238E27FC236}">
-                <a16:creationId xmlns:a16="http://schemas.microsoft.com/office/drawing/2014/main" id="{F6C666A9-FEF8-4F56-BB26-C6BBFCA8F4DD}"/>
-              </a:ext>
-            </a:extLst>
-          </p:cNvPr>
-          <p:cNvPicPr>
-            <a:picLocks noChangeAspect="1"/>
-          </p:cNvPicPr>
-          <p:nvPr/>
-        </p:nvPicPr>
-        <p:blipFill>
-          <a:blip r:embed="rId4"/>
-          <a:stretch>
-            <a:fillRect/>
-          </a:stretch>
-        </p:blipFill>
-        <p:spPr>
-          <a:xfrm>
-            <a:off x="1469829" y="5275663"/>
-            <a:ext cx="8054608" cy="1568714"/>
-          </a:xfrm>
-          <a:prstGeom prst="rect">
-            <a:avLst/>
-          </a:prstGeom>
-        </p:spPr>
-      </p:pic>
-      <p:sp>
-        <p:nvSpPr>
-          <p:cNvPr id="3" name="箭头: 下 2">
-            <a:extLst>
-              <a:ext uri="{FF2B5EF4-FFF2-40B4-BE49-F238E27FC236}">
-                <a16:creationId xmlns:a16="http://schemas.microsoft.com/office/drawing/2014/main" id="{D713732D-B1A0-DBA1-1DBF-2E367D69EDE7}"/>
-              </a:ext>
-            </a:extLst>
-          </p:cNvPr>
-          <p:cNvSpPr/>
-          <p:nvPr/>
-        </p:nvSpPr>
-        <p:spPr>
-          <a:xfrm>
-            <a:off x="5664629" y="2979030"/>
-            <a:ext cx="650929" cy="578319"/>
-          </a:xfrm>
-          <a:prstGeom prst="downArrow">
-            <a:avLst/>
-          </a:prstGeom>
-        </p:spPr>
-        <p:style>
-          <a:lnRef idx="2">
-            <a:schemeClr val="accent1">
-              <a:shade val="15000"/>
-            </a:schemeClr>
-          </a:lnRef>
-          <a:fillRef idx="1">
-            <a:schemeClr val="accent1"/>
-          </a:fillRef>
-          <a:effectRef idx="0">
-            <a:schemeClr val="accent1"/>
-          </a:effectRef>
-          <a:fontRef idx="minor">
-            <a:schemeClr val="lt1"/>
-          </a:fontRef>
-        </p:style>
-        <p:txBody>
-          <a:bodyPr rtlCol="0" anchor="ctr"/>
-          <a:lstStyle/>
-          <a:p>
-            <a:pPr algn="ctr"/>
-            <a:endParaRPr lang="zh-CN" altLang="en-US"/>
-          </a:p>
-        </p:txBody>
-      </p:sp>
-      <p:sp>
-        <p:nvSpPr>
-          <p:cNvPr id="11" name="箭头: 下 10">
-            <a:extLst>
-              <a:ext uri="{FF2B5EF4-FFF2-40B4-BE49-F238E27FC236}">
-                <a16:creationId xmlns:a16="http://schemas.microsoft.com/office/drawing/2014/main" id="{12022ED1-D12C-EBBF-0A13-78EAEB559DE9}"/>
-              </a:ext>
-            </a:extLst>
-          </p:cNvPr>
-          <p:cNvSpPr/>
-          <p:nvPr/>
-        </p:nvSpPr>
-        <p:spPr>
-          <a:xfrm>
-            <a:off x="5664628" y="4697344"/>
-            <a:ext cx="650929" cy="578319"/>
-          </a:xfrm>
-          <a:prstGeom prst="downArrow">
-            <a:avLst/>
-          </a:prstGeom>
-        </p:spPr>
-        <p:style>
-          <a:lnRef idx="2">
-            <a:schemeClr val="accent1">
-              <a:shade val="15000"/>
-            </a:schemeClr>
-          </a:lnRef>
-          <a:fillRef idx="1">
-            <a:schemeClr val="accent1"/>
-          </a:fillRef>
-          <a:effectRef idx="0">
-            <a:schemeClr val="accent1"/>
-          </a:effectRef>
-          <a:fontRef idx="minor">
-            <a:schemeClr val="lt1"/>
-          </a:fontRef>
-        </p:style>
-        <p:txBody>
-          <a:bodyPr rtlCol="0" anchor="ctr"/>
-          <a:lstStyle/>
-          <a:p>
-            <a:pPr algn="ctr"/>
-            <a:endParaRPr lang="zh-CN" altLang="en-US"/>
-          </a:p>
-        </p:txBody>
-      </p:sp>
-      <p:sp>
-        <p:nvSpPr>
-          <p:cNvPr id="12" name="文本框 11">
-            <a:extLst>
-              <a:ext uri="{FF2B5EF4-FFF2-40B4-BE49-F238E27FC236}">
-                <a16:creationId xmlns:a16="http://schemas.microsoft.com/office/drawing/2014/main" id="{37BD818E-C645-B707-788C-D4A10DB33031}"/>
-              </a:ext>
-            </a:extLst>
-          </p:cNvPr>
-          <p:cNvSpPr txBox="1"/>
-          <p:nvPr/>
-        </p:nvSpPr>
-        <p:spPr>
-          <a:xfrm>
-            <a:off x="6449642" y="2765129"/>
-            <a:ext cx="3074795" cy="369332"/>
-          </a:xfrm>
-          <a:prstGeom prst="rect">
-            <a:avLst/>
-          </a:prstGeom>
-          <a:noFill/>
-        </p:spPr>
-        <p:txBody>
-          <a:bodyPr wrap="square" rtlCol="0">
-            <a:spAutoFit/>
-          </a:bodyPr>
-          <a:lstStyle/>
-          <a:p>
-            <a:r>
-              <a:rPr lang="en-US" altLang="zh-CN" dirty="0" err="1"/>
-              <a:t>Num_connects</a:t>
-            </a:r>
-            <a:r>
-              <a:rPr lang="en-US" altLang="zh-CN" dirty="0"/>
-              <a:t> = </a:t>
-            </a:r>
-            <a:r>
-              <a:rPr lang="en-US" altLang="zh-CN" dirty="0" err="1"/>
-              <a:t>len</a:t>
-            </a:r>
-            <a:r>
-              <a:rPr lang="en-US" altLang="zh-CN" dirty="0"/>
-              <a:t>(seq)</a:t>
-            </a:r>
-            <a:endParaRPr lang="zh-CN" altLang="en-US" dirty="0"/>
-          </a:p>
-        </p:txBody>
-      </p:sp>
-      <p:sp>
-        <p:nvSpPr>
-          <p:cNvPr id="14" name="文本框 13">
-            <a:extLst>
-              <a:ext uri="{FF2B5EF4-FFF2-40B4-BE49-F238E27FC236}">
-                <a16:creationId xmlns:a16="http://schemas.microsoft.com/office/drawing/2014/main" id="{6EACB153-9390-3274-5149-C539512564A0}"/>
-              </a:ext>
-            </a:extLst>
-          </p:cNvPr>
-          <p:cNvSpPr txBox="1"/>
-          <p:nvPr/>
-        </p:nvSpPr>
-        <p:spPr>
-          <a:xfrm>
-            <a:off x="6653376" y="4549839"/>
-            <a:ext cx="6098582" cy="369332"/>
-          </a:xfrm>
-          <a:prstGeom prst="rect">
-            <a:avLst/>
-          </a:prstGeom>
-          <a:noFill/>
-        </p:spPr>
-        <p:txBody>
-          <a:bodyPr wrap="square">
-            <a:spAutoFit/>
-          </a:bodyPr>
-          <a:lstStyle/>
-          <a:p>
-            <a:r>
-              <a:rPr lang="en-US" altLang="zh-CN" dirty="0" err="1"/>
-              <a:t>Num_connects</a:t>
-            </a:r>
-            <a:r>
-              <a:rPr lang="en-US" altLang="zh-CN" dirty="0"/>
-              <a:t> = </a:t>
-            </a:r>
-            <a:r>
-              <a:rPr lang="en-US" altLang="zh-CN" dirty="0" err="1"/>
-              <a:t>len</a:t>
-            </a:r>
-            <a:r>
-              <a:rPr lang="en-US" altLang="zh-CN" dirty="0"/>
-              <a:t>(target _seq)</a:t>
-            </a:r>
-            <a:endParaRPr lang="zh-CN" altLang="en-US" dirty="0"/>
-          </a:p>
-        </p:txBody>
-      </p:sp>
-      <p:sp>
-        <p:nvSpPr>
-          <p:cNvPr id="16" name="文本框 15">
-            <a:extLst>
-              <a:ext uri="{FF2B5EF4-FFF2-40B4-BE49-F238E27FC236}">
-                <a16:creationId xmlns:a16="http://schemas.microsoft.com/office/drawing/2014/main" id="{A4221509-5232-FBDE-7F8B-813BA2A3257C}"/>
-              </a:ext>
-            </a:extLst>
-          </p:cNvPr>
-          <p:cNvSpPr txBox="1"/>
-          <p:nvPr/>
-        </p:nvSpPr>
-        <p:spPr>
-          <a:xfrm>
-            <a:off x="2696703" y="2839921"/>
-            <a:ext cx="6586778" cy="646331"/>
-          </a:xfrm>
-          <a:prstGeom prst="rect">
-            <a:avLst/>
-          </a:prstGeom>
-          <a:noFill/>
-        </p:spPr>
-        <p:txBody>
-          <a:bodyPr wrap="square">
-            <a:spAutoFit/>
-          </a:bodyPr>
-          <a:lstStyle/>
-          <a:p>
-            <a:r>
-              <a:rPr lang="en-US" altLang="zh-CN" dirty="0"/>
-              <a:t>Has more connections</a:t>
-            </a:r>
-          </a:p>
-          <a:p>
-            <a:r>
-              <a:rPr lang="en-US" altLang="zh-CN" dirty="0"/>
-              <a:t>Training each time step</a:t>
-            </a:r>
-          </a:p>
-        </p:txBody>
-      </p:sp>
-      <p:sp>
-        <p:nvSpPr>
-          <p:cNvPr id="17" name="文本框 16">
-            <a:extLst>
-              <a:ext uri="{FF2B5EF4-FFF2-40B4-BE49-F238E27FC236}">
-                <a16:creationId xmlns:a16="http://schemas.microsoft.com/office/drawing/2014/main" id="{DAEA0640-E42A-653A-DAC6-3DD1BB50C4E8}"/>
-              </a:ext>
-            </a:extLst>
-          </p:cNvPr>
-          <p:cNvSpPr txBox="1"/>
-          <p:nvPr/>
-        </p:nvSpPr>
-        <p:spPr>
-          <a:xfrm>
-            <a:off x="6780508" y="6456061"/>
-            <a:ext cx="3261903" cy="369332"/>
-          </a:xfrm>
-          <a:prstGeom prst="rect">
-            <a:avLst/>
-          </a:prstGeom>
-          <a:noFill/>
-        </p:spPr>
-        <p:txBody>
-          <a:bodyPr wrap="square" rtlCol="0">
-            <a:spAutoFit/>
-          </a:bodyPr>
-          <a:lstStyle/>
-          <a:p>
-            <a:r>
-              <a:rPr lang="en-US" altLang="zh-CN" dirty="0" err="1"/>
-              <a:t>Num_connects</a:t>
-            </a:r>
-            <a:r>
-              <a:rPr lang="en-US" altLang="zh-CN" dirty="0"/>
-              <a:t> = </a:t>
-            </a:r>
-            <a:r>
-              <a:rPr lang="en-US" altLang="zh-CN" dirty="0" err="1"/>
-              <a:t>len</a:t>
-            </a:r>
-            <a:r>
-              <a:rPr lang="en-US" altLang="zh-CN" dirty="0"/>
-              <a:t>(</a:t>
-            </a:r>
-            <a:r>
-              <a:rPr lang="en-US" altLang="zh-CN" dirty="0" err="1"/>
-              <a:t>input_seq</a:t>
-            </a:r>
-            <a:r>
-              <a:rPr lang="en-US" altLang="zh-CN" dirty="0"/>
-              <a:t>)</a:t>
-            </a:r>
-            <a:endParaRPr lang="zh-CN" altLang="en-US" dirty="0"/>
-          </a:p>
-        </p:txBody>
-      </p:sp>
-      <p:sp>
-        <p:nvSpPr>
-          <p:cNvPr id="20" name="灯片编号占位符 19">
-            <a:extLst>
-              <a:ext uri="{FF2B5EF4-FFF2-40B4-BE49-F238E27FC236}">
-                <a16:creationId xmlns:a16="http://schemas.microsoft.com/office/drawing/2014/main" id="{2A2D53A0-8BDE-2E8F-80F3-972365D04366}"/>
-              </a:ext>
-            </a:extLst>
-          </p:cNvPr>
-          <p:cNvSpPr>
-            <a:spLocks noGrp="1"/>
-          </p:cNvSpPr>
-          <p:nvPr>
-            <p:ph type="sldNum" sz="quarter" idx="2"/>
-          </p:nvPr>
-        </p:nvSpPr>
-        <p:spPr/>
-        <p:txBody>
-          <a:bodyPr/>
-          <a:lstStyle/>
-          <a:p>
-            <a:fld id="{86CB4B4D-7CA3-9044-876B-883B54F8677D}" type="slidenum">
-              <a:rPr lang="en-US" altLang="zh-CN" smtClean="0"/>
-              <a:t>5</a:t>
-            </a:fld>
-            <a:endParaRPr lang="zh-CN" altLang="en-US"/>
-          </a:p>
-        </p:txBody>
-      </p:sp>
     </p:spTree>
     <p:extLst>
       <p:ext uri="{BB962C8B-B14F-4D97-AF65-F5344CB8AC3E}">
-        <p14:creationId xmlns:p14="http://schemas.microsoft.com/office/powerpoint/2010/main" val="3722898602"/>
+        <p14:creationId xmlns:p14="http://schemas.microsoft.com/office/powerpoint/2010/main" val="2613141994"/>
       </p:ext>
     </p:extLst>
   </p:cSld>
@@ -6680,6 +6090,71 @@
           <a:p>
             <a:r>
               <a:rPr lang="en-US" altLang="zh-CN" dirty="0"/>
+              <a:t>Results Analysis</a:t>
+            </a:r>
+            <a:endParaRPr lang="zh-CN" altLang="en-US" dirty="0"/>
+          </a:p>
+        </p:txBody>
+      </p:sp>
+    </p:spTree>
+    <p:extLst>
+      <p:ext uri="{BB962C8B-B14F-4D97-AF65-F5344CB8AC3E}">
+        <p14:creationId xmlns:p14="http://schemas.microsoft.com/office/powerpoint/2010/main" val="3722898602"/>
+      </p:ext>
+    </p:extLst>
+  </p:cSld>
+  <p:clrMapOvr>
+    <a:masterClrMapping/>
+  </p:clrMapOvr>
+  <p:transition spd="med"/>
+</p:sld>
+</file>
+
+<file path=ppt/slides/slide7.xml><?xml version="1.0" encoding="utf-8"?>
+<p:sld xmlns:a="http://schemas.openxmlformats.org/drawingml/2006/main" xmlns:r="http://schemas.openxmlformats.org/officeDocument/2006/relationships" xmlns:p="http://schemas.openxmlformats.org/presentationml/2006/main">
+  <p:cSld>
+    <p:spTree>
+      <p:nvGrpSpPr>
+        <p:cNvPr id="1" name=""/>
+        <p:cNvGrpSpPr/>
+        <p:nvPr/>
+      </p:nvGrpSpPr>
+      <p:grpSpPr>
+        <a:xfrm>
+          <a:off x="0" y="0"/>
+          <a:ext cx="0" cy="0"/>
+          <a:chOff x="0" y="0"/>
+          <a:chExt cx="0" cy="0"/>
+        </a:xfrm>
+      </p:grpSpPr>
+      <p:sp>
+        <p:nvSpPr>
+          <p:cNvPr id="2" name="标题 1">
+            <a:extLst>
+              <a:ext uri="{FF2B5EF4-FFF2-40B4-BE49-F238E27FC236}">
+                <a16:creationId xmlns:a16="http://schemas.microsoft.com/office/drawing/2014/main" id="{8CB0BEDD-BACE-C402-E5B3-E7DBD84C11B8}"/>
+              </a:ext>
+            </a:extLst>
+          </p:cNvPr>
+          <p:cNvSpPr>
+            <a:spLocks noGrp="1"/>
+          </p:cNvSpPr>
+          <p:nvPr>
+            <p:ph type="title"/>
+          </p:nvPr>
+        </p:nvSpPr>
+        <p:spPr>
+          <a:xfrm>
+            <a:off x="239333" y="0"/>
+            <a:ext cx="10515600" cy="1325563"/>
+          </a:xfrm>
+        </p:spPr>
+        <p:txBody>
+          <a:bodyPr/>
+          <a:lstStyle/>
+          <a:p>
+            <a:r>
+              <a:rPr lang="en-US" altLang="zh-CN" dirty="0"/>
               <a:t>Model 1. Combined model</a:t>
             </a:r>
             <a:endParaRPr lang="zh-CN" altLang="en-US" dirty="0"/>
@@ -7156,7 +6631,7 @@
           <a:p>
             <a:fld id="{86CB4B4D-7CA3-9044-876B-883B54F8677D}" type="slidenum">
               <a:rPr lang="en-US" altLang="zh-CN" smtClean="0"/>
-              <a:t>6</a:t>
+              <a:t>7</a:t>
             </a:fld>
             <a:endParaRPr lang="zh-CN" altLang="en-US"/>
           </a:p>
@@ -7236,7 +6711,7 @@
 </p:sld>
 </file>
 
-<file path=ppt/slides/slide7.xml><?xml version="1.0" encoding="utf-8"?>
+<file path=ppt/slides/slide8.xml><?xml version="1.0" encoding="utf-8"?>
 <p:sld xmlns:a="http://schemas.openxmlformats.org/drawingml/2006/main" xmlns:r="http://schemas.openxmlformats.org/officeDocument/2006/relationships" xmlns:p="http://schemas.openxmlformats.org/presentationml/2006/main">
   <p:cSld>
     <p:spTree>
@@ -7757,7 +7232,7 @@
           <a:p>
             <a:fld id="{86CB4B4D-7CA3-9044-876B-883B54F8677D}" type="slidenum">
               <a:rPr lang="en-US" altLang="zh-CN" smtClean="0"/>
-              <a:t>7</a:t>
+              <a:t>8</a:t>
             </a:fld>
             <a:endParaRPr lang="zh-CN" altLang="en-US"/>
           </a:p>
@@ -7837,7 +7312,7 @@
 </p:sld>
 </file>
 
-<file path=ppt/slides/slide8.xml><?xml version="1.0" encoding="utf-8"?>
+<file path=ppt/slides/slide9.xml><?xml version="1.0" encoding="utf-8"?>
 <p:sld xmlns:a="http://schemas.openxmlformats.org/drawingml/2006/main" xmlns:r="http://schemas.openxmlformats.org/officeDocument/2006/relationships" xmlns:p="http://schemas.openxmlformats.org/presentationml/2006/main">
   <p:cSld>
     <p:spTree>
@@ -8392,7 +7867,7 @@
           <a:p>
             <a:fld id="{86CB4B4D-7CA3-9044-876B-883B54F8677D}" type="slidenum">
               <a:rPr lang="en-US" altLang="zh-CN" smtClean="0"/>
-              <a:t>8</a:t>
+              <a:t>9</a:t>
             </a:fld>
             <a:endParaRPr lang="zh-CN" altLang="en-US"/>
           </a:p>
@@ -8432,334 +7907,6 @@
     <p:extLst>
       <p:ext uri="{BB962C8B-B14F-4D97-AF65-F5344CB8AC3E}">
         <p14:creationId xmlns:p14="http://schemas.microsoft.com/office/powerpoint/2010/main" val="582121818"/>
-      </p:ext>
-    </p:extLst>
-  </p:cSld>
-  <p:clrMapOvr>
-    <a:masterClrMapping/>
-  </p:clrMapOvr>
-  <p:transition spd="med"/>
-</p:sld>
-</file>
-
-<file path=ppt/slides/slide9.xml><?xml version="1.0" encoding="utf-8"?>
-<p:sld xmlns:a="http://schemas.openxmlformats.org/drawingml/2006/main" xmlns:r="http://schemas.openxmlformats.org/officeDocument/2006/relationships" xmlns:p="http://schemas.openxmlformats.org/presentationml/2006/main">
-  <p:cSld>
-    <p:spTree>
-      <p:nvGrpSpPr>
-        <p:cNvPr id="1" name=""/>
-        <p:cNvGrpSpPr/>
-        <p:nvPr/>
-      </p:nvGrpSpPr>
-      <p:grpSpPr>
-        <a:xfrm>
-          <a:off x="0" y="0"/>
-          <a:ext cx="0" cy="0"/>
-          <a:chOff x="0" y="0"/>
-          <a:chExt cx="0" cy="0"/>
-        </a:xfrm>
-      </p:grpSpPr>
-      <p:sp>
-        <p:nvSpPr>
-          <p:cNvPr id="2" name="标题 1">
-            <a:extLst>
-              <a:ext uri="{FF2B5EF4-FFF2-40B4-BE49-F238E27FC236}">
-                <a16:creationId xmlns:a16="http://schemas.microsoft.com/office/drawing/2014/main" id="{8CB0BEDD-BACE-C402-E5B3-E7DBD84C11B8}"/>
-              </a:ext>
-            </a:extLst>
-          </p:cNvPr>
-          <p:cNvSpPr>
-            <a:spLocks noGrp="1"/>
-          </p:cNvSpPr>
-          <p:nvPr>
-            <p:ph type="title"/>
-          </p:nvPr>
-        </p:nvSpPr>
-        <p:spPr>
-          <a:xfrm>
-            <a:off x="13149" y="723900"/>
-            <a:ext cx="10515600" cy="1325563"/>
-          </a:xfrm>
-        </p:spPr>
-        <p:txBody>
-          <a:bodyPr/>
-          <a:lstStyle/>
-          <a:p>
-            <a:r>
-              <a:rPr lang="en-US" altLang="zh-CN" dirty="0"/>
-              <a:t>Experiments results – ML-1M</a:t>
-            </a:r>
-            <a:endParaRPr lang="zh-CN" altLang="en-US" dirty="0"/>
-          </a:p>
-        </p:txBody>
-      </p:sp>
-      <p:sp>
-        <p:nvSpPr>
-          <p:cNvPr id="9" name="文本占位符 3">
-            <a:extLst>
-              <a:ext uri="{FF2B5EF4-FFF2-40B4-BE49-F238E27FC236}">
-                <a16:creationId xmlns:a16="http://schemas.microsoft.com/office/drawing/2014/main" id="{77618B53-20FA-46A1-85E1-E8ABF98844D0}"/>
-              </a:ext>
-            </a:extLst>
-          </p:cNvPr>
-          <p:cNvSpPr txBox="1">
-            <a:spLocks/>
-          </p:cNvSpPr>
-          <p:nvPr/>
-        </p:nvSpPr>
-        <p:spPr>
-          <a:xfrm>
-            <a:off x="357917" y="1124692"/>
-            <a:ext cx="4913032" cy="5532437"/>
-          </a:xfrm>
-          <a:prstGeom prst="rect">
-            <a:avLst/>
-          </a:prstGeom>
-        </p:spPr>
-        <p:txBody>
-          <a:bodyPr vert="horz" lIns="91440" tIns="45720" rIns="91440" bIns="45720" rtlCol="0">
-            <a:normAutofit/>
-          </a:bodyPr>
-          <a:lstStyle>
-            <a:lvl1pPr marL="228600" indent="-228600" algn="l" defTabSz="914400" rtl="0" eaLnBrk="1" latinLnBrk="0" hangingPunct="1">
-              <a:lnSpc>
-                <a:spcPct val="90000"/>
-              </a:lnSpc>
-              <a:spcBef>
-                <a:spcPts val="1000"/>
-              </a:spcBef>
-              <a:buFont typeface="Arial" panose="020B0604020202020204" pitchFamily="34" charset="0"/>
-              <a:buChar char="•"/>
-              <a:defRPr sz="2800" kern="1200">
-                <a:solidFill>
-                  <a:schemeClr val="tx1"/>
-                </a:solidFill>
-                <a:latin typeface="+mn-lt"/>
-                <a:ea typeface="+mn-ea"/>
-                <a:cs typeface="+mn-cs"/>
-              </a:defRPr>
-            </a:lvl1pPr>
-            <a:lvl2pPr marL="685800" indent="-228600" algn="l" defTabSz="914400" rtl="0" eaLnBrk="1" latinLnBrk="0" hangingPunct="1">
-              <a:lnSpc>
-                <a:spcPct val="90000"/>
-              </a:lnSpc>
-              <a:spcBef>
-                <a:spcPts val="500"/>
-              </a:spcBef>
-              <a:buFont typeface="Arial" panose="020B0604020202020204" pitchFamily="34" charset="0"/>
-              <a:buChar char="•"/>
-              <a:defRPr sz="2400" kern="1200">
-                <a:solidFill>
-                  <a:schemeClr val="tx1"/>
-                </a:solidFill>
-                <a:latin typeface="+mn-lt"/>
-                <a:ea typeface="+mn-ea"/>
-                <a:cs typeface="+mn-cs"/>
-              </a:defRPr>
-            </a:lvl2pPr>
-            <a:lvl3pPr marL="1143000" indent="-228600" algn="l" defTabSz="914400" rtl="0" eaLnBrk="1" latinLnBrk="0" hangingPunct="1">
-              <a:lnSpc>
-                <a:spcPct val="90000"/>
-              </a:lnSpc>
-              <a:spcBef>
-                <a:spcPts val="500"/>
-              </a:spcBef>
-              <a:buFont typeface="Arial" panose="020B0604020202020204" pitchFamily="34" charset="0"/>
-              <a:buChar char="•"/>
-              <a:defRPr sz="2000" kern="1200">
-                <a:solidFill>
-                  <a:schemeClr val="tx1"/>
-                </a:solidFill>
-                <a:latin typeface="+mn-lt"/>
-                <a:ea typeface="+mn-ea"/>
-                <a:cs typeface="+mn-cs"/>
-              </a:defRPr>
-            </a:lvl3pPr>
-            <a:lvl4pPr marL="1600200" indent="-228600" algn="l" defTabSz="914400" rtl="0" eaLnBrk="1" latinLnBrk="0" hangingPunct="1">
-              <a:lnSpc>
-                <a:spcPct val="90000"/>
-              </a:lnSpc>
-              <a:spcBef>
-                <a:spcPts val="500"/>
-              </a:spcBef>
-              <a:buFont typeface="Arial" panose="020B0604020202020204" pitchFamily="34" charset="0"/>
-              <a:buChar char="•"/>
-              <a:defRPr sz="1800" kern="1200">
-                <a:solidFill>
-                  <a:schemeClr val="tx1"/>
-                </a:solidFill>
-                <a:latin typeface="+mn-lt"/>
-                <a:ea typeface="+mn-ea"/>
-                <a:cs typeface="+mn-cs"/>
-              </a:defRPr>
-            </a:lvl4pPr>
-            <a:lvl5pPr marL="2057400" indent="-228600" algn="l" defTabSz="914400" rtl="0" eaLnBrk="1" latinLnBrk="0" hangingPunct="1">
-              <a:lnSpc>
-                <a:spcPct val="90000"/>
-              </a:lnSpc>
-              <a:spcBef>
-                <a:spcPts val="500"/>
-              </a:spcBef>
-              <a:buFont typeface="Arial" panose="020B0604020202020204" pitchFamily="34" charset="0"/>
-              <a:buChar char="•"/>
-              <a:defRPr sz="1800" kern="1200">
-                <a:solidFill>
-                  <a:schemeClr val="tx1"/>
-                </a:solidFill>
-                <a:latin typeface="+mn-lt"/>
-                <a:ea typeface="+mn-ea"/>
-                <a:cs typeface="+mn-cs"/>
-              </a:defRPr>
-            </a:lvl5pPr>
-            <a:lvl6pPr marL="2514600" indent="-228600" algn="l" defTabSz="914400" rtl="0" eaLnBrk="1" latinLnBrk="0" hangingPunct="1">
-              <a:lnSpc>
-                <a:spcPct val="90000"/>
-              </a:lnSpc>
-              <a:spcBef>
-                <a:spcPts val="500"/>
-              </a:spcBef>
-              <a:buFont typeface="Arial" panose="020B0604020202020204" pitchFamily="34" charset="0"/>
-              <a:buChar char="•"/>
-              <a:defRPr sz="1800" kern="1200">
-                <a:solidFill>
-                  <a:schemeClr val="tx1"/>
-                </a:solidFill>
-                <a:latin typeface="+mn-lt"/>
-                <a:ea typeface="+mn-ea"/>
-                <a:cs typeface="+mn-cs"/>
-              </a:defRPr>
-            </a:lvl6pPr>
-            <a:lvl7pPr marL="2971800" indent="-228600" algn="l" defTabSz="914400" rtl="0" eaLnBrk="1" latinLnBrk="0" hangingPunct="1">
-              <a:lnSpc>
-                <a:spcPct val="90000"/>
-              </a:lnSpc>
-              <a:spcBef>
-                <a:spcPts val="500"/>
-              </a:spcBef>
-              <a:buFont typeface="Arial" panose="020B0604020202020204" pitchFamily="34" charset="0"/>
-              <a:buChar char="•"/>
-              <a:defRPr sz="1800" kern="1200">
-                <a:solidFill>
-                  <a:schemeClr val="tx1"/>
-                </a:solidFill>
-                <a:latin typeface="+mn-lt"/>
-                <a:ea typeface="+mn-ea"/>
-                <a:cs typeface="+mn-cs"/>
-              </a:defRPr>
-            </a:lvl7pPr>
-            <a:lvl8pPr marL="3429000" indent="-228600" algn="l" defTabSz="914400" rtl="0" eaLnBrk="1" latinLnBrk="0" hangingPunct="1">
-              <a:lnSpc>
-                <a:spcPct val="90000"/>
-              </a:lnSpc>
-              <a:spcBef>
-                <a:spcPts val="500"/>
-              </a:spcBef>
-              <a:buFont typeface="Arial" panose="020B0604020202020204" pitchFamily="34" charset="0"/>
-              <a:buChar char="•"/>
-              <a:defRPr sz="1800" kern="1200">
-                <a:solidFill>
-                  <a:schemeClr val="tx1"/>
-                </a:solidFill>
-                <a:latin typeface="+mn-lt"/>
-                <a:ea typeface="+mn-ea"/>
-                <a:cs typeface="+mn-cs"/>
-              </a:defRPr>
-            </a:lvl8pPr>
-            <a:lvl9pPr marL="3886200" indent="-228600" algn="l" defTabSz="914400" rtl="0" eaLnBrk="1" latinLnBrk="0" hangingPunct="1">
-              <a:lnSpc>
-                <a:spcPct val="90000"/>
-              </a:lnSpc>
-              <a:spcBef>
-                <a:spcPts val="500"/>
-              </a:spcBef>
-              <a:buFont typeface="Arial" panose="020B0604020202020204" pitchFamily="34" charset="0"/>
-              <a:buChar char="•"/>
-              <a:defRPr sz="1800" kern="1200">
-                <a:solidFill>
-                  <a:schemeClr val="tx1"/>
-                </a:solidFill>
-                <a:latin typeface="+mn-lt"/>
-                <a:ea typeface="+mn-ea"/>
-                <a:cs typeface="+mn-cs"/>
-              </a:defRPr>
-            </a:lvl9pPr>
-          </a:lstStyle>
-          <a:p>
-            <a:pPr marL="0" indent="0">
-              <a:buNone/>
-            </a:pPr>
-            <a:endParaRPr lang="en-US" altLang="zh-CN" dirty="0">
-              <a:solidFill>
-                <a:schemeClr val="accent1"/>
-              </a:solidFill>
-              <a:latin typeface="-apple-system"/>
-            </a:endParaRPr>
-          </a:p>
-        </p:txBody>
-      </p:sp>
-      <p:pic>
-        <p:nvPicPr>
-          <p:cNvPr id="4" name="图片 3">
-            <a:extLst>
-              <a:ext uri="{FF2B5EF4-FFF2-40B4-BE49-F238E27FC236}">
-                <a16:creationId xmlns:a16="http://schemas.microsoft.com/office/drawing/2014/main" id="{19397403-96FC-799D-8A16-710A31B94C3B}"/>
-              </a:ext>
-            </a:extLst>
-          </p:cNvPr>
-          <p:cNvPicPr>
-            <a:picLocks noChangeAspect="1"/>
-          </p:cNvPicPr>
-          <p:nvPr/>
-        </p:nvPicPr>
-        <p:blipFill>
-          <a:blip r:embed="rId2"/>
-          <a:stretch>
-            <a:fillRect/>
-          </a:stretch>
-        </p:blipFill>
-        <p:spPr>
-          <a:xfrm>
-            <a:off x="1325490" y="2235883"/>
-            <a:ext cx="9004763" cy="3695890"/>
-          </a:xfrm>
-          <a:prstGeom prst="rect">
-            <a:avLst/>
-          </a:prstGeom>
-        </p:spPr>
-      </p:pic>
-      <p:sp>
-        <p:nvSpPr>
-          <p:cNvPr id="7" name="灯片编号占位符 6">
-            <a:extLst>
-              <a:ext uri="{FF2B5EF4-FFF2-40B4-BE49-F238E27FC236}">
-                <a16:creationId xmlns:a16="http://schemas.microsoft.com/office/drawing/2014/main" id="{350CCB26-346C-0112-23D5-E83AC3F78A8B}"/>
-              </a:ext>
-            </a:extLst>
-          </p:cNvPr>
-          <p:cNvSpPr>
-            <a:spLocks noGrp="1"/>
-          </p:cNvSpPr>
-          <p:nvPr>
-            <p:ph type="sldNum" sz="quarter" idx="2"/>
-          </p:nvPr>
-        </p:nvSpPr>
-        <p:spPr/>
-        <p:txBody>
-          <a:bodyPr/>
-          <a:lstStyle/>
-          <a:p>
-            <a:fld id="{86CB4B4D-7CA3-9044-876B-883B54F8677D}" type="slidenum">
-              <a:rPr lang="en-US" altLang="zh-CN" smtClean="0"/>
-              <a:t>9</a:t>
-            </a:fld>
-            <a:endParaRPr lang="zh-CN" altLang="en-US"/>
-          </a:p>
-        </p:txBody>
-      </p:sp>
-    </p:spTree>
-    <p:extLst>
-      <p:ext uri="{BB962C8B-B14F-4D97-AF65-F5344CB8AC3E}">
-        <p14:creationId xmlns:p14="http://schemas.microsoft.com/office/powerpoint/2010/main" val="4212224579"/>
       </p:ext>
     </p:extLst>
   </p:cSld>

--- a/week5/Dissertation_5.pptx
+++ b/week5/Dissertation_5.pptx
@@ -5,7 +5,7 @@
     <p:sldMasterId id="2147483648" r:id="rId1"/>
   </p:sldMasterIdLst>
   <p:notesMasterIdLst>
-    <p:notesMasterId r:id="rId13"/>
+    <p:notesMasterId r:id="rId10"/>
   </p:notesMasterIdLst>
   <p:sldIdLst>
     <p:sldId id="260" r:id="rId2"/>
@@ -14,14 +14,11 @@
     <p:sldId id="282" r:id="rId5"/>
     <p:sldId id="294" r:id="rId6"/>
     <p:sldId id="290" r:id="rId7"/>
-    <p:sldId id="292" r:id="rId8"/>
-    <p:sldId id="291" r:id="rId9"/>
-    <p:sldId id="284" r:id="rId10"/>
-    <p:sldId id="286" r:id="rId11"/>
-    <p:sldId id="288" r:id="rId12"/>
+    <p:sldId id="295" r:id="rId8"/>
+    <p:sldId id="296" r:id="rId9"/>
   </p:sldIdLst>
   <p:sldSz cx="12192000" cy="6858000"/>
-  <p:notesSz cx="6858000" cy="9144000"/>
+  <p:notesSz cx="7099300" cy="10234613"/>
   <p:defaultTextStyle>
     <a:defPPr>
       <a:defRPr lang="zh-CN"/>
@@ -160,17 +157,17 @@
         <p:spPr>
           <a:xfrm>
             <a:off x="0" y="0"/>
-            <a:ext cx="2971800" cy="458788"/>
+            <a:ext cx="3076363" cy="513508"/>
           </a:xfrm>
           <a:prstGeom prst="rect">
             <a:avLst/>
           </a:prstGeom>
         </p:spPr>
         <p:txBody>
-          <a:bodyPr vert="horz" lIns="91440" tIns="45720" rIns="91440" bIns="45720" rtlCol="0"/>
+          <a:bodyPr vert="horz" lIns="99048" tIns="49524" rIns="99048" bIns="49524" rtlCol="0"/>
           <a:lstStyle>
             <a:lvl1pPr algn="l">
-              <a:defRPr sz="1200"/>
+              <a:defRPr sz="1300"/>
             </a:lvl1pPr>
           </a:lstStyle>
           <a:p>
@@ -190,18 +187,18 @@
         </p:nvSpPr>
         <p:spPr>
           <a:xfrm>
-            <a:off x="3884613" y="0"/>
-            <a:ext cx="2971800" cy="458788"/>
+            <a:off x="4021294" y="0"/>
+            <a:ext cx="3076363" cy="513508"/>
           </a:xfrm>
           <a:prstGeom prst="rect">
             <a:avLst/>
           </a:prstGeom>
         </p:spPr>
         <p:txBody>
-          <a:bodyPr vert="horz" lIns="91440" tIns="45720" rIns="91440" bIns="45720" rtlCol="0"/>
+          <a:bodyPr vert="horz" lIns="99048" tIns="49524" rIns="99048" bIns="49524" rtlCol="0"/>
           <a:lstStyle>
             <a:lvl1pPr algn="r">
-              <a:defRPr sz="1200"/>
+              <a:defRPr sz="1300"/>
             </a:lvl1pPr>
           </a:lstStyle>
           <a:p>
@@ -225,8 +222,8 @@
         </p:nvSpPr>
         <p:spPr>
           <a:xfrm>
-            <a:off x="685800" y="1143000"/>
-            <a:ext cx="5486400" cy="3086100"/>
+            <a:off x="479425" y="1279525"/>
+            <a:ext cx="6140450" cy="3454400"/>
           </a:xfrm>
           <a:prstGeom prst="rect">
             <a:avLst/>
@@ -239,7 +236,7 @@
           </a:ln>
         </p:spPr>
         <p:txBody>
-          <a:bodyPr vert="horz" lIns="91440" tIns="45720" rIns="91440" bIns="45720" rtlCol="0" anchor="ctr"/>
+          <a:bodyPr vert="horz" lIns="99048" tIns="49524" rIns="99048" bIns="49524" rtlCol="0" anchor="ctr"/>
           <a:lstStyle/>
           <a:p>
             <a:endParaRPr lang="zh-CN" altLang="en-US"/>
@@ -258,15 +255,15 @@
         </p:nvSpPr>
         <p:spPr>
           <a:xfrm>
-            <a:off x="685800" y="4400550"/>
-            <a:ext cx="5486400" cy="3600450"/>
+            <a:off x="709930" y="4925407"/>
+            <a:ext cx="5679440" cy="4029879"/>
           </a:xfrm>
           <a:prstGeom prst="rect">
             <a:avLst/>
           </a:prstGeom>
         </p:spPr>
         <p:txBody>
-          <a:bodyPr vert="horz" lIns="91440" tIns="45720" rIns="91440" bIns="45720" rtlCol="0"/>
+          <a:bodyPr vert="horz" lIns="99048" tIns="49524" rIns="99048" bIns="49524" rtlCol="0"/>
           <a:lstStyle/>
           <a:p>
             <a:pPr lvl="0"/>
@@ -317,18 +314,18 @@
         </p:nvSpPr>
         <p:spPr>
           <a:xfrm>
-            <a:off x="0" y="8685213"/>
-            <a:ext cx="2971800" cy="458787"/>
+            <a:off x="0" y="9721107"/>
+            <a:ext cx="3076363" cy="513507"/>
           </a:xfrm>
           <a:prstGeom prst="rect">
             <a:avLst/>
           </a:prstGeom>
         </p:spPr>
         <p:txBody>
-          <a:bodyPr vert="horz" lIns="91440" tIns="45720" rIns="91440" bIns="45720" rtlCol="0" anchor="b"/>
+          <a:bodyPr vert="horz" lIns="99048" tIns="49524" rIns="99048" bIns="49524" rtlCol="0" anchor="b"/>
           <a:lstStyle>
             <a:lvl1pPr algn="l">
-              <a:defRPr sz="1200"/>
+              <a:defRPr sz="1300"/>
             </a:lvl1pPr>
           </a:lstStyle>
           <a:p>
@@ -348,18 +345,18 @@
         </p:nvSpPr>
         <p:spPr>
           <a:xfrm>
-            <a:off x="3884613" y="8685213"/>
-            <a:ext cx="2971800" cy="458787"/>
+            <a:off x="4021294" y="9721107"/>
+            <a:ext cx="3076363" cy="513507"/>
           </a:xfrm>
           <a:prstGeom prst="rect">
             <a:avLst/>
           </a:prstGeom>
         </p:spPr>
         <p:txBody>
-          <a:bodyPr vert="horz" lIns="91440" tIns="45720" rIns="91440" bIns="45720" rtlCol="0" anchor="b"/>
+          <a:bodyPr vert="horz" lIns="99048" tIns="49524" rIns="99048" bIns="49524" rtlCol="0" anchor="b"/>
           <a:lstStyle>
             <a:lvl1pPr algn="r">
-              <a:defRPr sz="1200"/>
+              <a:defRPr sz="1300"/>
             </a:lvl1pPr>
           </a:lstStyle>
           <a:p>
@@ -4154,895 +4151,6 @@
 </p:sld>
 </file>
 
-<file path=ppt/slides/slide10.xml><?xml version="1.0" encoding="utf-8"?>
-<p:sld xmlns:a="http://schemas.openxmlformats.org/drawingml/2006/main" xmlns:r="http://schemas.openxmlformats.org/officeDocument/2006/relationships" xmlns:p="http://schemas.openxmlformats.org/presentationml/2006/main">
-  <p:cSld>
-    <p:spTree>
-      <p:nvGrpSpPr>
-        <p:cNvPr id="1" name=""/>
-        <p:cNvGrpSpPr/>
-        <p:nvPr/>
-      </p:nvGrpSpPr>
-      <p:grpSpPr>
-        <a:xfrm>
-          <a:off x="0" y="0"/>
-          <a:ext cx="0" cy="0"/>
-          <a:chOff x="0" y="0"/>
-          <a:chExt cx="0" cy="0"/>
-        </a:xfrm>
-      </p:grpSpPr>
-      <p:sp>
-        <p:nvSpPr>
-          <p:cNvPr id="2" name="标题 1">
-            <a:extLst>
-              <a:ext uri="{FF2B5EF4-FFF2-40B4-BE49-F238E27FC236}">
-                <a16:creationId xmlns:a16="http://schemas.microsoft.com/office/drawing/2014/main" id="{8CB0BEDD-BACE-C402-E5B3-E7DBD84C11B8}"/>
-              </a:ext>
-            </a:extLst>
-          </p:cNvPr>
-          <p:cNvSpPr>
-            <a:spLocks noGrp="1"/>
-          </p:cNvSpPr>
-          <p:nvPr>
-            <p:ph type="title"/>
-          </p:nvPr>
-        </p:nvSpPr>
-        <p:spPr>
-          <a:xfrm>
-            <a:off x="13149" y="723900"/>
-            <a:ext cx="10515600" cy="1325563"/>
-          </a:xfrm>
-        </p:spPr>
-        <p:txBody>
-          <a:bodyPr/>
-          <a:lstStyle/>
-          <a:p>
-            <a:r>
-              <a:rPr lang="en-US" altLang="zh-CN" dirty="0"/>
-              <a:t>Experiments results – ML-1M</a:t>
-            </a:r>
-            <a:endParaRPr lang="zh-CN" altLang="en-US" dirty="0"/>
-          </a:p>
-        </p:txBody>
-      </p:sp>
-      <p:sp>
-        <p:nvSpPr>
-          <p:cNvPr id="9" name="文本占位符 3">
-            <a:extLst>
-              <a:ext uri="{FF2B5EF4-FFF2-40B4-BE49-F238E27FC236}">
-                <a16:creationId xmlns:a16="http://schemas.microsoft.com/office/drawing/2014/main" id="{77618B53-20FA-46A1-85E1-E8ABF98844D0}"/>
-              </a:ext>
-            </a:extLst>
-          </p:cNvPr>
-          <p:cNvSpPr txBox="1">
-            <a:spLocks/>
-          </p:cNvSpPr>
-          <p:nvPr/>
-        </p:nvSpPr>
-        <p:spPr>
-          <a:xfrm>
-            <a:off x="357917" y="1124692"/>
-            <a:ext cx="4913032" cy="5532437"/>
-          </a:xfrm>
-          <a:prstGeom prst="rect">
-            <a:avLst/>
-          </a:prstGeom>
-        </p:spPr>
-        <p:txBody>
-          <a:bodyPr vert="horz" lIns="91440" tIns="45720" rIns="91440" bIns="45720" rtlCol="0">
-            <a:normAutofit/>
-          </a:bodyPr>
-          <a:lstStyle>
-            <a:lvl1pPr marL="228600" indent="-228600" algn="l" defTabSz="914400" rtl="0" eaLnBrk="1" latinLnBrk="0" hangingPunct="1">
-              <a:lnSpc>
-                <a:spcPct val="90000"/>
-              </a:lnSpc>
-              <a:spcBef>
-                <a:spcPts val="1000"/>
-              </a:spcBef>
-              <a:buFont typeface="Arial" panose="020B0604020202020204" pitchFamily="34" charset="0"/>
-              <a:buChar char="•"/>
-              <a:defRPr sz="2800" kern="1200">
-                <a:solidFill>
-                  <a:schemeClr val="tx1"/>
-                </a:solidFill>
-                <a:latin typeface="+mn-lt"/>
-                <a:ea typeface="+mn-ea"/>
-                <a:cs typeface="+mn-cs"/>
-              </a:defRPr>
-            </a:lvl1pPr>
-            <a:lvl2pPr marL="685800" indent="-228600" algn="l" defTabSz="914400" rtl="0" eaLnBrk="1" latinLnBrk="0" hangingPunct="1">
-              <a:lnSpc>
-                <a:spcPct val="90000"/>
-              </a:lnSpc>
-              <a:spcBef>
-                <a:spcPts val="500"/>
-              </a:spcBef>
-              <a:buFont typeface="Arial" panose="020B0604020202020204" pitchFamily="34" charset="0"/>
-              <a:buChar char="•"/>
-              <a:defRPr sz="2400" kern="1200">
-                <a:solidFill>
-                  <a:schemeClr val="tx1"/>
-                </a:solidFill>
-                <a:latin typeface="+mn-lt"/>
-                <a:ea typeface="+mn-ea"/>
-                <a:cs typeface="+mn-cs"/>
-              </a:defRPr>
-            </a:lvl2pPr>
-            <a:lvl3pPr marL="1143000" indent="-228600" algn="l" defTabSz="914400" rtl="0" eaLnBrk="1" latinLnBrk="0" hangingPunct="1">
-              <a:lnSpc>
-                <a:spcPct val="90000"/>
-              </a:lnSpc>
-              <a:spcBef>
-                <a:spcPts val="500"/>
-              </a:spcBef>
-              <a:buFont typeface="Arial" panose="020B0604020202020204" pitchFamily="34" charset="0"/>
-              <a:buChar char="•"/>
-              <a:defRPr sz="2000" kern="1200">
-                <a:solidFill>
-                  <a:schemeClr val="tx1"/>
-                </a:solidFill>
-                <a:latin typeface="+mn-lt"/>
-                <a:ea typeface="+mn-ea"/>
-                <a:cs typeface="+mn-cs"/>
-              </a:defRPr>
-            </a:lvl3pPr>
-            <a:lvl4pPr marL="1600200" indent="-228600" algn="l" defTabSz="914400" rtl="0" eaLnBrk="1" latinLnBrk="0" hangingPunct="1">
-              <a:lnSpc>
-                <a:spcPct val="90000"/>
-              </a:lnSpc>
-              <a:spcBef>
-                <a:spcPts val="500"/>
-              </a:spcBef>
-              <a:buFont typeface="Arial" panose="020B0604020202020204" pitchFamily="34" charset="0"/>
-              <a:buChar char="•"/>
-              <a:defRPr sz="1800" kern="1200">
-                <a:solidFill>
-                  <a:schemeClr val="tx1"/>
-                </a:solidFill>
-                <a:latin typeface="+mn-lt"/>
-                <a:ea typeface="+mn-ea"/>
-                <a:cs typeface="+mn-cs"/>
-              </a:defRPr>
-            </a:lvl4pPr>
-            <a:lvl5pPr marL="2057400" indent="-228600" algn="l" defTabSz="914400" rtl="0" eaLnBrk="1" latinLnBrk="0" hangingPunct="1">
-              <a:lnSpc>
-                <a:spcPct val="90000"/>
-              </a:lnSpc>
-              <a:spcBef>
-                <a:spcPts val="500"/>
-              </a:spcBef>
-              <a:buFont typeface="Arial" panose="020B0604020202020204" pitchFamily="34" charset="0"/>
-              <a:buChar char="•"/>
-              <a:defRPr sz="1800" kern="1200">
-                <a:solidFill>
-                  <a:schemeClr val="tx1"/>
-                </a:solidFill>
-                <a:latin typeface="+mn-lt"/>
-                <a:ea typeface="+mn-ea"/>
-                <a:cs typeface="+mn-cs"/>
-              </a:defRPr>
-            </a:lvl5pPr>
-            <a:lvl6pPr marL="2514600" indent="-228600" algn="l" defTabSz="914400" rtl="0" eaLnBrk="1" latinLnBrk="0" hangingPunct="1">
-              <a:lnSpc>
-                <a:spcPct val="90000"/>
-              </a:lnSpc>
-              <a:spcBef>
-                <a:spcPts val="500"/>
-              </a:spcBef>
-              <a:buFont typeface="Arial" panose="020B0604020202020204" pitchFamily="34" charset="0"/>
-              <a:buChar char="•"/>
-              <a:defRPr sz="1800" kern="1200">
-                <a:solidFill>
-                  <a:schemeClr val="tx1"/>
-                </a:solidFill>
-                <a:latin typeface="+mn-lt"/>
-                <a:ea typeface="+mn-ea"/>
-                <a:cs typeface="+mn-cs"/>
-              </a:defRPr>
-            </a:lvl6pPr>
-            <a:lvl7pPr marL="2971800" indent="-228600" algn="l" defTabSz="914400" rtl="0" eaLnBrk="1" latinLnBrk="0" hangingPunct="1">
-              <a:lnSpc>
-                <a:spcPct val="90000"/>
-              </a:lnSpc>
-              <a:spcBef>
-                <a:spcPts val="500"/>
-              </a:spcBef>
-              <a:buFont typeface="Arial" panose="020B0604020202020204" pitchFamily="34" charset="0"/>
-              <a:buChar char="•"/>
-              <a:defRPr sz="1800" kern="1200">
-                <a:solidFill>
-                  <a:schemeClr val="tx1"/>
-                </a:solidFill>
-                <a:latin typeface="+mn-lt"/>
-                <a:ea typeface="+mn-ea"/>
-                <a:cs typeface="+mn-cs"/>
-              </a:defRPr>
-            </a:lvl7pPr>
-            <a:lvl8pPr marL="3429000" indent="-228600" algn="l" defTabSz="914400" rtl="0" eaLnBrk="1" latinLnBrk="0" hangingPunct="1">
-              <a:lnSpc>
-                <a:spcPct val="90000"/>
-              </a:lnSpc>
-              <a:spcBef>
-                <a:spcPts val="500"/>
-              </a:spcBef>
-              <a:buFont typeface="Arial" panose="020B0604020202020204" pitchFamily="34" charset="0"/>
-              <a:buChar char="•"/>
-              <a:defRPr sz="1800" kern="1200">
-                <a:solidFill>
-                  <a:schemeClr val="tx1"/>
-                </a:solidFill>
-                <a:latin typeface="+mn-lt"/>
-                <a:ea typeface="+mn-ea"/>
-                <a:cs typeface="+mn-cs"/>
-              </a:defRPr>
-            </a:lvl8pPr>
-            <a:lvl9pPr marL="3886200" indent="-228600" algn="l" defTabSz="914400" rtl="0" eaLnBrk="1" latinLnBrk="0" hangingPunct="1">
-              <a:lnSpc>
-                <a:spcPct val="90000"/>
-              </a:lnSpc>
-              <a:spcBef>
-                <a:spcPts val="500"/>
-              </a:spcBef>
-              <a:buFont typeface="Arial" panose="020B0604020202020204" pitchFamily="34" charset="0"/>
-              <a:buChar char="•"/>
-              <a:defRPr sz="1800" kern="1200">
-                <a:solidFill>
-                  <a:schemeClr val="tx1"/>
-                </a:solidFill>
-                <a:latin typeface="+mn-lt"/>
-                <a:ea typeface="+mn-ea"/>
-                <a:cs typeface="+mn-cs"/>
-              </a:defRPr>
-            </a:lvl9pPr>
-          </a:lstStyle>
-          <a:p>
-            <a:pPr marL="0" indent="0">
-              <a:buNone/>
-            </a:pPr>
-            <a:endParaRPr lang="en-US" altLang="zh-CN" dirty="0">
-              <a:solidFill>
-                <a:schemeClr val="accent1"/>
-              </a:solidFill>
-              <a:latin typeface="-apple-system"/>
-            </a:endParaRPr>
-          </a:p>
-        </p:txBody>
-      </p:sp>
-      <p:pic>
-        <p:nvPicPr>
-          <p:cNvPr id="4" name="图片 3">
-            <a:extLst>
-              <a:ext uri="{FF2B5EF4-FFF2-40B4-BE49-F238E27FC236}">
-                <a16:creationId xmlns:a16="http://schemas.microsoft.com/office/drawing/2014/main" id="{19397403-96FC-799D-8A16-710A31B94C3B}"/>
-              </a:ext>
-            </a:extLst>
-          </p:cNvPr>
-          <p:cNvPicPr>
-            <a:picLocks noChangeAspect="1"/>
-          </p:cNvPicPr>
-          <p:nvPr/>
-        </p:nvPicPr>
-        <p:blipFill>
-          <a:blip r:embed="rId2"/>
-          <a:stretch>
-            <a:fillRect/>
-          </a:stretch>
-        </p:blipFill>
-        <p:spPr>
-          <a:xfrm>
-            <a:off x="1325490" y="2235883"/>
-            <a:ext cx="9004763" cy="3695890"/>
-          </a:xfrm>
-          <a:prstGeom prst="rect">
-            <a:avLst/>
-          </a:prstGeom>
-        </p:spPr>
-      </p:pic>
-      <p:sp>
-        <p:nvSpPr>
-          <p:cNvPr id="7" name="灯片编号占位符 6">
-            <a:extLst>
-              <a:ext uri="{FF2B5EF4-FFF2-40B4-BE49-F238E27FC236}">
-                <a16:creationId xmlns:a16="http://schemas.microsoft.com/office/drawing/2014/main" id="{350CCB26-346C-0112-23D5-E83AC3F78A8B}"/>
-              </a:ext>
-            </a:extLst>
-          </p:cNvPr>
-          <p:cNvSpPr>
-            <a:spLocks noGrp="1"/>
-          </p:cNvSpPr>
-          <p:nvPr>
-            <p:ph type="sldNum" sz="quarter" idx="2"/>
-          </p:nvPr>
-        </p:nvSpPr>
-        <p:spPr/>
-        <p:txBody>
-          <a:bodyPr/>
-          <a:lstStyle/>
-          <a:p>
-            <a:fld id="{86CB4B4D-7CA3-9044-876B-883B54F8677D}" type="slidenum">
-              <a:rPr lang="en-US" altLang="zh-CN" smtClean="0"/>
-              <a:t>10</a:t>
-            </a:fld>
-            <a:endParaRPr lang="zh-CN" altLang="en-US"/>
-          </a:p>
-        </p:txBody>
-      </p:sp>
-    </p:spTree>
-    <p:extLst>
-      <p:ext uri="{BB962C8B-B14F-4D97-AF65-F5344CB8AC3E}">
-        <p14:creationId xmlns:p14="http://schemas.microsoft.com/office/powerpoint/2010/main" val="4212224579"/>
-      </p:ext>
-    </p:extLst>
-  </p:cSld>
-  <p:clrMapOvr>
-    <a:masterClrMapping/>
-  </p:clrMapOvr>
-  <p:transition spd="med"/>
-</p:sld>
-</file>
-
-<file path=ppt/slides/slide11.xml><?xml version="1.0" encoding="utf-8"?>
-<p:sld xmlns:a="http://schemas.openxmlformats.org/drawingml/2006/main" xmlns:r="http://schemas.openxmlformats.org/officeDocument/2006/relationships" xmlns:p="http://schemas.openxmlformats.org/presentationml/2006/main">
-  <p:cSld>
-    <p:spTree>
-      <p:nvGrpSpPr>
-        <p:cNvPr id="1" name=""/>
-        <p:cNvGrpSpPr/>
-        <p:nvPr/>
-      </p:nvGrpSpPr>
-      <p:grpSpPr>
-        <a:xfrm>
-          <a:off x="0" y="0"/>
-          <a:ext cx="0" cy="0"/>
-          <a:chOff x="0" y="0"/>
-          <a:chExt cx="0" cy="0"/>
-        </a:xfrm>
-      </p:grpSpPr>
-      <p:sp>
-        <p:nvSpPr>
-          <p:cNvPr id="2" name="标题 1">
-            <a:extLst>
-              <a:ext uri="{FF2B5EF4-FFF2-40B4-BE49-F238E27FC236}">
-                <a16:creationId xmlns:a16="http://schemas.microsoft.com/office/drawing/2014/main" id="{8CB0BEDD-BACE-C402-E5B3-E7DBD84C11B8}"/>
-              </a:ext>
-            </a:extLst>
-          </p:cNvPr>
-          <p:cNvSpPr>
-            <a:spLocks noGrp="1"/>
-          </p:cNvSpPr>
-          <p:nvPr>
-            <p:ph type="title"/>
-          </p:nvPr>
-        </p:nvSpPr>
-        <p:spPr>
-          <a:xfrm>
-            <a:off x="239333" y="0"/>
-            <a:ext cx="10515600" cy="1325563"/>
-          </a:xfrm>
-        </p:spPr>
-        <p:txBody>
-          <a:bodyPr/>
-          <a:lstStyle/>
-          <a:p>
-            <a:r>
-              <a:rPr lang="en-US" altLang="zh-CN" dirty="0"/>
-              <a:t>Result Explain</a:t>
-            </a:r>
-            <a:endParaRPr lang="zh-CN" altLang="en-US" dirty="0"/>
-          </a:p>
-        </p:txBody>
-      </p:sp>
-      <p:sp>
-        <p:nvSpPr>
-          <p:cNvPr id="9" name="文本占位符 3">
-            <a:extLst>
-              <a:ext uri="{FF2B5EF4-FFF2-40B4-BE49-F238E27FC236}">
-                <a16:creationId xmlns:a16="http://schemas.microsoft.com/office/drawing/2014/main" id="{77618B53-20FA-46A1-85E1-E8ABF98844D0}"/>
-              </a:ext>
-            </a:extLst>
-          </p:cNvPr>
-          <p:cNvSpPr txBox="1">
-            <a:spLocks/>
-          </p:cNvSpPr>
-          <p:nvPr/>
-        </p:nvSpPr>
-        <p:spPr>
-          <a:xfrm>
-            <a:off x="357917" y="1124692"/>
-            <a:ext cx="4913032" cy="5532437"/>
-          </a:xfrm>
-          <a:prstGeom prst="rect">
-            <a:avLst/>
-          </a:prstGeom>
-        </p:spPr>
-        <p:txBody>
-          <a:bodyPr vert="horz" lIns="91440" tIns="45720" rIns="91440" bIns="45720" rtlCol="0">
-            <a:normAutofit/>
-          </a:bodyPr>
-          <a:lstStyle>
-            <a:lvl1pPr marL="228600" indent="-228600" algn="l" defTabSz="914400" rtl="0" eaLnBrk="1" latinLnBrk="0" hangingPunct="1">
-              <a:lnSpc>
-                <a:spcPct val="90000"/>
-              </a:lnSpc>
-              <a:spcBef>
-                <a:spcPts val="1000"/>
-              </a:spcBef>
-              <a:buFont typeface="Arial" panose="020B0604020202020204" pitchFamily="34" charset="0"/>
-              <a:buChar char="•"/>
-              <a:defRPr sz="2800" kern="1200">
-                <a:solidFill>
-                  <a:schemeClr val="tx1"/>
-                </a:solidFill>
-                <a:latin typeface="+mn-lt"/>
-                <a:ea typeface="+mn-ea"/>
-                <a:cs typeface="+mn-cs"/>
-              </a:defRPr>
-            </a:lvl1pPr>
-            <a:lvl2pPr marL="685800" indent="-228600" algn="l" defTabSz="914400" rtl="0" eaLnBrk="1" latinLnBrk="0" hangingPunct="1">
-              <a:lnSpc>
-                <a:spcPct val="90000"/>
-              </a:lnSpc>
-              <a:spcBef>
-                <a:spcPts val="500"/>
-              </a:spcBef>
-              <a:buFont typeface="Arial" panose="020B0604020202020204" pitchFamily="34" charset="0"/>
-              <a:buChar char="•"/>
-              <a:defRPr sz="2400" kern="1200">
-                <a:solidFill>
-                  <a:schemeClr val="tx1"/>
-                </a:solidFill>
-                <a:latin typeface="+mn-lt"/>
-                <a:ea typeface="+mn-ea"/>
-                <a:cs typeface="+mn-cs"/>
-              </a:defRPr>
-            </a:lvl2pPr>
-            <a:lvl3pPr marL="1143000" indent="-228600" algn="l" defTabSz="914400" rtl="0" eaLnBrk="1" latinLnBrk="0" hangingPunct="1">
-              <a:lnSpc>
-                <a:spcPct val="90000"/>
-              </a:lnSpc>
-              <a:spcBef>
-                <a:spcPts val="500"/>
-              </a:spcBef>
-              <a:buFont typeface="Arial" panose="020B0604020202020204" pitchFamily="34" charset="0"/>
-              <a:buChar char="•"/>
-              <a:defRPr sz="2000" kern="1200">
-                <a:solidFill>
-                  <a:schemeClr val="tx1"/>
-                </a:solidFill>
-                <a:latin typeface="+mn-lt"/>
-                <a:ea typeface="+mn-ea"/>
-                <a:cs typeface="+mn-cs"/>
-              </a:defRPr>
-            </a:lvl3pPr>
-            <a:lvl4pPr marL="1600200" indent="-228600" algn="l" defTabSz="914400" rtl="0" eaLnBrk="1" latinLnBrk="0" hangingPunct="1">
-              <a:lnSpc>
-                <a:spcPct val="90000"/>
-              </a:lnSpc>
-              <a:spcBef>
-                <a:spcPts val="500"/>
-              </a:spcBef>
-              <a:buFont typeface="Arial" panose="020B0604020202020204" pitchFamily="34" charset="0"/>
-              <a:buChar char="•"/>
-              <a:defRPr sz="1800" kern="1200">
-                <a:solidFill>
-                  <a:schemeClr val="tx1"/>
-                </a:solidFill>
-                <a:latin typeface="+mn-lt"/>
-                <a:ea typeface="+mn-ea"/>
-                <a:cs typeface="+mn-cs"/>
-              </a:defRPr>
-            </a:lvl4pPr>
-            <a:lvl5pPr marL="2057400" indent="-228600" algn="l" defTabSz="914400" rtl="0" eaLnBrk="1" latinLnBrk="0" hangingPunct="1">
-              <a:lnSpc>
-                <a:spcPct val="90000"/>
-              </a:lnSpc>
-              <a:spcBef>
-                <a:spcPts val="500"/>
-              </a:spcBef>
-              <a:buFont typeface="Arial" panose="020B0604020202020204" pitchFamily="34" charset="0"/>
-              <a:buChar char="•"/>
-              <a:defRPr sz="1800" kern="1200">
-                <a:solidFill>
-                  <a:schemeClr val="tx1"/>
-                </a:solidFill>
-                <a:latin typeface="+mn-lt"/>
-                <a:ea typeface="+mn-ea"/>
-                <a:cs typeface="+mn-cs"/>
-              </a:defRPr>
-            </a:lvl5pPr>
-            <a:lvl6pPr marL="2514600" indent="-228600" algn="l" defTabSz="914400" rtl="0" eaLnBrk="1" latinLnBrk="0" hangingPunct="1">
-              <a:lnSpc>
-                <a:spcPct val="90000"/>
-              </a:lnSpc>
-              <a:spcBef>
-                <a:spcPts val="500"/>
-              </a:spcBef>
-              <a:buFont typeface="Arial" panose="020B0604020202020204" pitchFamily="34" charset="0"/>
-              <a:buChar char="•"/>
-              <a:defRPr sz="1800" kern="1200">
-                <a:solidFill>
-                  <a:schemeClr val="tx1"/>
-                </a:solidFill>
-                <a:latin typeface="+mn-lt"/>
-                <a:ea typeface="+mn-ea"/>
-                <a:cs typeface="+mn-cs"/>
-              </a:defRPr>
-            </a:lvl6pPr>
-            <a:lvl7pPr marL="2971800" indent="-228600" algn="l" defTabSz="914400" rtl="0" eaLnBrk="1" latinLnBrk="0" hangingPunct="1">
-              <a:lnSpc>
-                <a:spcPct val="90000"/>
-              </a:lnSpc>
-              <a:spcBef>
-                <a:spcPts val="500"/>
-              </a:spcBef>
-              <a:buFont typeface="Arial" panose="020B0604020202020204" pitchFamily="34" charset="0"/>
-              <a:buChar char="•"/>
-              <a:defRPr sz="1800" kern="1200">
-                <a:solidFill>
-                  <a:schemeClr val="tx1"/>
-                </a:solidFill>
-                <a:latin typeface="+mn-lt"/>
-                <a:ea typeface="+mn-ea"/>
-                <a:cs typeface="+mn-cs"/>
-              </a:defRPr>
-            </a:lvl7pPr>
-            <a:lvl8pPr marL="3429000" indent="-228600" algn="l" defTabSz="914400" rtl="0" eaLnBrk="1" latinLnBrk="0" hangingPunct="1">
-              <a:lnSpc>
-                <a:spcPct val="90000"/>
-              </a:lnSpc>
-              <a:spcBef>
-                <a:spcPts val="500"/>
-              </a:spcBef>
-              <a:buFont typeface="Arial" panose="020B0604020202020204" pitchFamily="34" charset="0"/>
-              <a:buChar char="•"/>
-              <a:defRPr sz="1800" kern="1200">
-                <a:solidFill>
-                  <a:schemeClr val="tx1"/>
-                </a:solidFill>
-                <a:latin typeface="+mn-lt"/>
-                <a:ea typeface="+mn-ea"/>
-                <a:cs typeface="+mn-cs"/>
-              </a:defRPr>
-            </a:lvl8pPr>
-            <a:lvl9pPr marL="3886200" indent="-228600" algn="l" defTabSz="914400" rtl="0" eaLnBrk="1" latinLnBrk="0" hangingPunct="1">
-              <a:lnSpc>
-                <a:spcPct val="90000"/>
-              </a:lnSpc>
-              <a:spcBef>
-                <a:spcPts val="500"/>
-              </a:spcBef>
-              <a:buFont typeface="Arial" panose="020B0604020202020204" pitchFamily="34" charset="0"/>
-              <a:buChar char="•"/>
-              <a:defRPr sz="1800" kern="1200">
-                <a:solidFill>
-                  <a:schemeClr val="tx1"/>
-                </a:solidFill>
-                <a:latin typeface="+mn-lt"/>
-                <a:ea typeface="+mn-ea"/>
-                <a:cs typeface="+mn-cs"/>
-              </a:defRPr>
-            </a:lvl9pPr>
-          </a:lstStyle>
-          <a:p>
-            <a:pPr marL="0" indent="0">
-              <a:buNone/>
-            </a:pPr>
-            <a:endParaRPr lang="en-US" altLang="zh-CN" dirty="0">
-              <a:solidFill>
-                <a:schemeClr val="accent1"/>
-              </a:solidFill>
-              <a:latin typeface="-apple-system"/>
-            </a:endParaRPr>
-          </a:p>
-        </p:txBody>
-      </p:sp>
-      <p:sp>
-        <p:nvSpPr>
-          <p:cNvPr id="3" name="文本占位符 3">
-            <a:extLst>
-              <a:ext uri="{FF2B5EF4-FFF2-40B4-BE49-F238E27FC236}">
-                <a16:creationId xmlns:a16="http://schemas.microsoft.com/office/drawing/2014/main" id="{C2D7A5B1-6FB5-26A9-7703-B56E07F8604A}"/>
-              </a:ext>
-            </a:extLst>
-          </p:cNvPr>
-          <p:cNvSpPr txBox="1">
-            <a:spLocks/>
-          </p:cNvSpPr>
-          <p:nvPr/>
-        </p:nvSpPr>
-        <p:spPr>
-          <a:xfrm>
-            <a:off x="510316" y="1124691"/>
-            <a:ext cx="9179783" cy="5532437"/>
-          </a:xfrm>
-          <a:prstGeom prst="rect">
-            <a:avLst/>
-          </a:prstGeom>
-        </p:spPr>
-        <p:txBody>
-          <a:bodyPr vert="horz" lIns="91440" tIns="45720" rIns="91440" bIns="45720" rtlCol="0">
-            <a:normAutofit/>
-          </a:bodyPr>
-          <a:lstStyle>
-            <a:lvl1pPr marL="228600" indent="-228600" algn="l" defTabSz="914400" rtl="0" eaLnBrk="1" latinLnBrk="0" hangingPunct="1">
-              <a:lnSpc>
-                <a:spcPct val="90000"/>
-              </a:lnSpc>
-              <a:spcBef>
-                <a:spcPts val="1000"/>
-              </a:spcBef>
-              <a:buFont typeface="Arial" panose="020B0604020202020204" pitchFamily="34" charset="0"/>
-              <a:buChar char="•"/>
-              <a:defRPr sz="2800" kern="1200">
-                <a:solidFill>
-                  <a:schemeClr val="tx1"/>
-                </a:solidFill>
-                <a:latin typeface="+mn-lt"/>
-                <a:ea typeface="+mn-ea"/>
-                <a:cs typeface="+mn-cs"/>
-              </a:defRPr>
-            </a:lvl1pPr>
-            <a:lvl2pPr marL="685800" indent="-228600" algn="l" defTabSz="914400" rtl="0" eaLnBrk="1" latinLnBrk="0" hangingPunct="1">
-              <a:lnSpc>
-                <a:spcPct val="90000"/>
-              </a:lnSpc>
-              <a:spcBef>
-                <a:spcPts val="500"/>
-              </a:spcBef>
-              <a:buFont typeface="Arial" panose="020B0604020202020204" pitchFamily="34" charset="0"/>
-              <a:buChar char="•"/>
-              <a:defRPr sz="2400" kern="1200">
-                <a:solidFill>
-                  <a:schemeClr val="tx1"/>
-                </a:solidFill>
-                <a:latin typeface="+mn-lt"/>
-                <a:ea typeface="+mn-ea"/>
-                <a:cs typeface="+mn-cs"/>
-              </a:defRPr>
-            </a:lvl2pPr>
-            <a:lvl3pPr marL="1143000" indent="-228600" algn="l" defTabSz="914400" rtl="0" eaLnBrk="1" latinLnBrk="0" hangingPunct="1">
-              <a:lnSpc>
-                <a:spcPct val="90000"/>
-              </a:lnSpc>
-              <a:spcBef>
-                <a:spcPts val="500"/>
-              </a:spcBef>
-              <a:buFont typeface="Arial" panose="020B0604020202020204" pitchFamily="34" charset="0"/>
-              <a:buChar char="•"/>
-              <a:defRPr sz="2000" kern="1200">
-                <a:solidFill>
-                  <a:schemeClr val="tx1"/>
-                </a:solidFill>
-                <a:latin typeface="+mn-lt"/>
-                <a:ea typeface="+mn-ea"/>
-                <a:cs typeface="+mn-cs"/>
-              </a:defRPr>
-            </a:lvl3pPr>
-            <a:lvl4pPr marL="1600200" indent="-228600" algn="l" defTabSz="914400" rtl="0" eaLnBrk="1" latinLnBrk="0" hangingPunct="1">
-              <a:lnSpc>
-                <a:spcPct val="90000"/>
-              </a:lnSpc>
-              <a:spcBef>
-                <a:spcPts val="500"/>
-              </a:spcBef>
-              <a:buFont typeface="Arial" panose="020B0604020202020204" pitchFamily="34" charset="0"/>
-              <a:buChar char="•"/>
-              <a:defRPr sz="1800" kern="1200">
-                <a:solidFill>
-                  <a:schemeClr val="tx1"/>
-                </a:solidFill>
-                <a:latin typeface="+mn-lt"/>
-                <a:ea typeface="+mn-ea"/>
-                <a:cs typeface="+mn-cs"/>
-              </a:defRPr>
-            </a:lvl4pPr>
-            <a:lvl5pPr marL="2057400" indent="-228600" algn="l" defTabSz="914400" rtl="0" eaLnBrk="1" latinLnBrk="0" hangingPunct="1">
-              <a:lnSpc>
-                <a:spcPct val="90000"/>
-              </a:lnSpc>
-              <a:spcBef>
-                <a:spcPts val="500"/>
-              </a:spcBef>
-              <a:buFont typeface="Arial" panose="020B0604020202020204" pitchFamily="34" charset="0"/>
-              <a:buChar char="•"/>
-              <a:defRPr sz="1800" kern="1200">
-                <a:solidFill>
-                  <a:schemeClr val="tx1"/>
-                </a:solidFill>
-                <a:latin typeface="+mn-lt"/>
-                <a:ea typeface="+mn-ea"/>
-                <a:cs typeface="+mn-cs"/>
-              </a:defRPr>
-            </a:lvl5pPr>
-            <a:lvl6pPr marL="2514600" indent="-228600" algn="l" defTabSz="914400" rtl="0" eaLnBrk="1" latinLnBrk="0" hangingPunct="1">
-              <a:lnSpc>
-                <a:spcPct val="90000"/>
-              </a:lnSpc>
-              <a:spcBef>
-                <a:spcPts val="500"/>
-              </a:spcBef>
-              <a:buFont typeface="Arial" panose="020B0604020202020204" pitchFamily="34" charset="0"/>
-              <a:buChar char="•"/>
-              <a:defRPr sz="1800" kern="1200">
-                <a:solidFill>
-                  <a:schemeClr val="tx1"/>
-                </a:solidFill>
-                <a:latin typeface="+mn-lt"/>
-                <a:ea typeface="+mn-ea"/>
-                <a:cs typeface="+mn-cs"/>
-              </a:defRPr>
-            </a:lvl6pPr>
-            <a:lvl7pPr marL="2971800" indent="-228600" algn="l" defTabSz="914400" rtl="0" eaLnBrk="1" latinLnBrk="0" hangingPunct="1">
-              <a:lnSpc>
-                <a:spcPct val="90000"/>
-              </a:lnSpc>
-              <a:spcBef>
-                <a:spcPts val="500"/>
-              </a:spcBef>
-              <a:buFont typeface="Arial" panose="020B0604020202020204" pitchFamily="34" charset="0"/>
-              <a:buChar char="•"/>
-              <a:defRPr sz="1800" kern="1200">
-                <a:solidFill>
-                  <a:schemeClr val="tx1"/>
-                </a:solidFill>
-                <a:latin typeface="+mn-lt"/>
-                <a:ea typeface="+mn-ea"/>
-                <a:cs typeface="+mn-cs"/>
-              </a:defRPr>
-            </a:lvl7pPr>
-            <a:lvl8pPr marL="3429000" indent="-228600" algn="l" defTabSz="914400" rtl="0" eaLnBrk="1" latinLnBrk="0" hangingPunct="1">
-              <a:lnSpc>
-                <a:spcPct val="90000"/>
-              </a:lnSpc>
-              <a:spcBef>
-                <a:spcPts val="500"/>
-              </a:spcBef>
-              <a:buFont typeface="Arial" panose="020B0604020202020204" pitchFamily="34" charset="0"/>
-              <a:buChar char="•"/>
-              <a:defRPr sz="1800" kern="1200">
-                <a:solidFill>
-                  <a:schemeClr val="tx1"/>
-                </a:solidFill>
-                <a:latin typeface="+mn-lt"/>
-                <a:ea typeface="+mn-ea"/>
-                <a:cs typeface="+mn-cs"/>
-              </a:defRPr>
-            </a:lvl8pPr>
-            <a:lvl9pPr marL="3886200" indent="-228600" algn="l" defTabSz="914400" rtl="0" eaLnBrk="1" latinLnBrk="0" hangingPunct="1">
-              <a:lnSpc>
-                <a:spcPct val="90000"/>
-              </a:lnSpc>
-              <a:spcBef>
-                <a:spcPts val="500"/>
-              </a:spcBef>
-              <a:buFont typeface="Arial" panose="020B0604020202020204" pitchFamily="34" charset="0"/>
-              <a:buChar char="•"/>
-              <a:defRPr sz="1800" kern="1200">
-                <a:solidFill>
-                  <a:schemeClr val="tx1"/>
-                </a:solidFill>
-                <a:latin typeface="+mn-lt"/>
-                <a:ea typeface="+mn-ea"/>
-                <a:cs typeface="+mn-cs"/>
-              </a:defRPr>
-            </a:lvl9pPr>
-          </a:lstStyle>
-          <a:p>
-            <a:pPr marL="514350" indent="-514350">
-              <a:buAutoNum type="arabicPeriod"/>
-            </a:pPr>
-            <a:r>
-              <a:rPr lang="en-US" altLang="zh-CN" dirty="0">
-                <a:latin typeface="-apple-system"/>
-              </a:rPr>
-              <a:t>Next item of each time step is very relevant to the current user embedding. This training objective also increase the model performance for the future items prediction.</a:t>
-            </a:r>
-          </a:p>
-          <a:p>
-            <a:pPr marL="514350" indent="-514350">
-              <a:buAutoNum type="arabicPeriod"/>
-            </a:pPr>
-            <a:endParaRPr lang="en-US" altLang="zh-CN" dirty="0">
-              <a:latin typeface="-apple-system"/>
-            </a:endParaRPr>
-          </a:p>
-          <a:p>
-            <a:pPr marL="514350" indent="-514350">
-              <a:buAutoNum type="arabicPeriod"/>
-            </a:pPr>
-            <a:r>
-              <a:rPr lang="en-US" altLang="zh-CN" dirty="0">
-                <a:latin typeface="-apple-system"/>
-              </a:rPr>
-              <a:t>train the model to predict the item in the target window make the model perform worse: The item in the target window has weaker relationship between the items in the input sequence.  (Larger distance) In this case, dense all action prediction method can sometimes make wrong  connection making the model perform worse. At least in ML-1M dataset.</a:t>
-            </a:r>
-          </a:p>
-          <a:p>
-            <a:pPr marL="514350" indent="-514350">
-              <a:buAutoNum type="arabicPeriod"/>
-            </a:pPr>
-            <a:endParaRPr lang="en-US" altLang="zh-CN" dirty="0">
-              <a:latin typeface="-apple-system"/>
-            </a:endParaRPr>
-          </a:p>
-          <a:p>
-            <a:pPr marL="514350" indent="-514350">
-              <a:buAutoNum type="arabicPeriod"/>
-            </a:pPr>
-            <a:endParaRPr lang="en-US" altLang="zh-CN" dirty="0">
-              <a:latin typeface="-apple-system"/>
-            </a:endParaRPr>
-          </a:p>
-          <a:p>
-            <a:pPr marL="514350" indent="-514350">
-              <a:buAutoNum type="arabicPeriod"/>
-            </a:pPr>
-            <a:endParaRPr lang="en-US" altLang="zh-CN" dirty="0">
-              <a:latin typeface="-apple-system"/>
-            </a:endParaRPr>
-          </a:p>
-          <a:p>
-            <a:pPr marL="0" indent="0">
-              <a:buNone/>
-            </a:pPr>
-            <a:endParaRPr lang="en-US" altLang="zh-CN" dirty="0">
-              <a:latin typeface="-apple-system"/>
-            </a:endParaRPr>
-          </a:p>
-          <a:p>
-            <a:pPr marL="0" indent="0">
-              <a:buNone/>
-            </a:pPr>
-            <a:endParaRPr lang="en-US" altLang="zh-CN" dirty="0">
-              <a:latin typeface="-apple-system"/>
-            </a:endParaRPr>
-          </a:p>
-        </p:txBody>
-      </p:sp>
-      <p:sp>
-        <p:nvSpPr>
-          <p:cNvPr id="6" name="灯片编号占位符 5">
-            <a:extLst>
-              <a:ext uri="{FF2B5EF4-FFF2-40B4-BE49-F238E27FC236}">
-                <a16:creationId xmlns:a16="http://schemas.microsoft.com/office/drawing/2014/main" id="{8CCACC1B-2685-2C64-1FB4-9E8DEA521979}"/>
-              </a:ext>
-            </a:extLst>
-          </p:cNvPr>
-          <p:cNvSpPr>
-            <a:spLocks noGrp="1"/>
-          </p:cNvSpPr>
-          <p:nvPr>
-            <p:ph type="sldNum" sz="quarter" idx="2"/>
-          </p:nvPr>
-        </p:nvSpPr>
-        <p:spPr/>
-        <p:txBody>
-          <a:bodyPr/>
-          <a:lstStyle/>
-          <a:p>
-            <a:fld id="{86CB4B4D-7CA3-9044-876B-883B54F8677D}" type="slidenum">
-              <a:rPr lang="en-US" altLang="zh-CN" smtClean="0"/>
-              <a:t>11</a:t>
-            </a:fld>
-            <a:endParaRPr lang="zh-CN" altLang="en-US"/>
-          </a:p>
-        </p:txBody>
-      </p:sp>
-    </p:spTree>
-    <p:extLst>
-      <p:ext uri="{BB962C8B-B14F-4D97-AF65-F5344CB8AC3E}">
-        <p14:creationId xmlns:p14="http://schemas.microsoft.com/office/powerpoint/2010/main" val="1145704887"/>
-      </p:ext>
-    </p:extLst>
-  </p:cSld>
-  <p:clrMapOvr>
-    <a:masterClrMapping/>
-  </p:clrMapOvr>
-  <p:transition spd="med"/>
-</p:sld>
-</file>
-
 <file path=ppt/slides/slide2.xml><?xml version="1.0" encoding="utf-8"?>
 <p:sld xmlns:a="http://schemas.openxmlformats.org/drawingml/2006/main" xmlns:r="http://schemas.openxmlformats.org/officeDocument/2006/relationships" xmlns:p="http://schemas.openxmlformats.org/presentationml/2006/main">
   <p:cSld>
@@ -5515,6 +4623,28 @@
               </a:rPr>
               <a:t>sasrec</a:t>
             </a:r>
+            <a:r>
+              <a:rPr lang="en-US" altLang="zh-CN" sz="2400" dirty="0">
+                <a:solidFill>
+                  <a:srgbClr val="1F2328"/>
+                </a:solidFill>
+                <a:latin typeface="Calibri" panose="020F0502020204030204" pitchFamily="34" charset="0"/>
+                <a:ea typeface="Calibri" panose="020F0502020204030204" pitchFamily="34" charset="0"/>
+                <a:cs typeface="Calibri" panose="020F0502020204030204" pitchFamily="34" charset="0"/>
+              </a:rPr>
+              <a:t> </a:t>
+            </a:r>
+            <a:r>
+              <a:rPr lang="en-US" altLang="zh-CN" sz="2400">
+                <a:solidFill>
+                  <a:srgbClr val="1F2328"/>
+                </a:solidFill>
+                <a:latin typeface="Calibri" panose="020F0502020204030204" pitchFamily="34" charset="0"/>
+                <a:ea typeface="Calibri" panose="020F0502020204030204" pitchFamily="34" charset="0"/>
+                <a:cs typeface="Calibri" panose="020F0502020204030204" pitchFamily="34" charset="0"/>
+              </a:rPr>
+              <a:t>(Frozen)</a:t>
+            </a:r>
             <a:endParaRPr lang="en-US" altLang="zh-CN" sz="2400" dirty="0">
               <a:solidFill>
                 <a:srgbClr val="1F2328"/>
@@ -6080,7 +5210,7 @@
         </p:nvSpPr>
         <p:spPr>
           <a:xfrm>
-            <a:off x="239333" y="0"/>
+            <a:off x="239333" y="-28937"/>
             <a:ext cx="10515600" cy="1325563"/>
           </a:xfrm>
         </p:spPr>
@@ -6096,6 +5226,283 @@
           </a:p>
         </p:txBody>
       </p:sp>
+      <p:sp>
+        <p:nvSpPr>
+          <p:cNvPr id="3" name="文本框 2">
+            <a:extLst>
+              <a:ext uri="{FF2B5EF4-FFF2-40B4-BE49-F238E27FC236}">
+                <a16:creationId xmlns:a16="http://schemas.microsoft.com/office/drawing/2014/main" id="{6A1CC81E-3473-6F67-CAEF-CCE2088384E7}"/>
+              </a:ext>
+            </a:extLst>
+          </p:cNvPr>
+          <p:cNvSpPr txBox="1"/>
+          <p:nvPr/>
+        </p:nvSpPr>
+        <p:spPr>
+          <a:xfrm>
+            <a:off x="330915" y="521245"/>
+            <a:ext cx="9241156" cy="2308324"/>
+          </a:xfrm>
+          <a:prstGeom prst="rect">
+            <a:avLst/>
+          </a:prstGeom>
+          <a:noFill/>
+        </p:spPr>
+        <p:txBody>
+          <a:bodyPr wrap="square">
+            <a:spAutoFit/>
+          </a:bodyPr>
+          <a:lstStyle/>
+          <a:p>
+            <a:pPr marL="342900" indent="-342900" algn="l">
+              <a:buAutoNum type="arabicPeriod"/>
+            </a:pPr>
+            <a:endParaRPr lang="en-US" altLang="zh-CN" sz="2400" dirty="0">
+              <a:solidFill>
+                <a:srgbClr val="1F2328"/>
+              </a:solidFill>
+              <a:latin typeface="Calibri" panose="020F0502020204030204" pitchFamily="34" charset="0"/>
+              <a:ea typeface="Calibri" panose="020F0502020204030204" pitchFamily="34" charset="0"/>
+              <a:cs typeface="Calibri" panose="020F0502020204030204" pitchFamily="34" charset="0"/>
+            </a:endParaRPr>
+          </a:p>
+          <a:p>
+            <a:pPr marL="342900" indent="-342900" algn="l">
+              <a:buAutoNum type="arabicPeriod"/>
+            </a:pPr>
+            <a:endParaRPr lang="en-US" altLang="zh-CN" sz="2400" dirty="0">
+              <a:solidFill>
+                <a:srgbClr val="1F2328"/>
+              </a:solidFill>
+              <a:latin typeface="Calibri" panose="020F0502020204030204" pitchFamily="34" charset="0"/>
+              <a:ea typeface="Calibri" panose="020F0502020204030204" pitchFamily="34" charset="0"/>
+              <a:cs typeface="Calibri" panose="020F0502020204030204" pitchFamily="34" charset="0"/>
+            </a:endParaRPr>
+          </a:p>
+          <a:p>
+            <a:pPr algn="l"/>
+            <a:r>
+              <a:rPr lang="en-US" altLang="zh-CN" sz="2400" dirty="0">
+                <a:solidFill>
+                  <a:srgbClr val="1F2328"/>
+                </a:solidFill>
+                <a:latin typeface="Calibri" panose="020F0502020204030204" pitchFamily="34" charset="0"/>
+                <a:ea typeface="Calibri" panose="020F0502020204030204" pitchFamily="34" charset="0"/>
+                <a:cs typeface="Calibri" panose="020F0502020204030204" pitchFamily="34" charset="0"/>
+              </a:rPr>
+              <a:t>With fixed item embedding, the percentage window data splitting strategy can also have a chance outperform the next item prediction.</a:t>
+            </a:r>
+          </a:p>
+          <a:p>
+            <a:pPr algn="l"/>
+            <a:endParaRPr lang="en-GB" altLang="zh-CN" sz="2400" dirty="0">
+              <a:solidFill>
+                <a:srgbClr val="1F2328"/>
+              </a:solidFill>
+              <a:latin typeface="Calibri" panose="020F0502020204030204" pitchFamily="34" charset="0"/>
+              <a:ea typeface="Calibri" panose="020F0502020204030204" pitchFamily="34" charset="0"/>
+              <a:cs typeface="Calibri" panose="020F0502020204030204" pitchFamily="34" charset="0"/>
+            </a:endParaRPr>
+          </a:p>
+          <a:p>
+            <a:pPr algn="l"/>
+            <a:endParaRPr lang="en-GB" altLang="zh-CN" sz="2400" dirty="0">
+              <a:solidFill>
+                <a:srgbClr val="1F2328"/>
+              </a:solidFill>
+              <a:latin typeface="Calibri" panose="020F0502020204030204" pitchFamily="34" charset="0"/>
+              <a:ea typeface="Calibri" panose="020F0502020204030204" pitchFamily="34" charset="0"/>
+              <a:cs typeface="Calibri" panose="020F0502020204030204" pitchFamily="34" charset="0"/>
+            </a:endParaRPr>
+          </a:p>
+        </p:txBody>
+      </p:sp>
+      <p:sp>
+        <p:nvSpPr>
+          <p:cNvPr id="4" name="标题 1">
+            <a:extLst>
+              <a:ext uri="{FF2B5EF4-FFF2-40B4-BE49-F238E27FC236}">
+                <a16:creationId xmlns:a16="http://schemas.microsoft.com/office/drawing/2014/main" id="{5024C46C-202E-AB9A-31F9-841CC24ADFE8}"/>
+              </a:ext>
+            </a:extLst>
+          </p:cNvPr>
+          <p:cNvSpPr txBox="1">
+            <a:spLocks/>
+          </p:cNvSpPr>
+          <p:nvPr/>
+        </p:nvSpPr>
+        <p:spPr>
+          <a:xfrm>
+            <a:off x="239333" y="2959486"/>
+            <a:ext cx="10515600" cy="1325563"/>
+          </a:xfrm>
+          <a:prstGeom prst="rect">
+            <a:avLst/>
+          </a:prstGeom>
+        </p:spPr>
+        <p:txBody>
+          <a:bodyPr vert="horz" lIns="91440" tIns="45720" rIns="91440" bIns="45720" rtlCol="0" anchor="ctr">
+            <a:normAutofit/>
+          </a:bodyPr>
+          <a:lstStyle>
+            <a:lvl1pPr algn="l" defTabSz="914400" rtl="0" eaLnBrk="1" latinLnBrk="0" hangingPunct="1">
+              <a:lnSpc>
+                <a:spcPct val="90000"/>
+              </a:lnSpc>
+              <a:spcBef>
+                <a:spcPct val="0"/>
+              </a:spcBef>
+              <a:buNone/>
+              <a:defRPr sz="4400" kern="1200">
+                <a:solidFill>
+                  <a:schemeClr val="tx1"/>
+                </a:solidFill>
+                <a:latin typeface="+mj-lt"/>
+                <a:ea typeface="+mj-ea"/>
+                <a:cs typeface="+mj-cs"/>
+              </a:defRPr>
+            </a:lvl1pPr>
+          </a:lstStyle>
+          <a:p>
+            <a:r>
+              <a:rPr lang="en-US" altLang="zh-CN" dirty="0"/>
+              <a:t>Assumption</a:t>
+            </a:r>
+            <a:endParaRPr lang="zh-CN" altLang="en-US" dirty="0"/>
+          </a:p>
+        </p:txBody>
+      </p:sp>
+      <p:sp>
+        <p:nvSpPr>
+          <p:cNvPr id="7" name="文本框 6">
+            <a:extLst>
+              <a:ext uri="{FF2B5EF4-FFF2-40B4-BE49-F238E27FC236}">
+                <a16:creationId xmlns:a16="http://schemas.microsoft.com/office/drawing/2014/main" id="{F4FA29BB-B1FD-63C5-AD29-4B5600EC1D04}"/>
+              </a:ext>
+            </a:extLst>
+          </p:cNvPr>
+          <p:cNvSpPr txBox="1"/>
+          <p:nvPr/>
+        </p:nvSpPr>
+        <p:spPr>
+          <a:xfrm>
+            <a:off x="457201" y="4874263"/>
+            <a:ext cx="6099858" cy="369332"/>
+          </a:xfrm>
+          <a:prstGeom prst="rect">
+            <a:avLst/>
+          </a:prstGeom>
+          <a:noFill/>
+        </p:spPr>
+        <p:txBody>
+          <a:bodyPr wrap="square">
+            <a:spAutoFit/>
+          </a:bodyPr>
+          <a:lstStyle/>
+          <a:p>
+            <a:pPr algn="l"/>
+            <a:endParaRPr lang="en-GB" altLang="zh-CN" sz="1800" dirty="0">
+              <a:solidFill>
+                <a:srgbClr val="1F2328"/>
+              </a:solidFill>
+              <a:latin typeface="Calibri" panose="020F0502020204030204" pitchFamily="34" charset="0"/>
+              <a:ea typeface="Calibri" panose="020F0502020204030204" pitchFamily="34" charset="0"/>
+              <a:cs typeface="Calibri" panose="020F0502020204030204" pitchFamily="34" charset="0"/>
+            </a:endParaRPr>
+          </a:p>
+        </p:txBody>
+      </p:sp>
+      <p:sp>
+        <p:nvSpPr>
+          <p:cNvPr id="9" name="文本框 8">
+            <a:extLst>
+              <a:ext uri="{FF2B5EF4-FFF2-40B4-BE49-F238E27FC236}">
+                <a16:creationId xmlns:a16="http://schemas.microsoft.com/office/drawing/2014/main" id="{7CFCACE6-754C-BCD3-223C-79E0E8FBBB0A}"/>
+              </a:ext>
+            </a:extLst>
+          </p:cNvPr>
+          <p:cNvSpPr txBox="1"/>
+          <p:nvPr/>
+        </p:nvSpPr>
+        <p:spPr>
+          <a:xfrm>
+            <a:off x="330915" y="4007996"/>
+            <a:ext cx="8662614" cy="1569660"/>
+          </a:xfrm>
+          <a:prstGeom prst="rect">
+            <a:avLst/>
+          </a:prstGeom>
+          <a:noFill/>
+        </p:spPr>
+        <p:txBody>
+          <a:bodyPr wrap="square">
+            <a:spAutoFit/>
+          </a:bodyPr>
+          <a:lstStyle/>
+          <a:p>
+            <a:pPr algn="l"/>
+            <a:endParaRPr lang="en-US" altLang="zh-CN" sz="2400" dirty="0">
+              <a:solidFill>
+                <a:srgbClr val="1F2328"/>
+              </a:solidFill>
+              <a:latin typeface="Calibri" panose="020F0502020204030204" pitchFamily="34" charset="0"/>
+              <a:ea typeface="Calibri" panose="020F0502020204030204" pitchFamily="34" charset="0"/>
+              <a:cs typeface="Calibri" panose="020F0502020204030204" pitchFamily="34" charset="0"/>
+            </a:endParaRPr>
+          </a:p>
+          <a:p>
+            <a:r>
+              <a:rPr lang="en-US" altLang="zh-CN" sz="2400" dirty="0">
+                <a:solidFill>
+                  <a:srgbClr val="1F2328"/>
+                </a:solidFill>
+                <a:latin typeface="Calibri" panose="020F0502020204030204" pitchFamily="34" charset="0"/>
+                <a:ea typeface="Calibri" panose="020F0502020204030204" pitchFamily="34" charset="0"/>
+                <a:cs typeface="Calibri" panose="020F0502020204030204" pitchFamily="34" charset="0"/>
+              </a:rPr>
+              <a:t>If we change the percentage window to temporal window, the signal between the training target and training sequence will be improved, in theory achieve a better model performance.</a:t>
+            </a:r>
+            <a:endParaRPr lang="en-GB" altLang="zh-CN" sz="2400" dirty="0">
+              <a:solidFill>
+                <a:srgbClr val="1F2328"/>
+              </a:solidFill>
+              <a:latin typeface="Calibri" panose="020F0502020204030204" pitchFamily="34" charset="0"/>
+              <a:ea typeface="Calibri" panose="020F0502020204030204" pitchFamily="34" charset="0"/>
+              <a:cs typeface="Calibri" panose="020F0502020204030204" pitchFamily="34" charset="0"/>
+            </a:endParaRPr>
+          </a:p>
+        </p:txBody>
+      </p:sp>
+      <p:pic>
+        <p:nvPicPr>
+          <p:cNvPr id="11" name="图片 10">
+            <a:extLst>
+              <a:ext uri="{FF2B5EF4-FFF2-40B4-BE49-F238E27FC236}">
+                <a16:creationId xmlns:a16="http://schemas.microsoft.com/office/drawing/2014/main" id="{5EBB5E16-4C41-2115-07EF-712A5777A334}"/>
+              </a:ext>
+            </a:extLst>
+          </p:cNvPr>
+          <p:cNvPicPr>
+            <a:picLocks noChangeAspect="1"/>
+          </p:cNvPicPr>
+          <p:nvPr/>
+        </p:nvPicPr>
+        <p:blipFill>
+          <a:blip r:embed="rId2"/>
+          <a:stretch>
+            <a:fillRect/>
+          </a:stretch>
+        </p:blipFill>
+        <p:spPr>
+          <a:xfrm>
+            <a:off x="364830" y="2689187"/>
+            <a:ext cx="11462339" cy="1479626"/>
+          </a:xfrm>
+          <a:prstGeom prst="rect">
+            <a:avLst/>
+          </a:prstGeom>
+        </p:spPr>
+      </p:pic>
     </p:spTree>
     <p:extLst>
       <p:ext uri="{BB962C8B-B14F-4D97-AF65-F5344CB8AC3E}">
@@ -6145,7 +5552,7 @@
         </p:nvSpPr>
         <p:spPr>
           <a:xfrm>
-            <a:off x="239333" y="0"/>
+            <a:off x="409601" y="0"/>
             <a:ext cx="10515600" cy="1325563"/>
           </a:xfrm>
         </p:spPr>
@@ -6155,7 +5562,7 @@
           <a:p>
             <a:r>
               <a:rPr lang="en-US" altLang="zh-CN" dirty="0"/>
-              <a:t>Model 1. Combined model</a:t>
+              <a:t>ML-20M with Temporal window</a:t>
             </a:r>
             <a:endParaRPr lang="zh-CN" altLang="en-US" dirty="0"/>
           </a:p>
@@ -6163,457 +5570,10 @@
       </p:sp>
       <p:sp>
         <p:nvSpPr>
-          <p:cNvPr id="9" name="文本占位符 3">
-            <a:extLst>
-              <a:ext uri="{FF2B5EF4-FFF2-40B4-BE49-F238E27FC236}">
-                <a16:creationId xmlns:a16="http://schemas.microsoft.com/office/drawing/2014/main" id="{77618B53-20FA-46A1-85E1-E8ABF98844D0}"/>
-              </a:ext>
-            </a:extLst>
-          </p:cNvPr>
-          <p:cNvSpPr txBox="1">
-            <a:spLocks/>
-          </p:cNvSpPr>
-          <p:nvPr/>
-        </p:nvSpPr>
-        <p:spPr>
-          <a:xfrm>
-            <a:off x="357917" y="1124692"/>
-            <a:ext cx="4913032" cy="5532437"/>
-          </a:xfrm>
-          <a:prstGeom prst="rect">
-            <a:avLst/>
-          </a:prstGeom>
-        </p:spPr>
-        <p:txBody>
-          <a:bodyPr vert="horz" lIns="91440" tIns="45720" rIns="91440" bIns="45720" rtlCol="0">
-            <a:normAutofit/>
-          </a:bodyPr>
-          <a:lstStyle>
-            <a:lvl1pPr marL="228600" indent="-228600" algn="l" defTabSz="914400" rtl="0" eaLnBrk="1" latinLnBrk="0" hangingPunct="1">
-              <a:lnSpc>
-                <a:spcPct val="90000"/>
-              </a:lnSpc>
-              <a:spcBef>
-                <a:spcPts val="1000"/>
-              </a:spcBef>
-              <a:buFont typeface="Arial" panose="020B0604020202020204" pitchFamily="34" charset="0"/>
-              <a:buChar char="•"/>
-              <a:defRPr sz="2800" kern="1200">
-                <a:solidFill>
-                  <a:schemeClr val="tx1"/>
-                </a:solidFill>
-                <a:latin typeface="+mn-lt"/>
-                <a:ea typeface="+mn-ea"/>
-                <a:cs typeface="+mn-cs"/>
-              </a:defRPr>
-            </a:lvl1pPr>
-            <a:lvl2pPr marL="685800" indent="-228600" algn="l" defTabSz="914400" rtl="0" eaLnBrk="1" latinLnBrk="0" hangingPunct="1">
-              <a:lnSpc>
-                <a:spcPct val="90000"/>
-              </a:lnSpc>
-              <a:spcBef>
-                <a:spcPts val="500"/>
-              </a:spcBef>
-              <a:buFont typeface="Arial" panose="020B0604020202020204" pitchFamily="34" charset="0"/>
-              <a:buChar char="•"/>
-              <a:defRPr sz="2400" kern="1200">
-                <a:solidFill>
-                  <a:schemeClr val="tx1"/>
-                </a:solidFill>
-                <a:latin typeface="+mn-lt"/>
-                <a:ea typeface="+mn-ea"/>
-                <a:cs typeface="+mn-cs"/>
-              </a:defRPr>
-            </a:lvl2pPr>
-            <a:lvl3pPr marL="1143000" indent="-228600" algn="l" defTabSz="914400" rtl="0" eaLnBrk="1" latinLnBrk="0" hangingPunct="1">
-              <a:lnSpc>
-                <a:spcPct val="90000"/>
-              </a:lnSpc>
-              <a:spcBef>
-                <a:spcPts val="500"/>
-              </a:spcBef>
-              <a:buFont typeface="Arial" panose="020B0604020202020204" pitchFamily="34" charset="0"/>
-              <a:buChar char="•"/>
-              <a:defRPr sz="2000" kern="1200">
-                <a:solidFill>
-                  <a:schemeClr val="tx1"/>
-                </a:solidFill>
-                <a:latin typeface="+mn-lt"/>
-                <a:ea typeface="+mn-ea"/>
-                <a:cs typeface="+mn-cs"/>
-              </a:defRPr>
-            </a:lvl3pPr>
-            <a:lvl4pPr marL="1600200" indent="-228600" algn="l" defTabSz="914400" rtl="0" eaLnBrk="1" latinLnBrk="0" hangingPunct="1">
-              <a:lnSpc>
-                <a:spcPct val="90000"/>
-              </a:lnSpc>
-              <a:spcBef>
-                <a:spcPts val="500"/>
-              </a:spcBef>
-              <a:buFont typeface="Arial" panose="020B0604020202020204" pitchFamily="34" charset="0"/>
-              <a:buChar char="•"/>
-              <a:defRPr sz="1800" kern="1200">
-                <a:solidFill>
-                  <a:schemeClr val="tx1"/>
-                </a:solidFill>
-                <a:latin typeface="+mn-lt"/>
-                <a:ea typeface="+mn-ea"/>
-                <a:cs typeface="+mn-cs"/>
-              </a:defRPr>
-            </a:lvl4pPr>
-            <a:lvl5pPr marL="2057400" indent="-228600" algn="l" defTabSz="914400" rtl="0" eaLnBrk="1" latinLnBrk="0" hangingPunct="1">
-              <a:lnSpc>
-                <a:spcPct val="90000"/>
-              </a:lnSpc>
-              <a:spcBef>
-                <a:spcPts val="500"/>
-              </a:spcBef>
-              <a:buFont typeface="Arial" panose="020B0604020202020204" pitchFamily="34" charset="0"/>
-              <a:buChar char="•"/>
-              <a:defRPr sz="1800" kern="1200">
-                <a:solidFill>
-                  <a:schemeClr val="tx1"/>
-                </a:solidFill>
-                <a:latin typeface="+mn-lt"/>
-                <a:ea typeface="+mn-ea"/>
-                <a:cs typeface="+mn-cs"/>
-              </a:defRPr>
-            </a:lvl5pPr>
-            <a:lvl6pPr marL="2514600" indent="-228600" algn="l" defTabSz="914400" rtl="0" eaLnBrk="1" latinLnBrk="0" hangingPunct="1">
-              <a:lnSpc>
-                <a:spcPct val="90000"/>
-              </a:lnSpc>
-              <a:spcBef>
-                <a:spcPts val="500"/>
-              </a:spcBef>
-              <a:buFont typeface="Arial" panose="020B0604020202020204" pitchFamily="34" charset="0"/>
-              <a:buChar char="•"/>
-              <a:defRPr sz="1800" kern="1200">
-                <a:solidFill>
-                  <a:schemeClr val="tx1"/>
-                </a:solidFill>
-                <a:latin typeface="+mn-lt"/>
-                <a:ea typeface="+mn-ea"/>
-                <a:cs typeface="+mn-cs"/>
-              </a:defRPr>
-            </a:lvl6pPr>
-            <a:lvl7pPr marL="2971800" indent="-228600" algn="l" defTabSz="914400" rtl="0" eaLnBrk="1" latinLnBrk="0" hangingPunct="1">
-              <a:lnSpc>
-                <a:spcPct val="90000"/>
-              </a:lnSpc>
-              <a:spcBef>
-                <a:spcPts val="500"/>
-              </a:spcBef>
-              <a:buFont typeface="Arial" panose="020B0604020202020204" pitchFamily="34" charset="0"/>
-              <a:buChar char="•"/>
-              <a:defRPr sz="1800" kern="1200">
-                <a:solidFill>
-                  <a:schemeClr val="tx1"/>
-                </a:solidFill>
-                <a:latin typeface="+mn-lt"/>
-                <a:ea typeface="+mn-ea"/>
-                <a:cs typeface="+mn-cs"/>
-              </a:defRPr>
-            </a:lvl7pPr>
-            <a:lvl8pPr marL="3429000" indent="-228600" algn="l" defTabSz="914400" rtl="0" eaLnBrk="1" latinLnBrk="0" hangingPunct="1">
-              <a:lnSpc>
-                <a:spcPct val="90000"/>
-              </a:lnSpc>
-              <a:spcBef>
-                <a:spcPts val="500"/>
-              </a:spcBef>
-              <a:buFont typeface="Arial" panose="020B0604020202020204" pitchFamily="34" charset="0"/>
-              <a:buChar char="•"/>
-              <a:defRPr sz="1800" kern="1200">
-                <a:solidFill>
-                  <a:schemeClr val="tx1"/>
-                </a:solidFill>
-                <a:latin typeface="+mn-lt"/>
-                <a:ea typeface="+mn-ea"/>
-                <a:cs typeface="+mn-cs"/>
-              </a:defRPr>
-            </a:lvl8pPr>
-            <a:lvl9pPr marL="3886200" indent="-228600" algn="l" defTabSz="914400" rtl="0" eaLnBrk="1" latinLnBrk="0" hangingPunct="1">
-              <a:lnSpc>
-                <a:spcPct val="90000"/>
-              </a:lnSpc>
-              <a:spcBef>
-                <a:spcPts val="500"/>
-              </a:spcBef>
-              <a:buFont typeface="Arial" panose="020B0604020202020204" pitchFamily="34" charset="0"/>
-              <a:buChar char="•"/>
-              <a:defRPr sz="1800" kern="1200">
-                <a:solidFill>
-                  <a:schemeClr val="tx1"/>
-                </a:solidFill>
-                <a:latin typeface="+mn-lt"/>
-                <a:ea typeface="+mn-ea"/>
-                <a:cs typeface="+mn-cs"/>
-              </a:defRPr>
-            </a:lvl9pPr>
-          </a:lstStyle>
-          <a:p>
-            <a:pPr marL="0" indent="0">
-              <a:buNone/>
-            </a:pPr>
-            <a:r>
-              <a:rPr lang="en-US" altLang="zh-CN" dirty="0">
-                <a:solidFill>
-                  <a:schemeClr val="accent1"/>
-                </a:solidFill>
-                <a:latin typeface="-apple-system"/>
-              </a:rPr>
-              <a:t>Train Sequence</a:t>
-            </a:r>
-          </a:p>
-        </p:txBody>
-      </p:sp>
-      <p:sp>
-        <p:nvSpPr>
-          <p:cNvPr id="10" name="文本占位符 3">
-            <a:extLst>
-              <a:ext uri="{FF2B5EF4-FFF2-40B4-BE49-F238E27FC236}">
-                <a16:creationId xmlns:a16="http://schemas.microsoft.com/office/drawing/2014/main" id="{7C847874-2C49-477B-756E-27D2E16D8EF5}"/>
-              </a:ext>
-            </a:extLst>
-          </p:cNvPr>
-          <p:cNvSpPr txBox="1">
-            <a:spLocks/>
-          </p:cNvSpPr>
-          <p:nvPr/>
-        </p:nvSpPr>
-        <p:spPr>
-          <a:xfrm>
-            <a:off x="357917" y="3417783"/>
-            <a:ext cx="4913032" cy="5532437"/>
-          </a:xfrm>
-          <a:prstGeom prst="rect">
-            <a:avLst/>
-          </a:prstGeom>
-        </p:spPr>
-        <p:txBody>
-          <a:bodyPr vert="horz" lIns="91440" tIns="45720" rIns="91440" bIns="45720" rtlCol="0">
-            <a:normAutofit/>
-          </a:bodyPr>
-          <a:lstStyle>
-            <a:lvl1pPr marL="228600" indent="-228600" algn="l" defTabSz="914400" rtl="0" eaLnBrk="1" latinLnBrk="0" hangingPunct="1">
-              <a:lnSpc>
-                <a:spcPct val="90000"/>
-              </a:lnSpc>
-              <a:spcBef>
-                <a:spcPts val="1000"/>
-              </a:spcBef>
-              <a:buFont typeface="Arial" panose="020B0604020202020204" pitchFamily="34" charset="0"/>
-              <a:buChar char="•"/>
-              <a:defRPr sz="2800" kern="1200">
-                <a:solidFill>
-                  <a:schemeClr val="tx1"/>
-                </a:solidFill>
-                <a:latin typeface="+mn-lt"/>
-                <a:ea typeface="+mn-ea"/>
-                <a:cs typeface="+mn-cs"/>
-              </a:defRPr>
-            </a:lvl1pPr>
-            <a:lvl2pPr marL="685800" indent="-228600" algn="l" defTabSz="914400" rtl="0" eaLnBrk="1" latinLnBrk="0" hangingPunct="1">
-              <a:lnSpc>
-                <a:spcPct val="90000"/>
-              </a:lnSpc>
-              <a:spcBef>
-                <a:spcPts val="500"/>
-              </a:spcBef>
-              <a:buFont typeface="Arial" panose="020B0604020202020204" pitchFamily="34" charset="0"/>
-              <a:buChar char="•"/>
-              <a:defRPr sz="2400" kern="1200">
-                <a:solidFill>
-                  <a:schemeClr val="tx1"/>
-                </a:solidFill>
-                <a:latin typeface="+mn-lt"/>
-                <a:ea typeface="+mn-ea"/>
-                <a:cs typeface="+mn-cs"/>
-              </a:defRPr>
-            </a:lvl2pPr>
-            <a:lvl3pPr marL="1143000" indent="-228600" algn="l" defTabSz="914400" rtl="0" eaLnBrk="1" latinLnBrk="0" hangingPunct="1">
-              <a:lnSpc>
-                <a:spcPct val="90000"/>
-              </a:lnSpc>
-              <a:spcBef>
-                <a:spcPts val="500"/>
-              </a:spcBef>
-              <a:buFont typeface="Arial" panose="020B0604020202020204" pitchFamily="34" charset="0"/>
-              <a:buChar char="•"/>
-              <a:defRPr sz="2000" kern="1200">
-                <a:solidFill>
-                  <a:schemeClr val="tx1"/>
-                </a:solidFill>
-                <a:latin typeface="+mn-lt"/>
-                <a:ea typeface="+mn-ea"/>
-                <a:cs typeface="+mn-cs"/>
-              </a:defRPr>
-            </a:lvl3pPr>
-            <a:lvl4pPr marL="1600200" indent="-228600" algn="l" defTabSz="914400" rtl="0" eaLnBrk="1" latinLnBrk="0" hangingPunct="1">
-              <a:lnSpc>
-                <a:spcPct val="90000"/>
-              </a:lnSpc>
-              <a:spcBef>
-                <a:spcPts val="500"/>
-              </a:spcBef>
-              <a:buFont typeface="Arial" panose="020B0604020202020204" pitchFamily="34" charset="0"/>
-              <a:buChar char="•"/>
-              <a:defRPr sz="1800" kern="1200">
-                <a:solidFill>
-                  <a:schemeClr val="tx1"/>
-                </a:solidFill>
-                <a:latin typeface="+mn-lt"/>
-                <a:ea typeface="+mn-ea"/>
-                <a:cs typeface="+mn-cs"/>
-              </a:defRPr>
-            </a:lvl4pPr>
-            <a:lvl5pPr marL="2057400" indent="-228600" algn="l" defTabSz="914400" rtl="0" eaLnBrk="1" latinLnBrk="0" hangingPunct="1">
-              <a:lnSpc>
-                <a:spcPct val="90000"/>
-              </a:lnSpc>
-              <a:spcBef>
-                <a:spcPts val="500"/>
-              </a:spcBef>
-              <a:buFont typeface="Arial" panose="020B0604020202020204" pitchFamily="34" charset="0"/>
-              <a:buChar char="•"/>
-              <a:defRPr sz="1800" kern="1200">
-                <a:solidFill>
-                  <a:schemeClr val="tx1"/>
-                </a:solidFill>
-                <a:latin typeface="+mn-lt"/>
-                <a:ea typeface="+mn-ea"/>
-                <a:cs typeface="+mn-cs"/>
-              </a:defRPr>
-            </a:lvl5pPr>
-            <a:lvl6pPr marL="2514600" indent="-228600" algn="l" defTabSz="914400" rtl="0" eaLnBrk="1" latinLnBrk="0" hangingPunct="1">
-              <a:lnSpc>
-                <a:spcPct val="90000"/>
-              </a:lnSpc>
-              <a:spcBef>
-                <a:spcPts val="500"/>
-              </a:spcBef>
-              <a:buFont typeface="Arial" panose="020B0604020202020204" pitchFamily="34" charset="0"/>
-              <a:buChar char="•"/>
-              <a:defRPr sz="1800" kern="1200">
-                <a:solidFill>
-                  <a:schemeClr val="tx1"/>
-                </a:solidFill>
-                <a:latin typeface="+mn-lt"/>
-                <a:ea typeface="+mn-ea"/>
-                <a:cs typeface="+mn-cs"/>
-              </a:defRPr>
-            </a:lvl6pPr>
-            <a:lvl7pPr marL="2971800" indent="-228600" algn="l" defTabSz="914400" rtl="0" eaLnBrk="1" latinLnBrk="0" hangingPunct="1">
-              <a:lnSpc>
-                <a:spcPct val="90000"/>
-              </a:lnSpc>
-              <a:spcBef>
-                <a:spcPts val="500"/>
-              </a:spcBef>
-              <a:buFont typeface="Arial" panose="020B0604020202020204" pitchFamily="34" charset="0"/>
-              <a:buChar char="•"/>
-              <a:defRPr sz="1800" kern="1200">
-                <a:solidFill>
-                  <a:schemeClr val="tx1"/>
-                </a:solidFill>
-                <a:latin typeface="+mn-lt"/>
-                <a:ea typeface="+mn-ea"/>
-                <a:cs typeface="+mn-cs"/>
-              </a:defRPr>
-            </a:lvl7pPr>
-            <a:lvl8pPr marL="3429000" indent="-228600" algn="l" defTabSz="914400" rtl="0" eaLnBrk="1" latinLnBrk="0" hangingPunct="1">
-              <a:lnSpc>
-                <a:spcPct val="90000"/>
-              </a:lnSpc>
-              <a:spcBef>
-                <a:spcPts val="500"/>
-              </a:spcBef>
-              <a:buFont typeface="Arial" panose="020B0604020202020204" pitchFamily="34" charset="0"/>
-              <a:buChar char="•"/>
-              <a:defRPr sz="1800" kern="1200">
-                <a:solidFill>
-                  <a:schemeClr val="tx1"/>
-                </a:solidFill>
-                <a:latin typeface="+mn-lt"/>
-                <a:ea typeface="+mn-ea"/>
-                <a:cs typeface="+mn-cs"/>
-              </a:defRPr>
-            </a:lvl8pPr>
-            <a:lvl9pPr marL="3886200" indent="-228600" algn="l" defTabSz="914400" rtl="0" eaLnBrk="1" latinLnBrk="0" hangingPunct="1">
-              <a:lnSpc>
-                <a:spcPct val="90000"/>
-              </a:lnSpc>
-              <a:spcBef>
-                <a:spcPts val="500"/>
-              </a:spcBef>
-              <a:buFont typeface="Arial" panose="020B0604020202020204" pitchFamily="34" charset="0"/>
-              <a:buChar char="•"/>
-              <a:defRPr sz="1800" kern="1200">
-                <a:solidFill>
-                  <a:schemeClr val="tx1"/>
-                </a:solidFill>
-                <a:latin typeface="+mn-lt"/>
-                <a:ea typeface="+mn-ea"/>
-                <a:cs typeface="+mn-cs"/>
-              </a:defRPr>
-            </a:lvl9pPr>
-          </a:lstStyle>
-          <a:p>
-            <a:pPr marL="0" indent="0">
-              <a:buNone/>
-            </a:pPr>
-            <a:r>
-              <a:rPr lang="en-US" altLang="zh-CN" dirty="0">
-                <a:solidFill>
-                  <a:schemeClr val="accent1"/>
-                </a:solidFill>
-                <a:latin typeface="-apple-system"/>
-              </a:rPr>
-              <a:t>Training objective</a:t>
-            </a:r>
-          </a:p>
-          <a:p>
-            <a:pPr marL="0" indent="0">
-              <a:buNone/>
-            </a:pPr>
-            <a:endParaRPr lang="en-US" altLang="zh-CN" dirty="0">
-              <a:solidFill>
-                <a:schemeClr val="accent1"/>
-              </a:solidFill>
-              <a:latin typeface="-apple-system"/>
-            </a:endParaRPr>
-          </a:p>
-          <a:p>
-            <a:pPr marL="0" indent="0">
-              <a:buNone/>
-            </a:pPr>
-            <a:endParaRPr lang="en-US" altLang="zh-CN" dirty="0">
-              <a:solidFill>
-                <a:schemeClr val="accent1"/>
-              </a:solidFill>
-              <a:latin typeface="-apple-system"/>
-            </a:endParaRPr>
-          </a:p>
-          <a:p>
-            <a:pPr marL="0" indent="0">
-              <a:buNone/>
-            </a:pPr>
-            <a:endParaRPr lang="en-US" altLang="zh-CN" dirty="0">
-              <a:solidFill>
-                <a:schemeClr val="accent1"/>
-              </a:solidFill>
-              <a:latin typeface="-apple-system"/>
-            </a:endParaRPr>
-          </a:p>
-        </p:txBody>
-      </p:sp>
-      <p:sp>
-        <p:nvSpPr>
           <p:cNvPr id="6" name="灯片编号占位符 5">
             <a:extLst>
               <a:ext uri="{FF2B5EF4-FFF2-40B4-BE49-F238E27FC236}">
-                <a16:creationId xmlns:a16="http://schemas.microsoft.com/office/drawing/2014/main" id="{119DA623-8351-F11A-1975-C5FAD936E45C}"/>
+                <a16:creationId xmlns:a16="http://schemas.microsoft.com/office/drawing/2014/main" id="{064315A4-3CF4-4926-C9FA-2AFFC911ABCF}"/>
               </a:ext>
             </a:extLst>
           </p:cNvPr>
@@ -6637,70 +5597,274 @@
           </a:p>
         </p:txBody>
       </p:sp>
-      <p:pic>
-        <p:nvPicPr>
-          <p:cNvPr id="3" name="图片 2">
-            <a:extLst>
-              <a:ext uri="{FF2B5EF4-FFF2-40B4-BE49-F238E27FC236}">
-                <a16:creationId xmlns:a16="http://schemas.microsoft.com/office/drawing/2014/main" id="{E392886E-6E9C-7488-F52E-97CCBD625387}"/>
-              </a:ext>
-            </a:extLst>
-          </p:cNvPr>
-          <p:cNvPicPr>
-            <a:picLocks noChangeAspect="1"/>
-          </p:cNvPicPr>
+      <p:sp>
+        <p:nvSpPr>
+          <p:cNvPr id="5" name="文本框 4">
+            <a:extLst>
+              <a:ext uri="{FF2B5EF4-FFF2-40B4-BE49-F238E27FC236}">
+                <a16:creationId xmlns:a16="http://schemas.microsoft.com/office/drawing/2014/main" id="{845637AD-D55C-9023-2235-DDE9EB1FBEE5}"/>
+              </a:ext>
+            </a:extLst>
+          </p:cNvPr>
+          <p:cNvSpPr txBox="1"/>
           <p:nvPr/>
-        </p:nvPicPr>
-        <p:blipFill>
-          <a:blip r:embed="rId2"/>
-          <a:stretch>
-            <a:fillRect/>
-          </a:stretch>
-        </p:blipFill>
+        </p:nvSpPr>
         <p:spPr>
           <a:xfrm>
-            <a:off x="1578730" y="1867551"/>
-            <a:ext cx="8158491" cy="1259164"/>
+            <a:off x="548895" y="1224664"/>
+            <a:ext cx="10237011" cy="5262979"/>
           </a:xfrm>
           <a:prstGeom prst="rect">
             <a:avLst/>
           </a:prstGeom>
+          <a:noFill/>
         </p:spPr>
-      </p:pic>
-      <p:pic>
-        <p:nvPicPr>
-          <p:cNvPr id="4" name="图片 3">
-            <a:extLst>
-              <a:ext uri="{FF2B5EF4-FFF2-40B4-BE49-F238E27FC236}">
-                <a16:creationId xmlns:a16="http://schemas.microsoft.com/office/drawing/2014/main" id="{BFAB4277-D6A9-7751-22CF-49C35472B1D4}"/>
-              </a:ext>
-            </a:extLst>
-          </p:cNvPr>
-          <p:cNvPicPr>
-            <a:picLocks noChangeAspect="1"/>
-          </p:cNvPicPr>
-          <p:nvPr/>
-        </p:nvPicPr>
-        <p:blipFill>
-          <a:blip r:embed="rId3"/>
-          <a:stretch>
-            <a:fillRect/>
-          </a:stretch>
-        </p:blipFill>
-        <p:spPr>
-          <a:xfrm>
-            <a:off x="1138892" y="4318643"/>
-            <a:ext cx="9165024" cy="1808727"/>
-          </a:xfrm>
-          <a:prstGeom prst="rect">
-            <a:avLst/>
-          </a:prstGeom>
-        </p:spPr>
-      </p:pic>
+        <p:txBody>
+          <a:bodyPr wrap="square">
+            <a:spAutoFit/>
+          </a:bodyPr>
+          <a:lstStyle/>
+          <a:p>
+            <a:pPr algn="l"/>
+            <a:r>
+              <a:rPr lang="en-GB" altLang="zh-CN" sz="3600" b="0" i="0" dirty="0">
+                <a:solidFill>
+                  <a:schemeClr val="accent1"/>
+                </a:solidFill>
+                <a:effectLst/>
+                <a:latin typeface="Calibri" panose="020F0502020204030204" pitchFamily="34" charset="0"/>
+                <a:ea typeface="Calibri" panose="020F0502020204030204" pitchFamily="34" charset="0"/>
+                <a:cs typeface="Calibri" panose="020F0502020204030204" pitchFamily="34" charset="0"/>
+              </a:rPr>
+              <a:t>User-based split</a:t>
+            </a:r>
+          </a:p>
+          <a:p>
+            <a:pPr algn="l"/>
+            <a:endParaRPr lang="en-US" altLang="zh-CN" sz="2400" dirty="0">
+              <a:solidFill>
+                <a:srgbClr val="1F2328"/>
+              </a:solidFill>
+              <a:latin typeface="Calibri" panose="020F0502020204030204" pitchFamily="34" charset="0"/>
+              <a:ea typeface="Calibri" panose="020F0502020204030204" pitchFamily="34" charset="0"/>
+              <a:cs typeface="Calibri" panose="020F0502020204030204" pitchFamily="34" charset="0"/>
+            </a:endParaRPr>
+          </a:p>
+          <a:p>
+            <a:pPr algn="l"/>
+            <a:r>
+              <a:rPr lang="en-US" altLang="zh-CN" sz="2400" dirty="0">
+                <a:solidFill>
+                  <a:srgbClr val="1F2328"/>
+                </a:solidFill>
+                <a:latin typeface="Calibri" panose="020F0502020204030204" pitchFamily="34" charset="0"/>
+                <a:ea typeface="Calibri" panose="020F0502020204030204" pitchFamily="34" charset="0"/>
+                <a:cs typeface="Calibri" panose="020F0502020204030204" pitchFamily="34" charset="0"/>
+              </a:rPr>
+              <a:t>1. Easy to implement</a:t>
+            </a:r>
+          </a:p>
+          <a:p>
+            <a:pPr algn="l"/>
+            <a:endParaRPr lang="en-US" altLang="zh-CN" sz="2400" dirty="0">
+              <a:solidFill>
+                <a:srgbClr val="1F2328"/>
+              </a:solidFill>
+              <a:latin typeface="Calibri" panose="020F0502020204030204" pitchFamily="34" charset="0"/>
+              <a:ea typeface="Calibri" panose="020F0502020204030204" pitchFamily="34" charset="0"/>
+              <a:cs typeface="Calibri" panose="020F0502020204030204" pitchFamily="34" charset="0"/>
+            </a:endParaRPr>
+          </a:p>
+          <a:p>
+            <a:r>
+              <a:rPr lang="en-US" altLang="zh-CN" sz="2400" dirty="0">
+                <a:solidFill>
+                  <a:srgbClr val="1F2328"/>
+                </a:solidFill>
+                <a:latin typeface="Calibri" panose="020F0502020204030204" pitchFamily="34" charset="0"/>
+                <a:ea typeface="Calibri" panose="020F0502020204030204" pitchFamily="34" charset="0"/>
+                <a:cs typeface="Calibri" panose="020F0502020204030204" pitchFamily="34" charset="0"/>
+              </a:rPr>
+              <a:t>2. Split the train/</a:t>
+            </a:r>
+            <a:r>
+              <a:rPr lang="en-US" altLang="zh-CN" sz="2400" dirty="0" err="1">
+                <a:solidFill>
+                  <a:srgbClr val="1F2328"/>
+                </a:solidFill>
+                <a:latin typeface="Calibri" panose="020F0502020204030204" pitchFamily="34" charset="0"/>
+                <a:ea typeface="Calibri" panose="020F0502020204030204" pitchFamily="34" charset="0"/>
+                <a:cs typeface="Calibri" panose="020F0502020204030204" pitchFamily="34" charset="0"/>
+              </a:rPr>
+              <a:t>val</a:t>
+            </a:r>
+            <a:r>
+              <a:rPr lang="en-US" altLang="zh-CN" sz="2400" dirty="0">
+                <a:solidFill>
+                  <a:srgbClr val="1F2328"/>
+                </a:solidFill>
+                <a:latin typeface="Calibri" panose="020F0502020204030204" pitchFamily="34" charset="0"/>
+                <a:ea typeface="Calibri" panose="020F0502020204030204" pitchFamily="34" charset="0"/>
+                <a:cs typeface="Calibri" panose="020F0502020204030204" pitchFamily="34" charset="0"/>
+              </a:rPr>
+              <a:t>/test dataset by different users (randomly </a:t>
+            </a:r>
+            <a:r>
+              <a:rPr lang="en-US" altLang="zh-CN" sz="2400" dirty="0" err="1">
+                <a:solidFill>
+                  <a:srgbClr val="1F2328"/>
+                </a:solidFill>
+                <a:latin typeface="Calibri" panose="020F0502020204030204" pitchFamily="34" charset="0"/>
+                <a:ea typeface="Calibri" panose="020F0502020204030204" pitchFamily="34" charset="0"/>
+                <a:cs typeface="Calibri" panose="020F0502020204030204" pitchFamily="34" charset="0"/>
+              </a:rPr>
+              <a:t>choosen</a:t>
+            </a:r>
+            <a:r>
+              <a:rPr lang="en-US" altLang="zh-CN" sz="2400" dirty="0">
+                <a:solidFill>
+                  <a:srgbClr val="1F2328"/>
+                </a:solidFill>
+                <a:latin typeface="Calibri" panose="020F0502020204030204" pitchFamily="34" charset="0"/>
+                <a:ea typeface="Calibri" panose="020F0502020204030204" pitchFamily="34" charset="0"/>
+                <a:cs typeface="Calibri" panose="020F0502020204030204" pitchFamily="34" charset="0"/>
+              </a:rPr>
+              <a:t>)</a:t>
+            </a:r>
+          </a:p>
+          <a:p>
+            <a:endParaRPr lang="en-US" altLang="zh-CN" sz="2400" dirty="0">
+              <a:solidFill>
+                <a:srgbClr val="1F2328"/>
+              </a:solidFill>
+              <a:latin typeface="Calibri" panose="020F0502020204030204" pitchFamily="34" charset="0"/>
+              <a:ea typeface="Calibri" panose="020F0502020204030204" pitchFamily="34" charset="0"/>
+              <a:cs typeface="Calibri" panose="020F0502020204030204" pitchFamily="34" charset="0"/>
+            </a:endParaRPr>
+          </a:p>
+          <a:p>
+            <a:r>
+              <a:rPr lang="en-US" altLang="zh-CN" sz="2400" dirty="0">
+                <a:solidFill>
+                  <a:srgbClr val="1F2328"/>
+                </a:solidFill>
+                <a:latin typeface="Calibri" panose="020F0502020204030204" pitchFamily="34" charset="0"/>
+                <a:ea typeface="Calibri" panose="020F0502020204030204" pitchFamily="34" charset="0"/>
+                <a:cs typeface="Calibri" panose="020F0502020204030204" pitchFamily="34" charset="0"/>
+              </a:rPr>
+              <a:t>3. 30000+ users with 14 days window (70% for train; 15% for </a:t>
+            </a:r>
+            <a:r>
+              <a:rPr lang="en-US" altLang="zh-CN" sz="2400" dirty="0" err="1">
+                <a:solidFill>
+                  <a:srgbClr val="1F2328"/>
+                </a:solidFill>
+                <a:latin typeface="Calibri" panose="020F0502020204030204" pitchFamily="34" charset="0"/>
+                <a:ea typeface="Calibri" panose="020F0502020204030204" pitchFamily="34" charset="0"/>
+                <a:cs typeface="Calibri" panose="020F0502020204030204" pitchFamily="34" charset="0"/>
+              </a:rPr>
+              <a:t>val</a:t>
+            </a:r>
+            <a:r>
+              <a:rPr lang="en-US" altLang="zh-CN" sz="2400" dirty="0">
+                <a:solidFill>
+                  <a:srgbClr val="1F2328"/>
+                </a:solidFill>
+                <a:latin typeface="Calibri" panose="020F0502020204030204" pitchFamily="34" charset="0"/>
+                <a:ea typeface="Calibri" panose="020F0502020204030204" pitchFamily="34" charset="0"/>
+                <a:cs typeface="Calibri" panose="020F0502020204030204" pitchFamily="34" charset="0"/>
+              </a:rPr>
+              <a:t>; 15% for test)</a:t>
+            </a:r>
+          </a:p>
+          <a:p>
+            <a:endParaRPr lang="en-US" altLang="zh-CN" sz="2400" dirty="0">
+              <a:solidFill>
+                <a:srgbClr val="1F2328"/>
+              </a:solidFill>
+              <a:latin typeface="Calibri" panose="020F0502020204030204" pitchFamily="34" charset="0"/>
+              <a:ea typeface="Calibri" panose="020F0502020204030204" pitchFamily="34" charset="0"/>
+              <a:cs typeface="Calibri" panose="020F0502020204030204" pitchFamily="34" charset="0"/>
+            </a:endParaRPr>
+          </a:p>
+          <a:p>
+            <a:r>
+              <a:rPr lang="en-US" altLang="zh-CN" sz="2400" dirty="0">
+                <a:solidFill>
+                  <a:srgbClr val="1F2328"/>
+                </a:solidFill>
+                <a:latin typeface="Calibri" panose="020F0502020204030204" pitchFamily="34" charset="0"/>
+                <a:ea typeface="Calibri" panose="020F0502020204030204" pitchFamily="34" charset="0"/>
+                <a:cs typeface="Calibri" panose="020F0502020204030204" pitchFamily="34" charset="0"/>
+              </a:rPr>
+              <a:t>4. 18000+ unique items</a:t>
+            </a:r>
+          </a:p>
+          <a:p>
+            <a:pPr algn="l"/>
+            <a:endParaRPr lang="en-US" altLang="zh-CN" sz="2400" dirty="0">
+              <a:solidFill>
+                <a:srgbClr val="1F2328"/>
+              </a:solidFill>
+              <a:latin typeface="Calibri" panose="020F0502020204030204" pitchFamily="34" charset="0"/>
+              <a:ea typeface="Calibri" panose="020F0502020204030204" pitchFamily="34" charset="0"/>
+              <a:cs typeface="Calibri" panose="020F0502020204030204" pitchFamily="34" charset="0"/>
+            </a:endParaRPr>
+          </a:p>
+          <a:p>
+            <a:pPr marL="342900" indent="-342900" algn="l">
+              <a:buAutoNum type="arabicPeriod"/>
+            </a:pPr>
+            <a:endParaRPr lang="en-US" altLang="zh-CN" sz="2400" dirty="0">
+              <a:solidFill>
+                <a:srgbClr val="1F2328"/>
+              </a:solidFill>
+              <a:latin typeface="Calibri" panose="020F0502020204030204" pitchFamily="34" charset="0"/>
+              <a:ea typeface="Calibri" panose="020F0502020204030204" pitchFamily="34" charset="0"/>
+              <a:cs typeface="Calibri" panose="020F0502020204030204" pitchFamily="34" charset="0"/>
+            </a:endParaRPr>
+          </a:p>
+          <a:p>
+            <a:pPr marL="342900" indent="-342900" algn="l">
+              <a:buAutoNum type="arabicPeriod"/>
+            </a:pPr>
+            <a:endParaRPr lang="en-US" altLang="zh-CN" sz="2400" dirty="0">
+              <a:solidFill>
+                <a:srgbClr val="1F2328"/>
+              </a:solidFill>
+              <a:latin typeface="Calibri" panose="020F0502020204030204" pitchFamily="34" charset="0"/>
+              <a:ea typeface="Calibri" panose="020F0502020204030204" pitchFamily="34" charset="0"/>
+              <a:cs typeface="Calibri" panose="020F0502020204030204" pitchFamily="34" charset="0"/>
+            </a:endParaRPr>
+          </a:p>
+          <a:p>
+            <a:pPr algn="l"/>
+            <a:endParaRPr lang="en-GB" altLang="zh-CN" dirty="0">
+              <a:solidFill>
+                <a:srgbClr val="1F2328"/>
+              </a:solidFill>
+              <a:latin typeface="Calibri" panose="020F0502020204030204" pitchFamily="34" charset="0"/>
+              <a:ea typeface="Calibri" panose="020F0502020204030204" pitchFamily="34" charset="0"/>
+              <a:cs typeface="Calibri" panose="020F0502020204030204" pitchFamily="34" charset="0"/>
+            </a:endParaRPr>
+          </a:p>
+          <a:p>
+            <a:pPr algn="l"/>
+            <a:endParaRPr lang="en-GB" altLang="zh-CN" dirty="0">
+              <a:solidFill>
+                <a:srgbClr val="1F2328"/>
+              </a:solidFill>
+              <a:latin typeface="Calibri" panose="020F0502020204030204" pitchFamily="34" charset="0"/>
+              <a:ea typeface="Calibri" panose="020F0502020204030204" pitchFamily="34" charset="0"/>
+              <a:cs typeface="Calibri" panose="020F0502020204030204" pitchFamily="34" charset="0"/>
+            </a:endParaRPr>
+          </a:p>
+        </p:txBody>
+      </p:sp>
     </p:spTree>
     <p:extLst>
       <p:ext uri="{BB962C8B-B14F-4D97-AF65-F5344CB8AC3E}">
-        <p14:creationId xmlns:p14="http://schemas.microsoft.com/office/powerpoint/2010/main" val="1015666435"/>
+        <p14:creationId xmlns:p14="http://schemas.microsoft.com/office/powerpoint/2010/main" val="3705047476"/>
       </p:ext>
     </p:extLst>
   </p:cSld>
@@ -6730,491 +5894,10 @@
       </p:grpSpPr>
       <p:sp>
         <p:nvSpPr>
-          <p:cNvPr id="2" name="标题 1">
-            <a:extLst>
-              <a:ext uri="{FF2B5EF4-FFF2-40B4-BE49-F238E27FC236}">
-                <a16:creationId xmlns:a16="http://schemas.microsoft.com/office/drawing/2014/main" id="{8CB0BEDD-BACE-C402-E5B3-E7DBD84C11B8}"/>
-              </a:ext>
-            </a:extLst>
-          </p:cNvPr>
-          <p:cNvSpPr>
-            <a:spLocks noGrp="1"/>
-          </p:cNvSpPr>
-          <p:nvPr>
-            <p:ph type="title"/>
-          </p:nvPr>
-        </p:nvSpPr>
-        <p:spPr>
-          <a:xfrm>
-            <a:off x="239333" y="0"/>
-            <a:ext cx="10515600" cy="1325563"/>
-          </a:xfrm>
-        </p:spPr>
-        <p:txBody>
-          <a:bodyPr/>
-          <a:lstStyle/>
-          <a:p>
-            <a:r>
-              <a:rPr lang="en-US" altLang="zh-CN" dirty="0"/>
-              <a:t>Model 2. Dense all prediction plus</a:t>
-            </a:r>
-            <a:endParaRPr lang="zh-CN" altLang="en-US" dirty="0"/>
-          </a:p>
-        </p:txBody>
-      </p:sp>
-      <p:sp>
-        <p:nvSpPr>
-          <p:cNvPr id="9" name="文本占位符 3">
-            <a:extLst>
-              <a:ext uri="{FF2B5EF4-FFF2-40B4-BE49-F238E27FC236}">
-                <a16:creationId xmlns:a16="http://schemas.microsoft.com/office/drawing/2014/main" id="{77618B53-20FA-46A1-85E1-E8ABF98844D0}"/>
-              </a:ext>
-            </a:extLst>
-          </p:cNvPr>
-          <p:cNvSpPr txBox="1">
-            <a:spLocks/>
-          </p:cNvSpPr>
-          <p:nvPr/>
-        </p:nvSpPr>
-        <p:spPr>
-          <a:xfrm>
-            <a:off x="357917" y="1124692"/>
-            <a:ext cx="4913032" cy="5532437"/>
-          </a:xfrm>
-          <a:prstGeom prst="rect">
-            <a:avLst/>
-          </a:prstGeom>
-        </p:spPr>
-        <p:txBody>
-          <a:bodyPr vert="horz" lIns="91440" tIns="45720" rIns="91440" bIns="45720" rtlCol="0">
-            <a:normAutofit/>
-          </a:bodyPr>
-          <a:lstStyle>
-            <a:lvl1pPr marL="228600" indent="-228600" algn="l" defTabSz="914400" rtl="0" eaLnBrk="1" latinLnBrk="0" hangingPunct="1">
-              <a:lnSpc>
-                <a:spcPct val="90000"/>
-              </a:lnSpc>
-              <a:spcBef>
-                <a:spcPts val="1000"/>
-              </a:spcBef>
-              <a:buFont typeface="Arial" panose="020B0604020202020204" pitchFamily="34" charset="0"/>
-              <a:buChar char="•"/>
-              <a:defRPr sz="2800" kern="1200">
-                <a:solidFill>
-                  <a:schemeClr val="tx1"/>
-                </a:solidFill>
-                <a:latin typeface="+mn-lt"/>
-                <a:ea typeface="+mn-ea"/>
-                <a:cs typeface="+mn-cs"/>
-              </a:defRPr>
-            </a:lvl1pPr>
-            <a:lvl2pPr marL="685800" indent="-228600" algn="l" defTabSz="914400" rtl="0" eaLnBrk="1" latinLnBrk="0" hangingPunct="1">
-              <a:lnSpc>
-                <a:spcPct val="90000"/>
-              </a:lnSpc>
-              <a:spcBef>
-                <a:spcPts val="500"/>
-              </a:spcBef>
-              <a:buFont typeface="Arial" panose="020B0604020202020204" pitchFamily="34" charset="0"/>
-              <a:buChar char="•"/>
-              <a:defRPr sz="2400" kern="1200">
-                <a:solidFill>
-                  <a:schemeClr val="tx1"/>
-                </a:solidFill>
-                <a:latin typeface="+mn-lt"/>
-                <a:ea typeface="+mn-ea"/>
-                <a:cs typeface="+mn-cs"/>
-              </a:defRPr>
-            </a:lvl2pPr>
-            <a:lvl3pPr marL="1143000" indent="-228600" algn="l" defTabSz="914400" rtl="0" eaLnBrk="1" latinLnBrk="0" hangingPunct="1">
-              <a:lnSpc>
-                <a:spcPct val="90000"/>
-              </a:lnSpc>
-              <a:spcBef>
-                <a:spcPts val="500"/>
-              </a:spcBef>
-              <a:buFont typeface="Arial" panose="020B0604020202020204" pitchFamily="34" charset="0"/>
-              <a:buChar char="•"/>
-              <a:defRPr sz="2000" kern="1200">
-                <a:solidFill>
-                  <a:schemeClr val="tx1"/>
-                </a:solidFill>
-                <a:latin typeface="+mn-lt"/>
-                <a:ea typeface="+mn-ea"/>
-                <a:cs typeface="+mn-cs"/>
-              </a:defRPr>
-            </a:lvl3pPr>
-            <a:lvl4pPr marL="1600200" indent="-228600" algn="l" defTabSz="914400" rtl="0" eaLnBrk="1" latinLnBrk="0" hangingPunct="1">
-              <a:lnSpc>
-                <a:spcPct val="90000"/>
-              </a:lnSpc>
-              <a:spcBef>
-                <a:spcPts val="500"/>
-              </a:spcBef>
-              <a:buFont typeface="Arial" panose="020B0604020202020204" pitchFamily="34" charset="0"/>
-              <a:buChar char="•"/>
-              <a:defRPr sz="1800" kern="1200">
-                <a:solidFill>
-                  <a:schemeClr val="tx1"/>
-                </a:solidFill>
-                <a:latin typeface="+mn-lt"/>
-                <a:ea typeface="+mn-ea"/>
-                <a:cs typeface="+mn-cs"/>
-              </a:defRPr>
-            </a:lvl4pPr>
-            <a:lvl5pPr marL="2057400" indent="-228600" algn="l" defTabSz="914400" rtl="0" eaLnBrk="1" latinLnBrk="0" hangingPunct="1">
-              <a:lnSpc>
-                <a:spcPct val="90000"/>
-              </a:lnSpc>
-              <a:spcBef>
-                <a:spcPts val="500"/>
-              </a:spcBef>
-              <a:buFont typeface="Arial" panose="020B0604020202020204" pitchFamily="34" charset="0"/>
-              <a:buChar char="•"/>
-              <a:defRPr sz="1800" kern="1200">
-                <a:solidFill>
-                  <a:schemeClr val="tx1"/>
-                </a:solidFill>
-                <a:latin typeface="+mn-lt"/>
-                <a:ea typeface="+mn-ea"/>
-                <a:cs typeface="+mn-cs"/>
-              </a:defRPr>
-            </a:lvl5pPr>
-            <a:lvl6pPr marL="2514600" indent="-228600" algn="l" defTabSz="914400" rtl="0" eaLnBrk="1" latinLnBrk="0" hangingPunct="1">
-              <a:lnSpc>
-                <a:spcPct val="90000"/>
-              </a:lnSpc>
-              <a:spcBef>
-                <a:spcPts val="500"/>
-              </a:spcBef>
-              <a:buFont typeface="Arial" panose="020B0604020202020204" pitchFamily="34" charset="0"/>
-              <a:buChar char="•"/>
-              <a:defRPr sz="1800" kern="1200">
-                <a:solidFill>
-                  <a:schemeClr val="tx1"/>
-                </a:solidFill>
-                <a:latin typeface="+mn-lt"/>
-                <a:ea typeface="+mn-ea"/>
-                <a:cs typeface="+mn-cs"/>
-              </a:defRPr>
-            </a:lvl6pPr>
-            <a:lvl7pPr marL="2971800" indent="-228600" algn="l" defTabSz="914400" rtl="0" eaLnBrk="1" latinLnBrk="0" hangingPunct="1">
-              <a:lnSpc>
-                <a:spcPct val="90000"/>
-              </a:lnSpc>
-              <a:spcBef>
-                <a:spcPts val="500"/>
-              </a:spcBef>
-              <a:buFont typeface="Arial" panose="020B0604020202020204" pitchFamily="34" charset="0"/>
-              <a:buChar char="•"/>
-              <a:defRPr sz="1800" kern="1200">
-                <a:solidFill>
-                  <a:schemeClr val="tx1"/>
-                </a:solidFill>
-                <a:latin typeface="+mn-lt"/>
-                <a:ea typeface="+mn-ea"/>
-                <a:cs typeface="+mn-cs"/>
-              </a:defRPr>
-            </a:lvl7pPr>
-            <a:lvl8pPr marL="3429000" indent="-228600" algn="l" defTabSz="914400" rtl="0" eaLnBrk="1" latinLnBrk="0" hangingPunct="1">
-              <a:lnSpc>
-                <a:spcPct val="90000"/>
-              </a:lnSpc>
-              <a:spcBef>
-                <a:spcPts val="500"/>
-              </a:spcBef>
-              <a:buFont typeface="Arial" panose="020B0604020202020204" pitchFamily="34" charset="0"/>
-              <a:buChar char="•"/>
-              <a:defRPr sz="1800" kern="1200">
-                <a:solidFill>
-                  <a:schemeClr val="tx1"/>
-                </a:solidFill>
-                <a:latin typeface="+mn-lt"/>
-                <a:ea typeface="+mn-ea"/>
-                <a:cs typeface="+mn-cs"/>
-              </a:defRPr>
-            </a:lvl8pPr>
-            <a:lvl9pPr marL="3886200" indent="-228600" algn="l" defTabSz="914400" rtl="0" eaLnBrk="1" latinLnBrk="0" hangingPunct="1">
-              <a:lnSpc>
-                <a:spcPct val="90000"/>
-              </a:lnSpc>
-              <a:spcBef>
-                <a:spcPts val="500"/>
-              </a:spcBef>
-              <a:buFont typeface="Arial" panose="020B0604020202020204" pitchFamily="34" charset="0"/>
-              <a:buChar char="•"/>
-              <a:defRPr sz="1800" kern="1200">
-                <a:solidFill>
-                  <a:schemeClr val="tx1"/>
-                </a:solidFill>
-                <a:latin typeface="+mn-lt"/>
-                <a:ea typeface="+mn-ea"/>
-                <a:cs typeface="+mn-cs"/>
-              </a:defRPr>
-            </a:lvl9pPr>
-          </a:lstStyle>
-          <a:p>
-            <a:pPr marL="0" indent="0">
-              <a:buNone/>
-            </a:pPr>
-            <a:r>
-              <a:rPr lang="en-US" altLang="zh-CN" dirty="0">
-                <a:solidFill>
-                  <a:schemeClr val="accent1"/>
-                </a:solidFill>
-                <a:latin typeface="-apple-system"/>
-              </a:rPr>
-              <a:t>Train Sequence</a:t>
-            </a:r>
-          </a:p>
-        </p:txBody>
-      </p:sp>
-      <p:sp>
-        <p:nvSpPr>
-          <p:cNvPr id="10" name="文本占位符 3">
-            <a:extLst>
-              <a:ext uri="{FF2B5EF4-FFF2-40B4-BE49-F238E27FC236}">
-                <a16:creationId xmlns:a16="http://schemas.microsoft.com/office/drawing/2014/main" id="{7C847874-2C49-477B-756E-27D2E16D8EF5}"/>
-              </a:ext>
-            </a:extLst>
-          </p:cNvPr>
-          <p:cNvSpPr txBox="1">
-            <a:spLocks/>
-          </p:cNvSpPr>
-          <p:nvPr/>
-        </p:nvSpPr>
-        <p:spPr>
-          <a:xfrm>
-            <a:off x="357917" y="3417783"/>
-            <a:ext cx="4913032" cy="5532437"/>
-          </a:xfrm>
-          <a:prstGeom prst="rect">
-            <a:avLst/>
-          </a:prstGeom>
-        </p:spPr>
-        <p:txBody>
-          <a:bodyPr vert="horz" lIns="91440" tIns="45720" rIns="91440" bIns="45720" rtlCol="0">
-            <a:normAutofit/>
-          </a:bodyPr>
-          <a:lstStyle>
-            <a:lvl1pPr marL="228600" indent="-228600" algn="l" defTabSz="914400" rtl="0" eaLnBrk="1" latinLnBrk="0" hangingPunct="1">
-              <a:lnSpc>
-                <a:spcPct val="90000"/>
-              </a:lnSpc>
-              <a:spcBef>
-                <a:spcPts val="1000"/>
-              </a:spcBef>
-              <a:buFont typeface="Arial" panose="020B0604020202020204" pitchFamily="34" charset="0"/>
-              <a:buChar char="•"/>
-              <a:defRPr sz="2800" kern="1200">
-                <a:solidFill>
-                  <a:schemeClr val="tx1"/>
-                </a:solidFill>
-                <a:latin typeface="+mn-lt"/>
-                <a:ea typeface="+mn-ea"/>
-                <a:cs typeface="+mn-cs"/>
-              </a:defRPr>
-            </a:lvl1pPr>
-            <a:lvl2pPr marL="685800" indent="-228600" algn="l" defTabSz="914400" rtl="0" eaLnBrk="1" latinLnBrk="0" hangingPunct="1">
-              <a:lnSpc>
-                <a:spcPct val="90000"/>
-              </a:lnSpc>
-              <a:spcBef>
-                <a:spcPts val="500"/>
-              </a:spcBef>
-              <a:buFont typeface="Arial" panose="020B0604020202020204" pitchFamily="34" charset="0"/>
-              <a:buChar char="•"/>
-              <a:defRPr sz="2400" kern="1200">
-                <a:solidFill>
-                  <a:schemeClr val="tx1"/>
-                </a:solidFill>
-                <a:latin typeface="+mn-lt"/>
-                <a:ea typeface="+mn-ea"/>
-                <a:cs typeface="+mn-cs"/>
-              </a:defRPr>
-            </a:lvl2pPr>
-            <a:lvl3pPr marL="1143000" indent="-228600" algn="l" defTabSz="914400" rtl="0" eaLnBrk="1" latinLnBrk="0" hangingPunct="1">
-              <a:lnSpc>
-                <a:spcPct val="90000"/>
-              </a:lnSpc>
-              <a:spcBef>
-                <a:spcPts val="500"/>
-              </a:spcBef>
-              <a:buFont typeface="Arial" panose="020B0604020202020204" pitchFamily="34" charset="0"/>
-              <a:buChar char="•"/>
-              <a:defRPr sz="2000" kern="1200">
-                <a:solidFill>
-                  <a:schemeClr val="tx1"/>
-                </a:solidFill>
-                <a:latin typeface="+mn-lt"/>
-                <a:ea typeface="+mn-ea"/>
-                <a:cs typeface="+mn-cs"/>
-              </a:defRPr>
-            </a:lvl3pPr>
-            <a:lvl4pPr marL="1600200" indent="-228600" algn="l" defTabSz="914400" rtl="0" eaLnBrk="1" latinLnBrk="0" hangingPunct="1">
-              <a:lnSpc>
-                <a:spcPct val="90000"/>
-              </a:lnSpc>
-              <a:spcBef>
-                <a:spcPts val="500"/>
-              </a:spcBef>
-              <a:buFont typeface="Arial" panose="020B0604020202020204" pitchFamily="34" charset="0"/>
-              <a:buChar char="•"/>
-              <a:defRPr sz="1800" kern="1200">
-                <a:solidFill>
-                  <a:schemeClr val="tx1"/>
-                </a:solidFill>
-                <a:latin typeface="+mn-lt"/>
-                <a:ea typeface="+mn-ea"/>
-                <a:cs typeface="+mn-cs"/>
-              </a:defRPr>
-            </a:lvl4pPr>
-            <a:lvl5pPr marL="2057400" indent="-228600" algn="l" defTabSz="914400" rtl="0" eaLnBrk="1" latinLnBrk="0" hangingPunct="1">
-              <a:lnSpc>
-                <a:spcPct val="90000"/>
-              </a:lnSpc>
-              <a:spcBef>
-                <a:spcPts val="500"/>
-              </a:spcBef>
-              <a:buFont typeface="Arial" panose="020B0604020202020204" pitchFamily="34" charset="0"/>
-              <a:buChar char="•"/>
-              <a:defRPr sz="1800" kern="1200">
-                <a:solidFill>
-                  <a:schemeClr val="tx1"/>
-                </a:solidFill>
-                <a:latin typeface="+mn-lt"/>
-                <a:ea typeface="+mn-ea"/>
-                <a:cs typeface="+mn-cs"/>
-              </a:defRPr>
-            </a:lvl5pPr>
-            <a:lvl6pPr marL="2514600" indent="-228600" algn="l" defTabSz="914400" rtl="0" eaLnBrk="1" latinLnBrk="0" hangingPunct="1">
-              <a:lnSpc>
-                <a:spcPct val="90000"/>
-              </a:lnSpc>
-              <a:spcBef>
-                <a:spcPts val="500"/>
-              </a:spcBef>
-              <a:buFont typeface="Arial" panose="020B0604020202020204" pitchFamily="34" charset="0"/>
-              <a:buChar char="•"/>
-              <a:defRPr sz="1800" kern="1200">
-                <a:solidFill>
-                  <a:schemeClr val="tx1"/>
-                </a:solidFill>
-                <a:latin typeface="+mn-lt"/>
-                <a:ea typeface="+mn-ea"/>
-                <a:cs typeface="+mn-cs"/>
-              </a:defRPr>
-            </a:lvl6pPr>
-            <a:lvl7pPr marL="2971800" indent="-228600" algn="l" defTabSz="914400" rtl="0" eaLnBrk="1" latinLnBrk="0" hangingPunct="1">
-              <a:lnSpc>
-                <a:spcPct val="90000"/>
-              </a:lnSpc>
-              <a:spcBef>
-                <a:spcPts val="500"/>
-              </a:spcBef>
-              <a:buFont typeface="Arial" panose="020B0604020202020204" pitchFamily="34" charset="0"/>
-              <a:buChar char="•"/>
-              <a:defRPr sz="1800" kern="1200">
-                <a:solidFill>
-                  <a:schemeClr val="tx1"/>
-                </a:solidFill>
-                <a:latin typeface="+mn-lt"/>
-                <a:ea typeface="+mn-ea"/>
-                <a:cs typeface="+mn-cs"/>
-              </a:defRPr>
-            </a:lvl7pPr>
-            <a:lvl8pPr marL="3429000" indent="-228600" algn="l" defTabSz="914400" rtl="0" eaLnBrk="1" latinLnBrk="0" hangingPunct="1">
-              <a:lnSpc>
-                <a:spcPct val="90000"/>
-              </a:lnSpc>
-              <a:spcBef>
-                <a:spcPts val="500"/>
-              </a:spcBef>
-              <a:buFont typeface="Arial" panose="020B0604020202020204" pitchFamily="34" charset="0"/>
-              <a:buChar char="•"/>
-              <a:defRPr sz="1800" kern="1200">
-                <a:solidFill>
-                  <a:schemeClr val="tx1"/>
-                </a:solidFill>
-                <a:latin typeface="+mn-lt"/>
-                <a:ea typeface="+mn-ea"/>
-                <a:cs typeface="+mn-cs"/>
-              </a:defRPr>
-            </a:lvl8pPr>
-            <a:lvl9pPr marL="3886200" indent="-228600" algn="l" defTabSz="914400" rtl="0" eaLnBrk="1" latinLnBrk="0" hangingPunct="1">
-              <a:lnSpc>
-                <a:spcPct val="90000"/>
-              </a:lnSpc>
-              <a:spcBef>
-                <a:spcPts val="500"/>
-              </a:spcBef>
-              <a:buFont typeface="Arial" panose="020B0604020202020204" pitchFamily="34" charset="0"/>
-              <a:buChar char="•"/>
-              <a:defRPr sz="1800" kern="1200">
-                <a:solidFill>
-                  <a:schemeClr val="tx1"/>
-                </a:solidFill>
-                <a:latin typeface="+mn-lt"/>
-                <a:ea typeface="+mn-ea"/>
-                <a:cs typeface="+mn-cs"/>
-              </a:defRPr>
-            </a:lvl9pPr>
-          </a:lstStyle>
-          <a:p>
-            <a:pPr marL="0" indent="0">
-              <a:buNone/>
-            </a:pPr>
-            <a:r>
-              <a:rPr lang="en-US" altLang="zh-CN" dirty="0">
-                <a:solidFill>
-                  <a:schemeClr val="accent1"/>
-                </a:solidFill>
-                <a:latin typeface="-apple-system"/>
-              </a:rPr>
-              <a:t>Training objective</a:t>
-            </a:r>
-          </a:p>
-          <a:p>
-            <a:pPr marL="0" indent="0">
-              <a:buNone/>
-            </a:pPr>
-            <a:endParaRPr lang="en-US" altLang="zh-CN" dirty="0">
-              <a:solidFill>
-                <a:schemeClr val="accent1"/>
-              </a:solidFill>
-              <a:latin typeface="-apple-system"/>
-            </a:endParaRPr>
-          </a:p>
-          <a:p>
-            <a:pPr marL="0" indent="0">
-              <a:buNone/>
-            </a:pPr>
-            <a:endParaRPr lang="en-US" altLang="zh-CN" dirty="0">
-              <a:solidFill>
-                <a:schemeClr val="accent1"/>
-              </a:solidFill>
-              <a:latin typeface="-apple-system"/>
-            </a:endParaRPr>
-          </a:p>
-          <a:p>
-            <a:pPr marL="0" indent="0">
-              <a:buNone/>
-            </a:pPr>
-            <a:endParaRPr lang="en-US" altLang="zh-CN" dirty="0">
-              <a:solidFill>
-                <a:schemeClr val="accent1"/>
-              </a:solidFill>
-              <a:latin typeface="-apple-system"/>
-            </a:endParaRPr>
-          </a:p>
-        </p:txBody>
-      </p:sp>
-      <p:sp>
-        <p:nvSpPr>
           <p:cNvPr id="6" name="灯片编号占位符 5">
             <a:extLst>
               <a:ext uri="{FF2B5EF4-FFF2-40B4-BE49-F238E27FC236}">
-                <a16:creationId xmlns:a16="http://schemas.microsoft.com/office/drawing/2014/main" id="{119DA623-8351-F11A-1975-C5FAD936E45C}"/>
+                <a16:creationId xmlns:a16="http://schemas.microsoft.com/office/drawing/2014/main" id="{064315A4-3CF4-4926-C9FA-2AFFC911ABCF}"/>
               </a:ext>
             </a:extLst>
           </p:cNvPr>
@@ -7238,12 +5921,214 @@
           </a:p>
         </p:txBody>
       </p:sp>
+      <p:sp>
+        <p:nvSpPr>
+          <p:cNvPr id="5" name="文本框 4">
+            <a:extLst>
+              <a:ext uri="{FF2B5EF4-FFF2-40B4-BE49-F238E27FC236}">
+                <a16:creationId xmlns:a16="http://schemas.microsoft.com/office/drawing/2014/main" id="{845637AD-D55C-9023-2235-DDE9EB1FBEE5}"/>
+              </a:ext>
+            </a:extLst>
+          </p:cNvPr>
+          <p:cNvSpPr txBox="1"/>
+          <p:nvPr/>
+        </p:nvSpPr>
+        <p:spPr>
+          <a:xfrm>
+            <a:off x="242166" y="3153733"/>
+            <a:ext cx="10237011" cy="2308324"/>
+          </a:xfrm>
+          <a:prstGeom prst="rect">
+            <a:avLst/>
+          </a:prstGeom>
+          <a:noFill/>
+        </p:spPr>
+        <p:txBody>
+          <a:bodyPr wrap="square">
+            <a:spAutoFit/>
+          </a:bodyPr>
+          <a:lstStyle/>
+          <a:p>
+            <a:pPr algn="l"/>
+            <a:r>
+              <a:rPr lang="en-GB" altLang="zh-CN" sz="3600" dirty="0">
+                <a:solidFill>
+                  <a:schemeClr val="accent1"/>
+                </a:solidFill>
+                <a:latin typeface="Calibri" panose="020F0502020204030204" pitchFamily="34" charset="0"/>
+                <a:ea typeface="Calibri" panose="020F0502020204030204" pitchFamily="34" charset="0"/>
+                <a:cs typeface="Calibri" panose="020F0502020204030204" pitchFamily="34" charset="0"/>
+              </a:rPr>
+              <a:t>Future Direction</a:t>
+            </a:r>
+            <a:endParaRPr lang="en-US" altLang="zh-CN" sz="2400" dirty="0">
+              <a:solidFill>
+                <a:srgbClr val="1F2328"/>
+              </a:solidFill>
+              <a:latin typeface="Calibri" panose="020F0502020204030204" pitchFamily="34" charset="0"/>
+              <a:ea typeface="Calibri" panose="020F0502020204030204" pitchFamily="34" charset="0"/>
+              <a:cs typeface="Calibri" panose="020F0502020204030204" pitchFamily="34" charset="0"/>
+            </a:endParaRPr>
+          </a:p>
+          <a:p>
+            <a:endParaRPr lang="en-US" altLang="zh-CN" sz="2400" dirty="0">
+              <a:solidFill>
+                <a:srgbClr val="1F2328"/>
+              </a:solidFill>
+              <a:latin typeface="Calibri" panose="020F0502020204030204" pitchFamily="34" charset="0"/>
+              <a:ea typeface="Calibri" panose="020F0502020204030204" pitchFamily="34" charset="0"/>
+              <a:cs typeface="Calibri" panose="020F0502020204030204" pitchFamily="34" charset="0"/>
+            </a:endParaRPr>
+          </a:p>
+          <a:p>
+            <a:pPr marL="342900" indent="-342900" algn="l">
+              <a:buAutoNum type="arabicPeriod"/>
+            </a:pPr>
+            <a:endParaRPr lang="en-US" altLang="zh-CN" sz="2400" dirty="0">
+              <a:solidFill>
+                <a:srgbClr val="1F2328"/>
+              </a:solidFill>
+              <a:latin typeface="Calibri" panose="020F0502020204030204" pitchFamily="34" charset="0"/>
+              <a:ea typeface="Calibri" panose="020F0502020204030204" pitchFamily="34" charset="0"/>
+              <a:cs typeface="Calibri" panose="020F0502020204030204" pitchFamily="34" charset="0"/>
+            </a:endParaRPr>
+          </a:p>
+          <a:p>
+            <a:pPr marL="342900" indent="-342900" algn="l">
+              <a:buAutoNum type="arabicPeriod"/>
+            </a:pPr>
+            <a:endParaRPr lang="en-US" altLang="zh-CN" sz="2400" dirty="0">
+              <a:solidFill>
+                <a:srgbClr val="1F2328"/>
+              </a:solidFill>
+              <a:latin typeface="Calibri" panose="020F0502020204030204" pitchFamily="34" charset="0"/>
+              <a:ea typeface="Calibri" panose="020F0502020204030204" pitchFamily="34" charset="0"/>
+              <a:cs typeface="Calibri" panose="020F0502020204030204" pitchFamily="34" charset="0"/>
+            </a:endParaRPr>
+          </a:p>
+          <a:p>
+            <a:pPr algn="l"/>
+            <a:endParaRPr lang="en-GB" altLang="zh-CN" dirty="0">
+              <a:solidFill>
+                <a:srgbClr val="1F2328"/>
+              </a:solidFill>
+              <a:latin typeface="Calibri" panose="020F0502020204030204" pitchFamily="34" charset="0"/>
+              <a:ea typeface="Calibri" panose="020F0502020204030204" pitchFamily="34" charset="0"/>
+              <a:cs typeface="Calibri" panose="020F0502020204030204" pitchFamily="34" charset="0"/>
+            </a:endParaRPr>
+          </a:p>
+          <a:p>
+            <a:pPr algn="l"/>
+            <a:endParaRPr lang="en-GB" altLang="zh-CN" dirty="0">
+              <a:solidFill>
+                <a:srgbClr val="1F2328"/>
+              </a:solidFill>
+              <a:latin typeface="Calibri" panose="020F0502020204030204" pitchFamily="34" charset="0"/>
+              <a:ea typeface="Calibri" panose="020F0502020204030204" pitchFamily="34" charset="0"/>
+              <a:cs typeface="Calibri" panose="020F0502020204030204" pitchFamily="34" charset="0"/>
+            </a:endParaRPr>
+          </a:p>
+        </p:txBody>
+      </p:sp>
+      <p:sp>
+        <p:nvSpPr>
+          <p:cNvPr id="7" name="文本框 6">
+            <a:extLst>
+              <a:ext uri="{FF2B5EF4-FFF2-40B4-BE49-F238E27FC236}">
+                <a16:creationId xmlns:a16="http://schemas.microsoft.com/office/drawing/2014/main" id="{B9242670-C6F9-BF95-3E95-0CE829300265}"/>
+              </a:ext>
+            </a:extLst>
+          </p:cNvPr>
+          <p:cNvSpPr txBox="1"/>
+          <p:nvPr/>
+        </p:nvSpPr>
+        <p:spPr>
+          <a:xfrm>
+            <a:off x="276345" y="3934205"/>
+            <a:ext cx="9967250" cy="1815882"/>
+          </a:xfrm>
+          <a:prstGeom prst="rect">
+            <a:avLst/>
+          </a:prstGeom>
+          <a:noFill/>
+        </p:spPr>
+        <p:txBody>
+          <a:bodyPr wrap="square">
+            <a:spAutoFit/>
+          </a:bodyPr>
+          <a:lstStyle/>
+          <a:p>
+            <a:pPr algn="l"/>
+            <a:r>
+              <a:rPr lang="en-US" altLang="zh-CN" sz="2800" dirty="0">
+                <a:solidFill>
+                  <a:srgbClr val="1F2328"/>
+                </a:solidFill>
+                <a:latin typeface="Calibri" panose="020F0502020204030204" pitchFamily="34" charset="0"/>
+                <a:ea typeface="Calibri" panose="020F0502020204030204" pitchFamily="34" charset="0"/>
+                <a:cs typeface="Calibri" panose="020F0502020204030204" pitchFamily="34" charset="0"/>
+              </a:rPr>
+              <a:t>1. Make the P90 coverage evaluation metric works as expected.</a:t>
+            </a:r>
+          </a:p>
+          <a:p>
+            <a:pPr algn="l"/>
+            <a:r>
+              <a:rPr lang="en-US" altLang="zh-CN" sz="2800" dirty="0">
+                <a:solidFill>
+                  <a:srgbClr val="1F2328"/>
+                </a:solidFill>
+                <a:latin typeface="Calibri" panose="020F0502020204030204" pitchFamily="34" charset="0"/>
+                <a:ea typeface="Calibri" panose="020F0502020204030204" pitchFamily="34" charset="0"/>
+                <a:cs typeface="Calibri" panose="020F0502020204030204" pitchFamily="34" charset="0"/>
+              </a:rPr>
+              <a:t>2. Fix some problems in loss function.</a:t>
+            </a:r>
+          </a:p>
+          <a:p>
+            <a:pPr algn="l"/>
+            <a:r>
+              <a:rPr lang="en-US" altLang="zh-CN" sz="2800" dirty="0">
+                <a:solidFill>
+                  <a:srgbClr val="1F2328"/>
+                </a:solidFill>
+                <a:latin typeface="Calibri" panose="020F0502020204030204" pitchFamily="34" charset="0"/>
+                <a:ea typeface="Calibri" panose="020F0502020204030204" pitchFamily="34" charset="0"/>
+                <a:cs typeface="Calibri" panose="020F0502020204030204" pitchFamily="34" charset="0"/>
+              </a:rPr>
+              <a:t>3. Test the model performance for all proposed models.</a:t>
+            </a:r>
+          </a:p>
+          <a:p>
+            <a:pPr algn="l"/>
+            <a:r>
+              <a:rPr lang="en-US" altLang="zh-CN" sz="2800" dirty="0">
+                <a:solidFill>
+                  <a:srgbClr val="1F2328"/>
+                </a:solidFill>
+                <a:latin typeface="Calibri" panose="020F0502020204030204" pitchFamily="34" charset="0"/>
+                <a:ea typeface="Calibri" panose="020F0502020204030204" pitchFamily="34" charset="0"/>
+                <a:cs typeface="Calibri" panose="020F0502020204030204" pitchFamily="34" charset="0"/>
+              </a:rPr>
+              <a:t>4. Try other data splitting strategy.</a:t>
+            </a:r>
+            <a:endParaRPr lang="en-GB" altLang="zh-CN" sz="2800" dirty="0">
+              <a:solidFill>
+                <a:srgbClr val="1F2328"/>
+              </a:solidFill>
+              <a:latin typeface="Calibri" panose="020F0502020204030204" pitchFamily="34" charset="0"/>
+              <a:ea typeface="Calibri" panose="020F0502020204030204" pitchFamily="34" charset="0"/>
+              <a:cs typeface="Calibri" panose="020F0502020204030204" pitchFamily="34" charset="0"/>
+            </a:endParaRPr>
+          </a:p>
+        </p:txBody>
+      </p:sp>
       <p:pic>
         <p:nvPicPr>
-          <p:cNvPr id="3" name="图片 2">
-            <a:extLst>
-              <a:ext uri="{FF2B5EF4-FFF2-40B4-BE49-F238E27FC236}">
-                <a16:creationId xmlns:a16="http://schemas.microsoft.com/office/drawing/2014/main" id="{E392886E-6E9C-7488-F52E-97CCBD625387}"/>
+          <p:cNvPr id="9" name="图片 8">
+            <a:extLst>
+              <a:ext uri="{FF2B5EF4-FFF2-40B4-BE49-F238E27FC236}">
+                <a16:creationId xmlns:a16="http://schemas.microsoft.com/office/drawing/2014/main" id="{937814A7-57FF-2587-1462-E4D5B7115C6B}"/>
               </a:ext>
             </a:extLst>
           </p:cNvPr>
@@ -7260,653 +6145,69 @@
         </p:blipFill>
         <p:spPr>
           <a:xfrm>
-            <a:off x="1138892" y="1980138"/>
-            <a:ext cx="8158491" cy="1259164"/>
+            <a:off x="-57874" y="1107913"/>
+            <a:ext cx="11595696" cy="1574881"/>
           </a:xfrm>
           <a:prstGeom prst="rect">
             <a:avLst/>
           </a:prstGeom>
         </p:spPr>
       </p:pic>
-      <p:pic>
-        <p:nvPicPr>
-          <p:cNvPr id="5" name="图片 4">
-            <a:extLst>
-              <a:ext uri="{FF2B5EF4-FFF2-40B4-BE49-F238E27FC236}">
-                <a16:creationId xmlns:a16="http://schemas.microsoft.com/office/drawing/2014/main" id="{F9DFD0E7-A22C-6F2E-8641-8D87E0F2599B}"/>
-              </a:ext>
-            </a:extLst>
-          </p:cNvPr>
-          <p:cNvPicPr>
-            <a:picLocks noChangeAspect="1"/>
-          </p:cNvPicPr>
+      <p:sp>
+        <p:nvSpPr>
+          <p:cNvPr id="14" name="文本框 13">
+            <a:extLst>
+              <a:ext uri="{FF2B5EF4-FFF2-40B4-BE49-F238E27FC236}">
+                <a16:creationId xmlns:a16="http://schemas.microsoft.com/office/drawing/2014/main" id="{3271A20C-7591-13A5-D0A1-79C29BD46BC7}"/>
+              </a:ext>
+            </a:extLst>
+          </p:cNvPr>
+          <p:cNvSpPr txBox="1"/>
           <p:nvPr/>
-        </p:nvPicPr>
-        <p:blipFill>
-          <a:blip r:embed="rId3"/>
-          <a:stretch>
-            <a:fillRect/>
-          </a:stretch>
-        </p:blipFill>
+        </p:nvSpPr>
         <p:spPr>
           <a:xfrm>
-            <a:off x="795615" y="4363994"/>
-            <a:ext cx="9187836" cy="1867540"/>
+            <a:off x="207442" y="288764"/>
+            <a:ext cx="10237011" cy="646331"/>
           </a:xfrm>
           <a:prstGeom prst="rect">
             <a:avLst/>
           </a:prstGeom>
+          <a:noFill/>
         </p:spPr>
-      </p:pic>
+        <p:txBody>
+          <a:bodyPr wrap="square">
+            <a:spAutoFit/>
+          </a:bodyPr>
+          <a:lstStyle/>
+          <a:p>
+            <a:pPr algn="l"/>
+            <a:r>
+              <a:rPr lang="en-US" altLang="zh-CN" sz="3600" dirty="0">
+                <a:solidFill>
+                  <a:schemeClr val="accent1"/>
+                </a:solidFill>
+                <a:latin typeface="Calibri" panose="020F0502020204030204" pitchFamily="34" charset="0"/>
+                <a:ea typeface="Calibri" panose="020F0502020204030204" pitchFamily="34" charset="0"/>
+                <a:cs typeface="Calibri" panose="020F0502020204030204" pitchFamily="34" charset="0"/>
+              </a:rPr>
+              <a:t>Experiment results</a:t>
+            </a:r>
+            <a:endParaRPr lang="en-GB" altLang="zh-CN" dirty="0">
+              <a:solidFill>
+                <a:srgbClr val="1F2328"/>
+              </a:solidFill>
+              <a:latin typeface="Calibri" panose="020F0502020204030204" pitchFamily="34" charset="0"/>
+              <a:ea typeface="Calibri" panose="020F0502020204030204" pitchFamily="34" charset="0"/>
+              <a:cs typeface="Calibri" panose="020F0502020204030204" pitchFamily="34" charset="0"/>
+            </a:endParaRPr>
+          </a:p>
+        </p:txBody>
+      </p:sp>
     </p:spTree>
     <p:extLst>
       <p:ext uri="{BB962C8B-B14F-4D97-AF65-F5344CB8AC3E}">
-        <p14:creationId xmlns:p14="http://schemas.microsoft.com/office/powerpoint/2010/main" val="3750581454"/>
-      </p:ext>
-    </p:extLst>
-  </p:cSld>
-  <p:clrMapOvr>
-    <a:masterClrMapping/>
-  </p:clrMapOvr>
-  <p:transition spd="med"/>
-</p:sld>
-</file>
-
-<file path=ppt/slides/slide9.xml><?xml version="1.0" encoding="utf-8"?>
-<p:sld xmlns:a="http://schemas.openxmlformats.org/drawingml/2006/main" xmlns:r="http://schemas.openxmlformats.org/officeDocument/2006/relationships" xmlns:p="http://schemas.openxmlformats.org/presentationml/2006/main">
-  <p:cSld>
-    <p:spTree>
-      <p:nvGrpSpPr>
-        <p:cNvPr id="1" name=""/>
-        <p:cNvGrpSpPr/>
-        <p:nvPr/>
-      </p:nvGrpSpPr>
-      <p:grpSpPr>
-        <a:xfrm>
-          <a:off x="0" y="0"/>
-          <a:ext cx="0" cy="0"/>
-          <a:chOff x="0" y="0"/>
-          <a:chExt cx="0" cy="0"/>
-        </a:xfrm>
-      </p:grpSpPr>
-      <p:sp>
-        <p:nvSpPr>
-          <p:cNvPr id="2" name="标题 1">
-            <a:extLst>
-              <a:ext uri="{FF2B5EF4-FFF2-40B4-BE49-F238E27FC236}">
-                <a16:creationId xmlns:a16="http://schemas.microsoft.com/office/drawing/2014/main" id="{8CB0BEDD-BACE-C402-E5B3-E7DBD84C11B8}"/>
-              </a:ext>
-            </a:extLst>
-          </p:cNvPr>
-          <p:cNvSpPr>
-            <a:spLocks noGrp="1"/>
-          </p:cNvSpPr>
-          <p:nvPr>
-            <p:ph type="title"/>
-          </p:nvPr>
-        </p:nvSpPr>
-        <p:spPr>
-          <a:xfrm>
-            <a:off x="239333" y="0"/>
-            <a:ext cx="10515600" cy="1325563"/>
-          </a:xfrm>
-        </p:spPr>
-        <p:txBody>
-          <a:bodyPr/>
-          <a:lstStyle/>
-          <a:p>
-            <a:r>
-              <a:rPr lang="en-US" altLang="zh-CN" dirty="0"/>
-              <a:t>Model 3. Dense all prediction plus </a:t>
-            </a:r>
-            <a:r>
-              <a:rPr lang="en-US" altLang="zh-CN" dirty="0" err="1"/>
-              <a:t>plus</a:t>
-            </a:r>
-            <a:endParaRPr lang="zh-CN" altLang="en-US" dirty="0"/>
-          </a:p>
-        </p:txBody>
-      </p:sp>
-      <p:pic>
-        <p:nvPicPr>
-          <p:cNvPr id="7" name="图片 6">
-            <a:extLst>
-              <a:ext uri="{FF2B5EF4-FFF2-40B4-BE49-F238E27FC236}">
-                <a16:creationId xmlns:a16="http://schemas.microsoft.com/office/drawing/2014/main" id="{08988F1B-EA1D-0B70-DE97-966EAB8075A6}"/>
-              </a:ext>
-            </a:extLst>
-          </p:cNvPr>
-          <p:cNvPicPr>
-            <a:picLocks noChangeAspect="1"/>
-          </p:cNvPicPr>
-          <p:nvPr/>
-        </p:nvPicPr>
-        <p:blipFill>
-          <a:blip r:embed="rId2"/>
-          <a:stretch>
-            <a:fillRect/>
-          </a:stretch>
-        </p:blipFill>
-        <p:spPr>
-          <a:xfrm>
-            <a:off x="239333" y="1684426"/>
-            <a:ext cx="9924057" cy="1531658"/>
-          </a:xfrm>
-          <a:prstGeom prst="rect">
-            <a:avLst/>
-          </a:prstGeom>
-        </p:spPr>
-      </p:pic>
-      <p:sp>
-        <p:nvSpPr>
-          <p:cNvPr id="9" name="文本占位符 3">
-            <a:extLst>
-              <a:ext uri="{FF2B5EF4-FFF2-40B4-BE49-F238E27FC236}">
-                <a16:creationId xmlns:a16="http://schemas.microsoft.com/office/drawing/2014/main" id="{77618B53-20FA-46A1-85E1-E8ABF98844D0}"/>
-              </a:ext>
-            </a:extLst>
-          </p:cNvPr>
-          <p:cNvSpPr txBox="1">
-            <a:spLocks/>
-          </p:cNvSpPr>
-          <p:nvPr/>
-        </p:nvSpPr>
-        <p:spPr>
-          <a:xfrm>
-            <a:off x="357917" y="1124692"/>
-            <a:ext cx="4913032" cy="5532437"/>
-          </a:xfrm>
-          <a:prstGeom prst="rect">
-            <a:avLst/>
-          </a:prstGeom>
-        </p:spPr>
-        <p:txBody>
-          <a:bodyPr vert="horz" lIns="91440" tIns="45720" rIns="91440" bIns="45720" rtlCol="0">
-            <a:normAutofit/>
-          </a:bodyPr>
-          <a:lstStyle>
-            <a:lvl1pPr marL="228600" indent="-228600" algn="l" defTabSz="914400" rtl="0" eaLnBrk="1" latinLnBrk="0" hangingPunct="1">
-              <a:lnSpc>
-                <a:spcPct val="90000"/>
-              </a:lnSpc>
-              <a:spcBef>
-                <a:spcPts val="1000"/>
-              </a:spcBef>
-              <a:buFont typeface="Arial" panose="020B0604020202020204" pitchFamily="34" charset="0"/>
-              <a:buChar char="•"/>
-              <a:defRPr sz="2800" kern="1200">
-                <a:solidFill>
-                  <a:schemeClr val="tx1"/>
-                </a:solidFill>
-                <a:latin typeface="+mn-lt"/>
-                <a:ea typeface="+mn-ea"/>
-                <a:cs typeface="+mn-cs"/>
-              </a:defRPr>
-            </a:lvl1pPr>
-            <a:lvl2pPr marL="685800" indent="-228600" algn="l" defTabSz="914400" rtl="0" eaLnBrk="1" latinLnBrk="0" hangingPunct="1">
-              <a:lnSpc>
-                <a:spcPct val="90000"/>
-              </a:lnSpc>
-              <a:spcBef>
-                <a:spcPts val="500"/>
-              </a:spcBef>
-              <a:buFont typeface="Arial" panose="020B0604020202020204" pitchFamily="34" charset="0"/>
-              <a:buChar char="•"/>
-              <a:defRPr sz="2400" kern="1200">
-                <a:solidFill>
-                  <a:schemeClr val="tx1"/>
-                </a:solidFill>
-                <a:latin typeface="+mn-lt"/>
-                <a:ea typeface="+mn-ea"/>
-                <a:cs typeface="+mn-cs"/>
-              </a:defRPr>
-            </a:lvl2pPr>
-            <a:lvl3pPr marL="1143000" indent="-228600" algn="l" defTabSz="914400" rtl="0" eaLnBrk="1" latinLnBrk="0" hangingPunct="1">
-              <a:lnSpc>
-                <a:spcPct val="90000"/>
-              </a:lnSpc>
-              <a:spcBef>
-                <a:spcPts val="500"/>
-              </a:spcBef>
-              <a:buFont typeface="Arial" panose="020B0604020202020204" pitchFamily="34" charset="0"/>
-              <a:buChar char="•"/>
-              <a:defRPr sz="2000" kern="1200">
-                <a:solidFill>
-                  <a:schemeClr val="tx1"/>
-                </a:solidFill>
-                <a:latin typeface="+mn-lt"/>
-                <a:ea typeface="+mn-ea"/>
-                <a:cs typeface="+mn-cs"/>
-              </a:defRPr>
-            </a:lvl3pPr>
-            <a:lvl4pPr marL="1600200" indent="-228600" algn="l" defTabSz="914400" rtl="0" eaLnBrk="1" latinLnBrk="0" hangingPunct="1">
-              <a:lnSpc>
-                <a:spcPct val="90000"/>
-              </a:lnSpc>
-              <a:spcBef>
-                <a:spcPts val="500"/>
-              </a:spcBef>
-              <a:buFont typeface="Arial" panose="020B0604020202020204" pitchFamily="34" charset="0"/>
-              <a:buChar char="•"/>
-              <a:defRPr sz="1800" kern="1200">
-                <a:solidFill>
-                  <a:schemeClr val="tx1"/>
-                </a:solidFill>
-                <a:latin typeface="+mn-lt"/>
-                <a:ea typeface="+mn-ea"/>
-                <a:cs typeface="+mn-cs"/>
-              </a:defRPr>
-            </a:lvl4pPr>
-            <a:lvl5pPr marL="2057400" indent="-228600" algn="l" defTabSz="914400" rtl="0" eaLnBrk="1" latinLnBrk="0" hangingPunct="1">
-              <a:lnSpc>
-                <a:spcPct val="90000"/>
-              </a:lnSpc>
-              <a:spcBef>
-                <a:spcPts val="500"/>
-              </a:spcBef>
-              <a:buFont typeface="Arial" panose="020B0604020202020204" pitchFamily="34" charset="0"/>
-              <a:buChar char="•"/>
-              <a:defRPr sz="1800" kern="1200">
-                <a:solidFill>
-                  <a:schemeClr val="tx1"/>
-                </a:solidFill>
-                <a:latin typeface="+mn-lt"/>
-                <a:ea typeface="+mn-ea"/>
-                <a:cs typeface="+mn-cs"/>
-              </a:defRPr>
-            </a:lvl5pPr>
-            <a:lvl6pPr marL="2514600" indent="-228600" algn="l" defTabSz="914400" rtl="0" eaLnBrk="1" latinLnBrk="0" hangingPunct="1">
-              <a:lnSpc>
-                <a:spcPct val="90000"/>
-              </a:lnSpc>
-              <a:spcBef>
-                <a:spcPts val="500"/>
-              </a:spcBef>
-              <a:buFont typeface="Arial" panose="020B0604020202020204" pitchFamily="34" charset="0"/>
-              <a:buChar char="•"/>
-              <a:defRPr sz="1800" kern="1200">
-                <a:solidFill>
-                  <a:schemeClr val="tx1"/>
-                </a:solidFill>
-                <a:latin typeface="+mn-lt"/>
-                <a:ea typeface="+mn-ea"/>
-                <a:cs typeface="+mn-cs"/>
-              </a:defRPr>
-            </a:lvl6pPr>
-            <a:lvl7pPr marL="2971800" indent="-228600" algn="l" defTabSz="914400" rtl="0" eaLnBrk="1" latinLnBrk="0" hangingPunct="1">
-              <a:lnSpc>
-                <a:spcPct val="90000"/>
-              </a:lnSpc>
-              <a:spcBef>
-                <a:spcPts val="500"/>
-              </a:spcBef>
-              <a:buFont typeface="Arial" panose="020B0604020202020204" pitchFamily="34" charset="0"/>
-              <a:buChar char="•"/>
-              <a:defRPr sz="1800" kern="1200">
-                <a:solidFill>
-                  <a:schemeClr val="tx1"/>
-                </a:solidFill>
-                <a:latin typeface="+mn-lt"/>
-                <a:ea typeface="+mn-ea"/>
-                <a:cs typeface="+mn-cs"/>
-              </a:defRPr>
-            </a:lvl7pPr>
-            <a:lvl8pPr marL="3429000" indent="-228600" algn="l" defTabSz="914400" rtl="0" eaLnBrk="1" latinLnBrk="0" hangingPunct="1">
-              <a:lnSpc>
-                <a:spcPct val="90000"/>
-              </a:lnSpc>
-              <a:spcBef>
-                <a:spcPts val="500"/>
-              </a:spcBef>
-              <a:buFont typeface="Arial" panose="020B0604020202020204" pitchFamily="34" charset="0"/>
-              <a:buChar char="•"/>
-              <a:defRPr sz="1800" kern="1200">
-                <a:solidFill>
-                  <a:schemeClr val="tx1"/>
-                </a:solidFill>
-                <a:latin typeface="+mn-lt"/>
-                <a:ea typeface="+mn-ea"/>
-                <a:cs typeface="+mn-cs"/>
-              </a:defRPr>
-            </a:lvl8pPr>
-            <a:lvl9pPr marL="3886200" indent="-228600" algn="l" defTabSz="914400" rtl="0" eaLnBrk="1" latinLnBrk="0" hangingPunct="1">
-              <a:lnSpc>
-                <a:spcPct val="90000"/>
-              </a:lnSpc>
-              <a:spcBef>
-                <a:spcPts val="500"/>
-              </a:spcBef>
-              <a:buFont typeface="Arial" panose="020B0604020202020204" pitchFamily="34" charset="0"/>
-              <a:buChar char="•"/>
-              <a:defRPr sz="1800" kern="1200">
-                <a:solidFill>
-                  <a:schemeClr val="tx1"/>
-                </a:solidFill>
-                <a:latin typeface="+mn-lt"/>
-                <a:ea typeface="+mn-ea"/>
-                <a:cs typeface="+mn-cs"/>
-              </a:defRPr>
-            </a:lvl9pPr>
-          </a:lstStyle>
-          <a:p>
-            <a:pPr marL="0" indent="0">
-              <a:buNone/>
-            </a:pPr>
-            <a:r>
-              <a:rPr lang="en-US" altLang="zh-CN" dirty="0">
-                <a:solidFill>
-                  <a:schemeClr val="accent1"/>
-                </a:solidFill>
-                <a:latin typeface="-apple-system"/>
-              </a:rPr>
-              <a:t>Train Sequence</a:t>
-            </a:r>
-          </a:p>
-        </p:txBody>
-      </p:sp>
-      <p:sp>
-        <p:nvSpPr>
-          <p:cNvPr id="10" name="文本占位符 3">
-            <a:extLst>
-              <a:ext uri="{FF2B5EF4-FFF2-40B4-BE49-F238E27FC236}">
-                <a16:creationId xmlns:a16="http://schemas.microsoft.com/office/drawing/2014/main" id="{7C847874-2C49-477B-756E-27D2E16D8EF5}"/>
-              </a:ext>
-            </a:extLst>
-          </p:cNvPr>
-          <p:cNvSpPr txBox="1">
-            <a:spLocks/>
-          </p:cNvSpPr>
-          <p:nvPr/>
-        </p:nvSpPr>
-        <p:spPr>
-          <a:xfrm>
-            <a:off x="357917" y="3417783"/>
-            <a:ext cx="4913032" cy="5532437"/>
-          </a:xfrm>
-          <a:prstGeom prst="rect">
-            <a:avLst/>
-          </a:prstGeom>
-        </p:spPr>
-        <p:txBody>
-          <a:bodyPr vert="horz" lIns="91440" tIns="45720" rIns="91440" bIns="45720" rtlCol="0">
-            <a:normAutofit/>
-          </a:bodyPr>
-          <a:lstStyle>
-            <a:lvl1pPr marL="228600" indent="-228600" algn="l" defTabSz="914400" rtl="0" eaLnBrk="1" latinLnBrk="0" hangingPunct="1">
-              <a:lnSpc>
-                <a:spcPct val="90000"/>
-              </a:lnSpc>
-              <a:spcBef>
-                <a:spcPts val="1000"/>
-              </a:spcBef>
-              <a:buFont typeface="Arial" panose="020B0604020202020204" pitchFamily="34" charset="0"/>
-              <a:buChar char="•"/>
-              <a:defRPr sz="2800" kern="1200">
-                <a:solidFill>
-                  <a:schemeClr val="tx1"/>
-                </a:solidFill>
-                <a:latin typeface="+mn-lt"/>
-                <a:ea typeface="+mn-ea"/>
-                <a:cs typeface="+mn-cs"/>
-              </a:defRPr>
-            </a:lvl1pPr>
-            <a:lvl2pPr marL="685800" indent="-228600" algn="l" defTabSz="914400" rtl="0" eaLnBrk="1" latinLnBrk="0" hangingPunct="1">
-              <a:lnSpc>
-                <a:spcPct val="90000"/>
-              </a:lnSpc>
-              <a:spcBef>
-                <a:spcPts val="500"/>
-              </a:spcBef>
-              <a:buFont typeface="Arial" panose="020B0604020202020204" pitchFamily="34" charset="0"/>
-              <a:buChar char="•"/>
-              <a:defRPr sz="2400" kern="1200">
-                <a:solidFill>
-                  <a:schemeClr val="tx1"/>
-                </a:solidFill>
-                <a:latin typeface="+mn-lt"/>
-                <a:ea typeface="+mn-ea"/>
-                <a:cs typeface="+mn-cs"/>
-              </a:defRPr>
-            </a:lvl2pPr>
-            <a:lvl3pPr marL="1143000" indent="-228600" algn="l" defTabSz="914400" rtl="0" eaLnBrk="1" latinLnBrk="0" hangingPunct="1">
-              <a:lnSpc>
-                <a:spcPct val="90000"/>
-              </a:lnSpc>
-              <a:spcBef>
-                <a:spcPts val="500"/>
-              </a:spcBef>
-              <a:buFont typeface="Arial" panose="020B0604020202020204" pitchFamily="34" charset="0"/>
-              <a:buChar char="•"/>
-              <a:defRPr sz="2000" kern="1200">
-                <a:solidFill>
-                  <a:schemeClr val="tx1"/>
-                </a:solidFill>
-                <a:latin typeface="+mn-lt"/>
-                <a:ea typeface="+mn-ea"/>
-                <a:cs typeface="+mn-cs"/>
-              </a:defRPr>
-            </a:lvl3pPr>
-            <a:lvl4pPr marL="1600200" indent="-228600" algn="l" defTabSz="914400" rtl="0" eaLnBrk="1" latinLnBrk="0" hangingPunct="1">
-              <a:lnSpc>
-                <a:spcPct val="90000"/>
-              </a:lnSpc>
-              <a:spcBef>
-                <a:spcPts val="500"/>
-              </a:spcBef>
-              <a:buFont typeface="Arial" panose="020B0604020202020204" pitchFamily="34" charset="0"/>
-              <a:buChar char="•"/>
-              <a:defRPr sz="1800" kern="1200">
-                <a:solidFill>
-                  <a:schemeClr val="tx1"/>
-                </a:solidFill>
-                <a:latin typeface="+mn-lt"/>
-                <a:ea typeface="+mn-ea"/>
-                <a:cs typeface="+mn-cs"/>
-              </a:defRPr>
-            </a:lvl4pPr>
-            <a:lvl5pPr marL="2057400" indent="-228600" algn="l" defTabSz="914400" rtl="0" eaLnBrk="1" latinLnBrk="0" hangingPunct="1">
-              <a:lnSpc>
-                <a:spcPct val="90000"/>
-              </a:lnSpc>
-              <a:spcBef>
-                <a:spcPts val="500"/>
-              </a:spcBef>
-              <a:buFont typeface="Arial" panose="020B0604020202020204" pitchFamily="34" charset="0"/>
-              <a:buChar char="•"/>
-              <a:defRPr sz="1800" kern="1200">
-                <a:solidFill>
-                  <a:schemeClr val="tx1"/>
-                </a:solidFill>
-                <a:latin typeface="+mn-lt"/>
-                <a:ea typeface="+mn-ea"/>
-                <a:cs typeface="+mn-cs"/>
-              </a:defRPr>
-            </a:lvl5pPr>
-            <a:lvl6pPr marL="2514600" indent="-228600" algn="l" defTabSz="914400" rtl="0" eaLnBrk="1" latinLnBrk="0" hangingPunct="1">
-              <a:lnSpc>
-                <a:spcPct val="90000"/>
-              </a:lnSpc>
-              <a:spcBef>
-                <a:spcPts val="500"/>
-              </a:spcBef>
-              <a:buFont typeface="Arial" panose="020B0604020202020204" pitchFamily="34" charset="0"/>
-              <a:buChar char="•"/>
-              <a:defRPr sz="1800" kern="1200">
-                <a:solidFill>
-                  <a:schemeClr val="tx1"/>
-                </a:solidFill>
-                <a:latin typeface="+mn-lt"/>
-                <a:ea typeface="+mn-ea"/>
-                <a:cs typeface="+mn-cs"/>
-              </a:defRPr>
-            </a:lvl6pPr>
-            <a:lvl7pPr marL="2971800" indent="-228600" algn="l" defTabSz="914400" rtl="0" eaLnBrk="1" latinLnBrk="0" hangingPunct="1">
-              <a:lnSpc>
-                <a:spcPct val="90000"/>
-              </a:lnSpc>
-              <a:spcBef>
-                <a:spcPts val="500"/>
-              </a:spcBef>
-              <a:buFont typeface="Arial" panose="020B0604020202020204" pitchFamily="34" charset="0"/>
-              <a:buChar char="•"/>
-              <a:defRPr sz="1800" kern="1200">
-                <a:solidFill>
-                  <a:schemeClr val="tx1"/>
-                </a:solidFill>
-                <a:latin typeface="+mn-lt"/>
-                <a:ea typeface="+mn-ea"/>
-                <a:cs typeface="+mn-cs"/>
-              </a:defRPr>
-            </a:lvl7pPr>
-            <a:lvl8pPr marL="3429000" indent="-228600" algn="l" defTabSz="914400" rtl="0" eaLnBrk="1" latinLnBrk="0" hangingPunct="1">
-              <a:lnSpc>
-                <a:spcPct val="90000"/>
-              </a:lnSpc>
-              <a:spcBef>
-                <a:spcPts val="500"/>
-              </a:spcBef>
-              <a:buFont typeface="Arial" panose="020B0604020202020204" pitchFamily="34" charset="0"/>
-              <a:buChar char="•"/>
-              <a:defRPr sz="1800" kern="1200">
-                <a:solidFill>
-                  <a:schemeClr val="tx1"/>
-                </a:solidFill>
-                <a:latin typeface="+mn-lt"/>
-                <a:ea typeface="+mn-ea"/>
-                <a:cs typeface="+mn-cs"/>
-              </a:defRPr>
-            </a:lvl8pPr>
-            <a:lvl9pPr marL="3886200" indent="-228600" algn="l" defTabSz="914400" rtl="0" eaLnBrk="1" latinLnBrk="0" hangingPunct="1">
-              <a:lnSpc>
-                <a:spcPct val="90000"/>
-              </a:lnSpc>
-              <a:spcBef>
-                <a:spcPts val="500"/>
-              </a:spcBef>
-              <a:buFont typeface="Arial" panose="020B0604020202020204" pitchFamily="34" charset="0"/>
-              <a:buChar char="•"/>
-              <a:defRPr sz="1800" kern="1200">
-                <a:solidFill>
-                  <a:schemeClr val="tx1"/>
-                </a:solidFill>
-                <a:latin typeface="+mn-lt"/>
-                <a:ea typeface="+mn-ea"/>
-                <a:cs typeface="+mn-cs"/>
-              </a:defRPr>
-            </a:lvl9pPr>
-          </a:lstStyle>
-          <a:p>
-            <a:pPr marL="0" indent="0">
-              <a:buNone/>
-            </a:pPr>
-            <a:r>
-              <a:rPr lang="en-US" altLang="zh-CN" dirty="0">
-                <a:solidFill>
-                  <a:schemeClr val="accent1"/>
-                </a:solidFill>
-                <a:latin typeface="-apple-system"/>
-              </a:rPr>
-              <a:t>Training objective</a:t>
-            </a:r>
-          </a:p>
-          <a:p>
-            <a:pPr marL="0" indent="0">
-              <a:buNone/>
-            </a:pPr>
-            <a:endParaRPr lang="en-US" altLang="zh-CN" dirty="0">
-              <a:solidFill>
-                <a:schemeClr val="accent1"/>
-              </a:solidFill>
-              <a:latin typeface="-apple-system"/>
-            </a:endParaRPr>
-          </a:p>
-          <a:p>
-            <a:pPr marL="0" indent="0">
-              <a:buNone/>
-            </a:pPr>
-            <a:endParaRPr lang="en-US" altLang="zh-CN" dirty="0">
-              <a:solidFill>
-                <a:schemeClr val="accent1"/>
-              </a:solidFill>
-              <a:latin typeface="-apple-system"/>
-            </a:endParaRPr>
-          </a:p>
-          <a:p>
-            <a:pPr marL="0" indent="0">
-              <a:buNone/>
-            </a:pPr>
-            <a:endParaRPr lang="en-US" altLang="zh-CN" dirty="0">
-              <a:solidFill>
-                <a:schemeClr val="accent1"/>
-              </a:solidFill>
-              <a:latin typeface="-apple-system"/>
-            </a:endParaRPr>
-          </a:p>
-        </p:txBody>
-      </p:sp>
-      <p:sp>
-        <p:nvSpPr>
-          <p:cNvPr id="6" name="灯片编号占位符 5">
-            <a:extLst>
-              <a:ext uri="{FF2B5EF4-FFF2-40B4-BE49-F238E27FC236}">
-                <a16:creationId xmlns:a16="http://schemas.microsoft.com/office/drawing/2014/main" id="{119DA623-8351-F11A-1975-C5FAD936E45C}"/>
-              </a:ext>
-            </a:extLst>
-          </p:cNvPr>
-          <p:cNvSpPr>
-            <a:spLocks noGrp="1"/>
-          </p:cNvSpPr>
-          <p:nvPr>
-            <p:ph type="sldNum" sz="quarter" idx="2"/>
-          </p:nvPr>
-        </p:nvSpPr>
-        <p:spPr/>
-        <p:txBody>
-          <a:bodyPr/>
-          <a:lstStyle/>
-          <a:p>
-            <a:fld id="{86CB4B4D-7CA3-9044-876B-883B54F8677D}" type="slidenum">
-              <a:rPr lang="en-US" altLang="zh-CN" smtClean="0"/>
-              <a:t>9</a:t>
-            </a:fld>
-            <a:endParaRPr lang="zh-CN" altLang="en-US"/>
-          </a:p>
-        </p:txBody>
-      </p:sp>
-      <p:pic>
-        <p:nvPicPr>
-          <p:cNvPr id="13" name="图片 12">
-            <a:extLst>
-              <a:ext uri="{FF2B5EF4-FFF2-40B4-BE49-F238E27FC236}">
-                <a16:creationId xmlns:a16="http://schemas.microsoft.com/office/drawing/2014/main" id="{542C48A4-6824-A4DF-52BF-75A638485080}"/>
-              </a:ext>
-            </a:extLst>
-          </p:cNvPr>
-          <p:cNvPicPr>
-            <a:picLocks noChangeAspect="1"/>
-          </p:cNvPicPr>
-          <p:nvPr/>
-        </p:nvPicPr>
-        <p:blipFill>
-          <a:blip r:embed="rId3"/>
-          <a:stretch>
-            <a:fillRect/>
-          </a:stretch>
-        </p:blipFill>
-        <p:spPr>
-          <a:xfrm>
-            <a:off x="602792" y="4129418"/>
-            <a:ext cx="8899188" cy="1626999"/>
-          </a:xfrm>
-          <a:prstGeom prst="rect">
-            <a:avLst/>
-          </a:prstGeom>
-        </p:spPr>
-      </p:pic>
-    </p:spTree>
-    <p:extLst>
-      <p:ext uri="{BB962C8B-B14F-4D97-AF65-F5344CB8AC3E}">
-        <p14:creationId xmlns:p14="http://schemas.microsoft.com/office/powerpoint/2010/main" val="582121818"/>
+        <p14:creationId xmlns:p14="http://schemas.microsoft.com/office/powerpoint/2010/main" val="3480400474"/>
       </p:ext>
     </p:extLst>
   </p:cSld>

--- a/week5/Dissertation_5.pptx
+++ b/week5/Dissertation_5.pptx
@@ -204,7 +204,7 @@
           <a:p>
             <a:fld id="{5551B73A-00A5-41F0-AD1E-E8BC06CD57C4}" type="datetimeFigureOut">
               <a:rPr lang="zh-CN" altLang="en-US" smtClean="0"/>
-              <a:t>2023/7/3</a:t>
+              <a:t>2023/7/4</a:t>
             </a:fld>
             <a:endParaRPr lang="zh-CN" altLang="en-US"/>
           </a:p>
@@ -6145,7 +6145,7 @@
         </p:blipFill>
         <p:spPr>
           <a:xfrm>
-            <a:off x="-57874" y="1107913"/>
+            <a:off x="0" y="1107913"/>
             <a:ext cx="11595696" cy="1574881"/>
           </a:xfrm>
           <a:prstGeom prst="rect">

--- a/week5/Dissertation_5.pptx
+++ b/week5/Dissertation_5.pptx
@@ -4286,7 +4286,7 @@
                 <a:ea typeface="Calibri" panose="020F0502020204030204" pitchFamily="34" charset="0"/>
                 <a:cs typeface="Calibri" panose="020F0502020204030204" pitchFamily="34" charset="0"/>
               </a:rPr>
-              <a:t>Training from scratch harms the item embedding in some extent shown from the experiments. The </a:t>
+              <a:t>Training from scratch harms the item embedding to some extent shown from the experiments. The </a:t>
             </a:r>
             <a:r>
               <a:rPr lang="en-US" altLang="zh-CN" sz="2400" dirty="0">
@@ -4632,27 +4632,8 @@
                 <a:ea typeface="Calibri" panose="020F0502020204030204" pitchFamily="34" charset="0"/>
                 <a:cs typeface="Calibri" panose="020F0502020204030204" pitchFamily="34" charset="0"/>
               </a:rPr>
-              <a:t> </a:t>
-            </a:r>
-            <a:r>
-              <a:rPr lang="en-US" altLang="zh-CN" sz="2400">
-                <a:solidFill>
-                  <a:srgbClr val="1F2328"/>
-                </a:solidFill>
-                <a:latin typeface="Calibri" panose="020F0502020204030204" pitchFamily="34" charset="0"/>
-                <a:ea typeface="Calibri" panose="020F0502020204030204" pitchFamily="34" charset="0"/>
-                <a:cs typeface="Calibri" panose="020F0502020204030204" pitchFamily="34" charset="0"/>
-              </a:rPr>
-              <a:t>(Frozen)</a:t>
-            </a:r>
-            <a:endParaRPr lang="en-US" altLang="zh-CN" sz="2400" dirty="0">
-              <a:solidFill>
-                <a:srgbClr val="1F2328"/>
-              </a:solidFill>
-              <a:latin typeface="Calibri" panose="020F0502020204030204" pitchFamily="34" charset="0"/>
-              <a:ea typeface="Calibri" panose="020F0502020204030204" pitchFamily="34" charset="0"/>
-              <a:cs typeface="Calibri" panose="020F0502020204030204" pitchFamily="34" charset="0"/>
-            </a:endParaRPr>
+              <a:t> (Frozen)</a:t>
+            </a:r>
           </a:p>
           <a:p>
             <a:pPr marL="342900" indent="-342900" algn="l">
@@ -5473,36 +5454,6 @@
           </a:p>
         </p:txBody>
       </p:sp>
-      <p:pic>
-        <p:nvPicPr>
-          <p:cNvPr id="11" name="图片 10">
-            <a:extLst>
-              <a:ext uri="{FF2B5EF4-FFF2-40B4-BE49-F238E27FC236}">
-                <a16:creationId xmlns:a16="http://schemas.microsoft.com/office/drawing/2014/main" id="{5EBB5E16-4C41-2115-07EF-712A5777A334}"/>
-              </a:ext>
-            </a:extLst>
-          </p:cNvPr>
-          <p:cNvPicPr>
-            <a:picLocks noChangeAspect="1"/>
-          </p:cNvPicPr>
-          <p:nvPr/>
-        </p:nvPicPr>
-        <p:blipFill>
-          <a:blip r:embed="rId2"/>
-          <a:stretch>
-            <a:fillRect/>
-          </a:stretch>
-        </p:blipFill>
-        <p:spPr>
-          <a:xfrm>
-            <a:off x="364830" y="2689187"/>
-            <a:ext cx="11462339" cy="1479626"/>
-          </a:xfrm>
-          <a:prstGeom prst="rect">
-            <a:avLst/>
-          </a:prstGeom>
-        </p:spPr>
-      </p:pic>
     </p:spTree>
     <p:extLst>
       <p:ext uri="{BB962C8B-B14F-4D97-AF65-F5344CB8AC3E}">
@@ -6045,7 +5996,7 @@
         <p:spPr>
           <a:xfrm>
             <a:off x="276345" y="3934205"/>
-            <a:ext cx="9967250" cy="1815882"/>
+            <a:ext cx="9967250" cy="2677656"/>
           </a:xfrm>
           <a:prstGeom prst="rect">
             <a:avLst/>
@@ -6111,6 +6062,56 @@
                 <a:cs typeface="Calibri" panose="020F0502020204030204" pitchFamily="34" charset="0"/>
               </a:rPr>
               <a:t>4. Try other data splitting strategy.</a:t>
+            </a:r>
+          </a:p>
+          <a:p>
+            <a:pPr algn="l"/>
+            <a:r>
+              <a:rPr lang="en-US" altLang="zh-CN" sz="2800" dirty="0">
+                <a:solidFill>
+                  <a:srgbClr val="1F2328"/>
+                </a:solidFill>
+                <a:latin typeface="Calibri" panose="020F0502020204030204" pitchFamily="34" charset="0"/>
+                <a:ea typeface="Calibri" panose="020F0502020204030204" pitchFamily="34" charset="0"/>
+                <a:cs typeface="Calibri" panose="020F0502020204030204" pitchFamily="34" charset="0"/>
+              </a:rPr>
+              <a:t>5. Time Feature</a:t>
+            </a:r>
+          </a:p>
+          <a:p>
+            <a:pPr algn="l"/>
+            <a:r>
+              <a:rPr lang="en-US" altLang="zh-CN" sz="2800" dirty="0">
+                <a:solidFill>
+                  <a:srgbClr val="1F2328"/>
+                </a:solidFill>
+                <a:latin typeface="Calibri" panose="020F0502020204030204" pitchFamily="34" charset="0"/>
+                <a:ea typeface="Calibri" panose="020F0502020204030204" pitchFamily="34" charset="0"/>
+                <a:cs typeface="Calibri" panose="020F0502020204030204" pitchFamily="34" charset="0"/>
+              </a:rPr>
+              <a:t>6. Fine tuning (smaller  </a:t>
+            </a:r>
+            <a:r>
+              <a:rPr lang="en-US" altLang="zh-CN" sz="2800" dirty="0" err="1">
+                <a:solidFill>
+                  <a:srgbClr val="1F2328"/>
+                </a:solidFill>
+                <a:latin typeface="Calibri" panose="020F0502020204030204" pitchFamily="34" charset="0"/>
+                <a:ea typeface="Calibri" panose="020F0502020204030204" pitchFamily="34" charset="0"/>
+                <a:cs typeface="Calibri" panose="020F0502020204030204" pitchFamily="34" charset="0"/>
+              </a:rPr>
+              <a:t>lr</a:t>
+            </a:r>
+            <a:r>
+              <a:rPr lang="en-US" altLang="zh-CN" sz="2800" dirty="0">
+                <a:solidFill>
+                  <a:srgbClr val="1F2328"/>
+                </a:solidFill>
+                <a:latin typeface="Calibri" panose="020F0502020204030204" pitchFamily="34" charset="0"/>
+                <a:ea typeface="Calibri" panose="020F0502020204030204" pitchFamily="34" charset="0"/>
+                <a:cs typeface="Calibri" panose="020F0502020204030204" pitchFamily="34" charset="0"/>
+              </a:rPr>
+              <a:t>)</a:t>
             </a:r>
             <a:endParaRPr lang="en-GB" altLang="zh-CN" sz="2800" dirty="0">
               <a:solidFill>
